--- a/bishops/cs321/resources/CS321_Lecture_07B.pptx
+++ b/bishops/cs321/resources/CS321_Lecture_07B.pptx
@@ -5,7 +5,7 @@
     <p:sldMasterId id="2147483648" r:id="rId1"/>
   </p:sldMasterIdLst>
   <p:notesMasterIdLst>
-    <p:notesMasterId r:id="rId23"/>
+    <p:notesMasterId r:id="rId22"/>
   </p:notesMasterIdLst>
   <p:sldIdLst>
     <p:sldId id="256" r:id="rId2"/>
@@ -26,9 +26,8 @@
     <p:sldId id="305" r:id="rId17"/>
     <p:sldId id="306" r:id="rId18"/>
     <p:sldId id="307" r:id="rId19"/>
-    <p:sldId id="308" r:id="rId20"/>
-    <p:sldId id="309" r:id="rId21"/>
-    <p:sldId id="310" r:id="rId22"/>
+    <p:sldId id="309" r:id="rId20"/>
+    <p:sldId id="310" r:id="rId21"/>
   </p:sldIdLst>
   <p:sldSz cx="12192000" cy="6858000"/>
   <p:notesSz cx="6858000" cy="9144000"/>
@@ -12179,7 +12178,7 @@
             </a:pPr>
             <a:r>
               <a:rPr lang="en-US" altLang="en-US" sz="4400" i="0" dirty="0"/>
-              <a:t>Multiple Inheritance?</a:t>
+              <a:t>Abstract Classes Versus Interfaces</a:t>
             </a:r>
           </a:p>
         </p:txBody>
@@ -12319,7 +12318,7 @@
     </p:spTree>
     <p:extLst>
       <p:ext uri="{BB962C8B-B14F-4D97-AF65-F5344CB8AC3E}">
-        <p14:creationId xmlns:p14="http://schemas.microsoft.com/office/powerpoint/2010/main" val="1442569066"/>
+        <p14:creationId xmlns:p14="http://schemas.microsoft.com/office/powerpoint/2010/main" val="2325078793"/>
       </p:ext>
     </p:extLst>
   </p:cSld>
@@ -12588,198 +12587,6 @@
             </a:pPr>
             <a:r>
               <a:rPr lang="en-US" altLang="en-US" sz="4400" i="0" dirty="0"/>
-              <a:t>Abstract Classes Versus Interfaces</a:t>
-            </a:r>
-          </a:p>
-        </p:txBody>
-      </p:sp>
-      <p:sp>
-        <p:nvSpPr>
-          <p:cNvPr id="3" name="Content Placeholder 2"/>
-          <p:cNvSpPr>
-            <a:spLocks noGrp="1"/>
-          </p:cNvSpPr>
-          <p:nvPr>
-            <p:ph idx="1"/>
-          </p:nvPr>
-        </p:nvSpPr>
-        <p:spPr/>
-        <p:txBody>
-          <a:bodyPr>
-            <a:normAutofit/>
-          </a:bodyPr>
-          <a:lstStyle/>
-          <a:p>
-            <a:r>
-              <a:rPr lang="en-US" dirty="0"/>
-              <a:t>When should one use an Abstract class instead of an interface?</a:t>
-            </a:r>
-          </a:p>
-          <a:p>
-            <a:pPr lvl="1"/>
-            <a:r>
-              <a:rPr lang="en-US" dirty="0"/>
-              <a:t>If the abstract class can provide an implementation at the appropriate level of abstraction</a:t>
-            </a:r>
-          </a:p>
-          <a:p>
-            <a:endParaRPr lang="en-US" dirty="0"/>
-          </a:p>
-          <a:p>
-            <a:r>
-              <a:rPr lang="en-US" dirty="0"/>
-              <a:t>When should one use an interface in place of an Abstract Class?</a:t>
-            </a:r>
-          </a:p>
-          <a:p>
-            <a:pPr lvl="1"/>
-            <a:r>
-              <a:rPr lang="en-US" dirty="0"/>
-              <a:t>When one is modeling behaviour </a:t>
-            </a:r>
-          </a:p>
-          <a:p>
-            <a:pPr lvl="1"/>
-            <a:r>
-              <a:rPr lang="en-US" dirty="0"/>
-              <a:t>When the subclass needs to inherit from another class ( you can only extend one class )</a:t>
-            </a:r>
-          </a:p>
-          <a:p>
-            <a:pPr lvl="1"/>
-            <a:r>
-              <a:rPr lang="en-US" dirty="0"/>
-              <a:t>When you cannot reasonably implement any of the methods</a:t>
-            </a:r>
-          </a:p>
-        </p:txBody>
-      </p:sp>
-      <p:sp>
-        <p:nvSpPr>
-          <p:cNvPr id="6" name="Date Placeholder 5"/>
-          <p:cNvSpPr>
-            <a:spLocks noGrp="1"/>
-          </p:cNvSpPr>
-          <p:nvPr>
-            <p:ph type="dt" sz="half" idx="2"/>
-          </p:nvPr>
-        </p:nvSpPr>
-        <p:spPr/>
-        <p:txBody>
-          <a:bodyPr/>
-          <a:lstStyle/>
-          <a:p>
-            <a:r>
-              <a:rPr lang="en-CA" dirty="0"/>
-              <a:t>Winter 2022</a:t>
-            </a:r>
-          </a:p>
-        </p:txBody>
-      </p:sp>
-      <p:sp>
-        <p:nvSpPr>
-          <p:cNvPr id="10" name="Footer Placeholder 9"/>
-          <p:cNvSpPr>
-            <a:spLocks noGrp="1"/>
-          </p:cNvSpPr>
-          <p:nvPr>
-            <p:ph type="ftr" sz="quarter" idx="3"/>
-          </p:nvPr>
-        </p:nvSpPr>
-        <p:spPr/>
-        <p:txBody>
-          <a:bodyPr/>
-          <a:lstStyle/>
-          <a:p>
-            <a:r>
-              <a:rPr lang="en-CA" dirty="0"/>
-              <a:t>CS321: Advanced Programming Techniques</a:t>
-            </a:r>
-          </a:p>
-        </p:txBody>
-      </p:sp>
-      <p:sp>
-        <p:nvSpPr>
-          <p:cNvPr id="12" name="Slide Number Placeholder 11"/>
-          <p:cNvSpPr>
-            <a:spLocks noGrp="1"/>
-          </p:cNvSpPr>
-          <p:nvPr>
-            <p:ph type="sldNum" sz="quarter" idx="4"/>
-          </p:nvPr>
-        </p:nvSpPr>
-        <p:spPr/>
-        <p:txBody>
-          <a:bodyPr/>
-          <a:lstStyle/>
-          <a:p>
-            <a:fld id="{5174927E-2439-42C0-9720-7BBCA09BF46F}" type="slidenum">
-              <a:rPr lang="en-CA" smtClean="0"/>
-              <a:pPr/>
-              <a:t>20</a:t>
-            </a:fld>
-            <a:r>
-              <a:rPr lang="en-CA" dirty="0"/>
-              <a:t> </a:t>
-            </a:r>
-          </a:p>
-        </p:txBody>
-      </p:sp>
-    </p:spTree>
-    <p:extLst>
-      <p:ext uri="{BB962C8B-B14F-4D97-AF65-F5344CB8AC3E}">
-        <p14:creationId xmlns:p14="http://schemas.microsoft.com/office/powerpoint/2010/main" val="2325078793"/>
-      </p:ext>
-    </p:extLst>
-  </p:cSld>
-  <p:clrMapOvr>
-    <a:masterClrMapping/>
-  </p:clrMapOvr>
-</p:sld>
-</file>
-
-<file path=ppt/slides/slide21.xml><?xml version="1.0" encoding="utf-8"?>
-<p:sld xmlns:a="http://schemas.openxmlformats.org/drawingml/2006/main" xmlns:r="http://schemas.openxmlformats.org/officeDocument/2006/relationships" xmlns:p="http://schemas.openxmlformats.org/presentationml/2006/main">
-  <p:cSld>
-    <p:spTree>
-      <p:nvGrpSpPr>
-        <p:cNvPr id="1" name=""/>
-        <p:cNvGrpSpPr/>
-        <p:nvPr/>
-      </p:nvGrpSpPr>
-      <p:grpSpPr>
-        <a:xfrm>
-          <a:off x="0" y="0"/>
-          <a:ext cx="0" cy="0"/>
-          <a:chOff x="0" y="0"/>
-          <a:chExt cx="0" cy="0"/>
-        </a:xfrm>
-      </p:grpSpPr>
-      <p:sp>
-        <p:nvSpPr>
-          <p:cNvPr id="2" name="Title 1"/>
-          <p:cNvSpPr>
-            <a:spLocks noGrp="1"/>
-          </p:cNvSpPr>
-          <p:nvPr>
-            <p:ph type="title"/>
-          </p:nvPr>
-        </p:nvSpPr>
-        <p:spPr/>
-        <p:txBody>
-          <a:bodyPr/>
-          <a:lstStyle/>
-          <a:p>
-            <a:pPr>
-              <a:buClr>
-                <a:srgbClr val="000000"/>
-              </a:buClr>
-              <a:buSzPct val="38000"/>
-              <a:buFont typeface="StarBats" charset="0"/>
-              <a:buNone/>
-            </a:pPr>
-            <a:r>
-              <a:rPr lang="en-US" altLang="en-US" sz="4400" i="0" dirty="0"/>
               <a:t>Interfaces</a:t>
             </a:r>
           </a:p>
@@ -12906,7 +12713,7 @@
             <a:fld id="{5174927E-2439-42C0-9720-7BBCA09BF46F}" type="slidenum">
               <a:rPr lang="en-CA" smtClean="0"/>
               <a:pPr/>
-              <a:t>21</a:t>
+              <a:t>20</a:t>
             </a:fld>
             <a:r>
               <a:rPr lang="en-CA" dirty="0"/>

--- a/bishops/cs321/resources/CS321_Lecture_07B.pptx
+++ b/bishops/cs321/resources/CS321_Lecture_07B.pptx
@@ -128,7 +128,7 @@
   </p:defaultTextStyle>
   <p:extLst>
     <p:ext uri="{EFAFB233-063F-42B5-8137-9DF3F51BA10A}">
-      <p15:sldGuideLst xmlns:p15="http://schemas.microsoft.com/office/powerpoint/2012/main"/>
+      <p15:sldGuideLst xmlns:p15="http://schemas.microsoft.com/office/powerpoint/2012/main" xmlns=""/>
     </p:ext>
   </p:extLst>
 </p:presentation>
@@ -139,7 +139,7 @@
   <p:cmAuthor id="1" name="Gregory" initials="G" lastIdx="1" clrIdx="0">
     <p:extLst>
       <p:ext uri="{19B8F6BF-5375-455C-9EA6-DF929625EA0E}">
-        <p15:presenceInfo xmlns:p15="http://schemas.microsoft.com/office/powerpoint/2012/main" userId="Gregory" providerId="None"/>
+        <p15:presenceInfo xmlns:p15="http://schemas.microsoft.com/office/powerpoint/2012/main" xmlns="" userId="Gregory" providerId="None"/>
       </p:ext>
     </p:extLst>
   </p:cmAuthor>
@@ -228,7 +228,8 @@
           <a:p>
             <a:fld id="{A6583E9D-07AB-4C6D-BFD0-47E805C6B3D4}" type="datetimeFigureOut">
               <a:rPr lang="en-CA" smtClean="0"/>
-              <a:t>2022-02-04</a:t>
+              <a:pPr/>
+              <a:t>2025-01-05</a:t>
             </a:fld>
             <a:endParaRPr lang="en-CA"/>
           </a:p>
@@ -387,6 +388,7 @@
           <a:p>
             <a:fld id="{8F20841C-25C9-4C0C-A7FA-C4A363D14F5A}" type="slidenum">
               <a:rPr lang="en-CA" smtClean="0"/>
+              <a:pPr/>
               <a:t>‹#›</a:t>
             </a:fld>
             <a:endParaRPr lang="en-CA"/>
@@ -396,7 +398,7 @@
     </p:spTree>
     <p:extLst>
       <p:ext uri="{BB962C8B-B14F-4D97-AF65-F5344CB8AC3E}">
-        <p14:creationId xmlns:p14="http://schemas.microsoft.com/office/powerpoint/2010/main" val="4237529172"/>
+        <p14:creationId xmlns:p14="http://schemas.microsoft.com/office/powerpoint/2010/main" xmlns="" val="4237529172"/>
       </p:ext>
     </p:extLst>
   </p:cSld>
@@ -569,6 +571,7 @@
           <a:p>
             <a:fld id="{8F20841C-25C9-4C0C-A7FA-C4A363D14F5A}" type="slidenum">
               <a:rPr lang="en-CA" smtClean="0"/>
+              <a:pPr/>
               <a:t>1</a:t>
             </a:fld>
             <a:endParaRPr lang="en-CA"/>
@@ -578,7 +581,7 @@
     </p:spTree>
     <p:extLst>
       <p:ext uri="{BB962C8B-B14F-4D97-AF65-F5344CB8AC3E}">
-        <p14:creationId xmlns:p14="http://schemas.microsoft.com/office/powerpoint/2010/main" val="2340334442"/>
+        <p14:creationId xmlns:p14="http://schemas.microsoft.com/office/powerpoint/2010/main" xmlns="" val="2340334442"/>
       </p:ext>
     </p:extLst>
   </p:cSld>
@@ -772,6 +775,7 @@
           <a:p>
             <a:fld id="{5174927E-2439-42C0-9720-7BBCA09BF46F}" type="slidenum">
               <a:rPr lang="en-CA" smtClean="0"/>
+              <a:pPr/>
               <a:t>‹#›</a:t>
             </a:fld>
             <a:endParaRPr lang="en-CA"/>
@@ -781,7 +785,7 @@
     </p:spTree>
     <p:extLst>
       <p:ext uri="{BB962C8B-B14F-4D97-AF65-F5344CB8AC3E}">
-        <p14:creationId xmlns:p14="http://schemas.microsoft.com/office/powerpoint/2010/main" val="1900560834"/>
+        <p14:creationId xmlns:p14="http://schemas.microsoft.com/office/powerpoint/2010/main" xmlns="" val="1900560834"/>
       </p:ext>
     </p:extLst>
   </p:cSld>
@@ -945,6 +949,7 @@
           <a:p>
             <a:fld id="{5174927E-2439-42C0-9720-7BBCA09BF46F}" type="slidenum">
               <a:rPr lang="en-CA" smtClean="0"/>
+              <a:pPr/>
               <a:t>‹#›</a:t>
             </a:fld>
             <a:endParaRPr lang="en-CA"/>
@@ -954,7 +959,7 @@
     </p:spTree>
     <p:extLst>
       <p:ext uri="{BB962C8B-B14F-4D97-AF65-F5344CB8AC3E}">
-        <p14:creationId xmlns:p14="http://schemas.microsoft.com/office/powerpoint/2010/main" val="3722958745"/>
+        <p14:creationId xmlns:p14="http://schemas.microsoft.com/office/powerpoint/2010/main" xmlns="" val="3722958745"/>
       </p:ext>
     </p:extLst>
   </p:cSld>
@@ -1190,7 +1195,7 @@
     </p:spTree>
     <p:extLst>
       <p:ext uri="{BB962C8B-B14F-4D97-AF65-F5344CB8AC3E}">
-        <p14:creationId xmlns:p14="http://schemas.microsoft.com/office/powerpoint/2010/main" val="1822376042"/>
+        <p14:creationId xmlns:p14="http://schemas.microsoft.com/office/powerpoint/2010/main" xmlns="" val="1822376042"/>
       </p:ext>
     </p:extLst>
   </p:cSld>
@@ -1430,6 +1435,7 @@
           <a:p>
             <a:fld id="{5174927E-2439-42C0-9720-7BBCA09BF46F}" type="slidenum">
               <a:rPr lang="en-CA" smtClean="0"/>
+              <a:pPr/>
               <a:t>‹#›</a:t>
             </a:fld>
             <a:endParaRPr lang="en-CA"/>
@@ -1439,7 +1445,7 @@
     </p:spTree>
     <p:extLst>
       <p:ext uri="{BB962C8B-B14F-4D97-AF65-F5344CB8AC3E}">
-        <p14:creationId xmlns:p14="http://schemas.microsoft.com/office/powerpoint/2010/main" val="3411672561"/>
+        <p14:creationId xmlns:p14="http://schemas.microsoft.com/office/powerpoint/2010/main" xmlns="" val="3411672561"/>
       </p:ext>
     </p:extLst>
   </p:cSld>
@@ -1665,6 +1671,7 @@
           <a:p>
             <a:fld id="{5174927E-2439-42C0-9720-7BBCA09BF46F}" type="slidenum">
               <a:rPr lang="en-CA" smtClean="0"/>
+              <a:pPr/>
               <a:t>‹#›</a:t>
             </a:fld>
             <a:endParaRPr lang="en-CA"/>
@@ -1674,7 +1681,7 @@
     </p:spTree>
     <p:extLst>
       <p:ext uri="{BB962C8B-B14F-4D97-AF65-F5344CB8AC3E}">
-        <p14:creationId xmlns:p14="http://schemas.microsoft.com/office/powerpoint/2010/main" val="1093008526"/>
+        <p14:creationId xmlns:p14="http://schemas.microsoft.com/office/powerpoint/2010/main" xmlns="" val="1093008526"/>
       </p:ext>
     </p:extLst>
   </p:cSld>
@@ -2035,6 +2042,7 @@
           <a:p>
             <a:fld id="{5174927E-2439-42C0-9720-7BBCA09BF46F}" type="slidenum">
               <a:rPr lang="en-CA" smtClean="0"/>
+              <a:pPr/>
               <a:t>‹#›</a:t>
             </a:fld>
             <a:endParaRPr lang="en-CA"/>
@@ -2044,7 +2052,7 @@
     </p:spTree>
     <p:extLst>
       <p:ext uri="{BB962C8B-B14F-4D97-AF65-F5344CB8AC3E}">
-        <p14:creationId xmlns:p14="http://schemas.microsoft.com/office/powerpoint/2010/main" val="1087924878"/>
+        <p14:creationId xmlns:p14="http://schemas.microsoft.com/office/powerpoint/2010/main" xmlns="" val="1087924878"/>
       </p:ext>
     </p:extLst>
   </p:cSld>
@@ -2156,6 +2164,7 @@
           <a:p>
             <a:fld id="{5174927E-2439-42C0-9720-7BBCA09BF46F}" type="slidenum">
               <a:rPr lang="en-CA" smtClean="0"/>
+              <a:pPr/>
               <a:t>‹#›</a:t>
             </a:fld>
             <a:endParaRPr lang="en-CA"/>
@@ -2165,7 +2174,7 @@
     </p:spTree>
     <p:extLst>
       <p:ext uri="{BB962C8B-B14F-4D97-AF65-F5344CB8AC3E}">
-        <p14:creationId xmlns:p14="http://schemas.microsoft.com/office/powerpoint/2010/main" val="3802387408"/>
+        <p14:creationId xmlns:p14="http://schemas.microsoft.com/office/powerpoint/2010/main" xmlns="" val="3802387408"/>
       </p:ext>
     </p:extLst>
   </p:cSld>
@@ -2254,6 +2263,7 @@
           <a:p>
             <a:fld id="{5174927E-2439-42C0-9720-7BBCA09BF46F}" type="slidenum">
               <a:rPr lang="en-CA" smtClean="0"/>
+              <a:pPr/>
               <a:t>‹#›</a:t>
             </a:fld>
             <a:endParaRPr lang="en-CA"/>
@@ -2263,7 +2273,7 @@
     </p:spTree>
     <p:extLst>
       <p:ext uri="{BB962C8B-B14F-4D97-AF65-F5344CB8AC3E}">
-        <p14:creationId xmlns:p14="http://schemas.microsoft.com/office/powerpoint/2010/main" val="4234091411"/>
+        <p14:creationId xmlns:p14="http://schemas.microsoft.com/office/powerpoint/2010/main" xmlns="" val="4234091411"/>
       </p:ext>
     </p:extLst>
   </p:cSld>
@@ -2534,6 +2544,7 @@
           <a:p>
             <a:fld id="{5174927E-2439-42C0-9720-7BBCA09BF46F}" type="slidenum">
               <a:rPr lang="en-CA" smtClean="0"/>
+              <a:pPr/>
               <a:t>‹#›</a:t>
             </a:fld>
             <a:endParaRPr lang="en-CA"/>
@@ -2543,7 +2554,7 @@
     </p:spTree>
     <p:extLst>
       <p:ext uri="{BB962C8B-B14F-4D97-AF65-F5344CB8AC3E}">
-        <p14:creationId xmlns:p14="http://schemas.microsoft.com/office/powerpoint/2010/main" val="4189422420"/>
+        <p14:creationId xmlns:p14="http://schemas.microsoft.com/office/powerpoint/2010/main" xmlns="" val="4189422420"/>
       </p:ext>
     </p:extLst>
   </p:cSld>
@@ -2790,6 +2801,7 @@
           <a:p>
             <a:fld id="{5174927E-2439-42C0-9720-7BBCA09BF46F}" type="slidenum">
               <a:rPr lang="en-CA" smtClean="0"/>
+              <a:pPr/>
               <a:t>‹#›</a:t>
             </a:fld>
             <a:endParaRPr lang="en-CA"/>
@@ -2799,7 +2811,7 @@
     </p:spTree>
     <p:extLst>
       <p:ext uri="{BB962C8B-B14F-4D97-AF65-F5344CB8AC3E}">
-        <p14:creationId xmlns:p14="http://schemas.microsoft.com/office/powerpoint/2010/main" val="3252977898"/>
+        <p14:creationId xmlns:p14="http://schemas.microsoft.com/office/powerpoint/2010/main" xmlns="" val="3252977898"/>
       </p:ext>
     </p:extLst>
   </p:cSld>
@@ -3065,10 +3077,10 @@
           <p:nvPr userDrawn="1"/>
         </p:nvPicPr>
         <p:blipFill>
-          <a:blip r:embed="rId13">
+          <a:blip r:embed="rId13" cstate="print">
             <a:extLst>
               <a:ext uri="{28A0092B-C50C-407E-A947-70E740481C1C}">
-                <a14:useLocalDpi xmlns:a14="http://schemas.microsoft.com/office/drawing/2010/main" val="0"/>
+                <a14:useLocalDpi xmlns:a14="http://schemas.microsoft.com/office/drawing/2010/main" xmlns="" val="0"/>
               </a:ext>
             </a:extLst>
           </a:blip>
@@ -3089,7 +3101,7 @@
     </p:spTree>
     <p:extLst>
       <p:ext uri="{BB962C8B-B14F-4D97-AF65-F5344CB8AC3E}">
-        <p14:creationId xmlns:p14="http://schemas.microsoft.com/office/powerpoint/2010/main" val="4230061028"/>
+        <p14:creationId xmlns:p14="http://schemas.microsoft.com/office/powerpoint/2010/main" xmlns="" val="4230061028"/>
       </p:ext>
     </p:extLst>
   </p:cSld>
@@ -3526,17 +3538,12 @@
           <a:p>
             <a:r>
               <a:rPr lang="en-CA" dirty="0"/>
-              <a:t>Prof: Gregory Mierzwinski</a:t>
-            </a:r>
-            <a:endParaRPr lang="en-CA" baseline="30000" dirty="0"/>
-          </a:p>
-          <a:p>
-            <a:r>
-              <a:rPr lang="en-CA" dirty="0"/>
-              <a:t>Date: January 31, 2022</a:t>
-            </a:r>
-          </a:p>
-          <a:p>
+              <a:t>Prof: Gregory </a:t>
+            </a:r>
+            <a:r>
+              <a:rPr lang="en-CA" dirty="0" err="1" smtClean="0"/>
+              <a:t>Mierzwinski</a:t>
+            </a:r>
             <a:endParaRPr lang="en-CA" dirty="0"/>
           </a:p>
         </p:txBody>
@@ -3546,7 +3553,7 @@
           <p:cNvPr id="13" name="Picture 8" descr="http://osiris.ubishops.ca/~alussier/images/transparentlogo_bu.png">
             <a:extLst>
               <a:ext uri="{FF2B5EF4-FFF2-40B4-BE49-F238E27FC236}">
-                <a16:creationId xmlns:a16="http://schemas.microsoft.com/office/drawing/2014/main" id="{CCB9A035-2F1C-4B96-A5DB-70B72D6E4AD8}"/>
+                <a16:creationId xmlns:a16="http://schemas.microsoft.com/office/drawing/2014/main" xmlns="" id="{CCB9A035-2F1C-4B96-A5DB-70B72D6E4AD8}"/>
               </a:ext>
             </a:extLst>
           </p:cNvPr>
@@ -3556,10 +3563,10 @@
           <p:nvPr/>
         </p:nvPicPr>
         <p:blipFill>
-          <a:blip r:embed="rId3">
+          <a:blip r:embed="rId3" cstate="print">
             <a:extLst>
               <a:ext uri="{28A0092B-C50C-407E-A947-70E740481C1C}">
-                <a14:useLocalDpi xmlns:a14="http://schemas.microsoft.com/office/drawing/2010/main" val="0"/>
+                <a14:useLocalDpi xmlns:a14="http://schemas.microsoft.com/office/drawing/2010/main" xmlns="" val="0"/>
               </a:ext>
             </a:extLst>
           </a:blip>
@@ -3579,7 +3586,7 @@
           <a:noFill/>
           <a:extLst>
             <a:ext uri="{909E8E84-426E-40DD-AFC4-6F175D3DCCD1}">
-              <a14:hiddenFill xmlns:a14="http://schemas.microsoft.com/office/drawing/2010/main">
+              <a14:hiddenFill xmlns:a14="http://schemas.microsoft.com/office/drawing/2010/main" xmlns="">
                 <a:solidFill>
                   <a:srgbClr val="FFFFFF"/>
                 </a:solidFill>
@@ -3591,7 +3598,7 @@
     </p:spTree>
     <p:extLst>
       <p:ext uri="{BB962C8B-B14F-4D97-AF65-F5344CB8AC3E}">
-        <p14:creationId xmlns:p14="http://schemas.microsoft.com/office/powerpoint/2010/main" val="4177077622"/>
+        <p14:creationId xmlns:p14="http://schemas.microsoft.com/office/powerpoint/2010/main" xmlns="" val="4177077622"/>
       </p:ext>
     </p:extLst>
   </p:cSld>
@@ -3733,28 +3740,6 @@
       </p:sp>
       <p:sp>
         <p:nvSpPr>
-          <p:cNvPr id="6" name="Date Placeholder 5"/>
-          <p:cNvSpPr>
-            <a:spLocks noGrp="1"/>
-          </p:cNvSpPr>
-          <p:nvPr>
-            <p:ph type="dt" sz="half" idx="2"/>
-          </p:nvPr>
-        </p:nvSpPr>
-        <p:spPr/>
-        <p:txBody>
-          <a:bodyPr/>
-          <a:lstStyle/>
-          <a:p>
-            <a:r>
-              <a:rPr lang="en-CA" dirty="0"/>
-              <a:t>Winter 2022</a:t>
-            </a:r>
-          </a:p>
-        </p:txBody>
-      </p:sp>
-      <p:sp>
-        <p:nvSpPr>
           <p:cNvPr id="10" name="Footer Placeholder 9"/>
           <p:cNvSpPr>
             <a:spLocks noGrp="1"/>
@@ -3805,7 +3790,7 @@
     </p:spTree>
     <p:extLst>
       <p:ext uri="{BB962C8B-B14F-4D97-AF65-F5344CB8AC3E}">
-        <p14:creationId xmlns:p14="http://schemas.microsoft.com/office/powerpoint/2010/main" val="3134333632"/>
+        <p14:creationId xmlns:p14="http://schemas.microsoft.com/office/powerpoint/2010/main" xmlns="" val="3134333632"/>
       </p:ext>
     </p:extLst>
   </p:cSld>
@@ -3891,28 +3876,6 @@
       </p:sp>
       <p:sp>
         <p:nvSpPr>
-          <p:cNvPr id="6" name="Date Placeholder 5"/>
-          <p:cNvSpPr>
-            <a:spLocks noGrp="1"/>
-          </p:cNvSpPr>
-          <p:nvPr>
-            <p:ph type="dt" sz="half" idx="2"/>
-          </p:nvPr>
-        </p:nvSpPr>
-        <p:spPr/>
-        <p:txBody>
-          <a:bodyPr/>
-          <a:lstStyle/>
-          <a:p>
-            <a:r>
-              <a:rPr lang="en-CA" dirty="0"/>
-              <a:t>Winter 2022</a:t>
-            </a:r>
-          </a:p>
-        </p:txBody>
-      </p:sp>
-      <p:sp>
-        <p:nvSpPr>
           <p:cNvPr id="10" name="Footer Placeholder 9"/>
           <p:cNvSpPr>
             <a:spLocks noGrp="1"/>
@@ -3965,7 +3928,7 @@
           <p:cNvPr id="7" name="AutoShape 3">
             <a:extLst>
               <a:ext uri="{FF2B5EF4-FFF2-40B4-BE49-F238E27FC236}">
-                <a16:creationId xmlns:a16="http://schemas.microsoft.com/office/drawing/2014/main" id="{01CD9EB9-E2A1-4A8B-A101-F30F57DA96D3}"/>
+                <a16:creationId xmlns:a16="http://schemas.microsoft.com/office/drawing/2014/main" xmlns="" id="{01CD9EB9-E2A1-4A8B-A101-F30F57DA96D3}"/>
               </a:ext>
             </a:extLst>
           </p:cNvPr>
@@ -4133,7 +4096,7 @@
           <p:cNvPr id="8" name="Text Box 4">
             <a:extLst>
               <a:ext uri="{FF2B5EF4-FFF2-40B4-BE49-F238E27FC236}">
-                <a16:creationId xmlns:a16="http://schemas.microsoft.com/office/drawing/2014/main" id="{2678E749-B132-4806-BB99-76EF4E782E87}"/>
+                <a16:creationId xmlns:a16="http://schemas.microsoft.com/office/drawing/2014/main" xmlns="" id="{2678E749-B132-4806-BB99-76EF4E782E87}"/>
               </a:ext>
             </a:extLst>
           </p:cNvPr>
@@ -4156,14 +4119,14 @@
           </a:ln>
           <a:extLst>
             <a:ext uri="{909E8E84-426E-40DD-AFC4-6F175D3DCCD1}">
-              <a14:hiddenFill xmlns:a14="http://schemas.microsoft.com/office/drawing/2010/main">
+              <a14:hiddenFill xmlns:a14="http://schemas.microsoft.com/office/drawing/2010/main" xmlns="">
                 <a:solidFill>
                   <a:srgbClr val="FFFFFF"/>
                 </a:solidFill>
               </a14:hiddenFill>
             </a:ext>
             <a:ext uri="{91240B29-F687-4F45-9708-019B960494DF}">
-              <a14:hiddenLine xmlns:a14="http://schemas.microsoft.com/office/drawing/2010/main" w="9525">
+              <a14:hiddenLine xmlns:a14="http://schemas.microsoft.com/office/drawing/2010/main" xmlns="" w="9525">
                 <a:solidFill>
                   <a:srgbClr val="000000"/>
                 </a:solidFill>
@@ -4429,7 +4392,7 @@
           <p:cNvPr id="9" name="Text Box 5">
             <a:extLst>
               <a:ext uri="{FF2B5EF4-FFF2-40B4-BE49-F238E27FC236}">
-                <a16:creationId xmlns:a16="http://schemas.microsoft.com/office/drawing/2014/main" id="{B37C4A8C-6953-4F06-9B7E-7401FF0F0066}"/>
+                <a16:creationId xmlns:a16="http://schemas.microsoft.com/office/drawing/2014/main" xmlns="" id="{B37C4A8C-6953-4F06-9B7E-7401FF0F0066}"/>
               </a:ext>
             </a:extLst>
           </p:cNvPr>
@@ -4452,14 +4415,14 @@
           </a:ln>
           <a:extLst>
             <a:ext uri="{909E8E84-426E-40DD-AFC4-6F175D3DCCD1}">
-              <a14:hiddenFill xmlns:a14="http://schemas.microsoft.com/office/drawing/2010/main">
+              <a14:hiddenFill xmlns:a14="http://schemas.microsoft.com/office/drawing/2010/main" xmlns="">
                 <a:solidFill>
                   <a:srgbClr val="FFFFFF"/>
                 </a:solidFill>
               </a14:hiddenFill>
             </a:ext>
             <a:ext uri="{91240B29-F687-4F45-9708-019B960494DF}">
-              <a14:hiddenLine xmlns:a14="http://schemas.microsoft.com/office/drawing/2010/main" w="9525">
+              <a14:hiddenLine xmlns:a14="http://schemas.microsoft.com/office/drawing/2010/main" xmlns="" w="9525">
                 <a:solidFill>
                   <a:srgbClr val="000000"/>
                 </a:solidFill>
@@ -4622,7 +4585,7 @@
           <p:cNvPr id="11" name="AutoShape 6">
             <a:extLst>
               <a:ext uri="{FF2B5EF4-FFF2-40B4-BE49-F238E27FC236}">
-                <a16:creationId xmlns:a16="http://schemas.microsoft.com/office/drawing/2014/main" id="{299C4C88-CE3D-44DA-A6C2-1893B3567D54}"/>
+                <a16:creationId xmlns:a16="http://schemas.microsoft.com/office/drawing/2014/main" xmlns="" id="{299C4C88-CE3D-44DA-A6C2-1893B3567D54}"/>
               </a:ext>
             </a:extLst>
           </p:cNvPr>
@@ -4790,7 +4753,7 @@
           <p:cNvPr id="13" name="Text Box 7">
             <a:extLst>
               <a:ext uri="{FF2B5EF4-FFF2-40B4-BE49-F238E27FC236}">
-                <a16:creationId xmlns:a16="http://schemas.microsoft.com/office/drawing/2014/main" id="{F3C29C8A-0FA0-4689-B66B-B3E97705EAF4}"/>
+                <a16:creationId xmlns:a16="http://schemas.microsoft.com/office/drawing/2014/main" xmlns="" id="{F3C29C8A-0FA0-4689-B66B-B3E97705EAF4}"/>
               </a:ext>
             </a:extLst>
           </p:cNvPr>
@@ -4813,14 +4776,14 @@
           </a:ln>
           <a:extLst>
             <a:ext uri="{909E8E84-426E-40DD-AFC4-6F175D3DCCD1}">
-              <a14:hiddenFill xmlns:a14="http://schemas.microsoft.com/office/drawing/2010/main">
+              <a14:hiddenFill xmlns:a14="http://schemas.microsoft.com/office/drawing/2010/main" xmlns="">
                 <a:solidFill>
                   <a:srgbClr val="FFFFFF"/>
                 </a:solidFill>
               </a14:hiddenFill>
             </a:ext>
             <a:ext uri="{91240B29-F687-4F45-9708-019B960494DF}">
-              <a14:hiddenLine xmlns:a14="http://schemas.microsoft.com/office/drawing/2010/main" w="9525">
+              <a14:hiddenLine xmlns:a14="http://schemas.microsoft.com/office/drawing/2010/main" xmlns="" w="9525">
                 <a:solidFill>
                   <a:srgbClr val="000000"/>
                 </a:solidFill>
@@ -5189,7 +5152,7 @@
           <p:cNvPr id="14" name="Text Box 8">
             <a:extLst>
               <a:ext uri="{FF2B5EF4-FFF2-40B4-BE49-F238E27FC236}">
-                <a16:creationId xmlns:a16="http://schemas.microsoft.com/office/drawing/2014/main" id="{7536CB6F-EDB6-4279-BA75-89801508B23C}"/>
+                <a16:creationId xmlns:a16="http://schemas.microsoft.com/office/drawing/2014/main" xmlns="" id="{7536CB6F-EDB6-4279-BA75-89801508B23C}"/>
               </a:ext>
             </a:extLst>
           </p:cNvPr>
@@ -5212,14 +5175,14 @@
           </a:ln>
           <a:extLst>
             <a:ext uri="{909E8E84-426E-40DD-AFC4-6F175D3DCCD1}">
-              <a14:hiddenFill xmlns:a14="http://schemas.microsoft.com/office/drawing/2010/main">
+              <a14:hiddenFill xmlns:a14="http://schemas.microsoft.com/office/drawing/2010/main" xmlns="">
                 <a:solidFill>
                   <a:srgbClr val="FFFFFF"/>
                 </a:solidFill>
               </a14:hiddenFill>
             </a:ext>
             <a:ext uri="{91240B29-F687-4F45-9708-019B960494DF}">
-              <a14:hiddenLine xmlns:a14="http://schemas.microsoft.com/office/drawing/2010/main" w="9525">
+              <a14:hiddenLine xmlns:a14="http://schemas.microsoft.com/office/drawing/2010/main" xmlns="" w="9525">
                 <a:solidFill>
                   <a:srgbClr val="000000"/>
                 </a:solidFill>
@@ -5382,7 +5345,7 @@
           <p:cNvPr id="15" name="Text Box 9">
             <a:extLst>
               <a:ext uri="{FF2B5EF4-FFF2-40B4-BE49-F238E27FC236}">
-                <a16:creationId xmlns:a16="http://schemas.microsoft.com/office/drawing/2014/main" id="{E9BDC3E5-EA38-4ACA-9C90-1090F745D5BA}"/>
+                <a16:creationId xmlns:a16="http://schemas.microsoft.com/office/drawing/2014/main" xmlns="" id="{E9BDC3E5-EA38-4ACA-9C90-1090F745D5BA}"/>
               </a:ext>
             </a:extLst>
           </p:cNvPr>
@@ -5405,14 +5368,14 @@
           </a:ln>
           <a:extLst>
             <a:ext uri="{909E8E84-426E-40DD-AFC4-6F175D3DCCD1}">
-              <a14:hiddenFill xmlns:a14="http://schemas.microsoft.com/office/drawing/2010/main">
+              <a14:hiddenFill xmlns:a14="http://schemas.microsoft.com/office/drawing/2010/main" xmlns="">
                 <a:solidFill>
                   <a:srgbClr val="FFFFFF"/>
                 </a:solidFill>
               </a14:hiddenFill>
             </a:ext>
             <a:ext uri="{91240B29-F687-4F45-9708-019B960494DF}">
-              <a14:hiddenLine xmlns:a14="http://schemas.microsoft.com/office/drawing/2010/main" w="9525">
+              <a14:hiddenLine xmlns:a14="http://schemas.microsoft.com/office/drawing/2010/main" xmlns="" w="9525">
                 <a:solidFill>
                   <a:srgbClr val="000000"/>
                 </a:solidFill>
@@ -5639,7 +5602,7 @@
           <p:cNvPr id="16" name="Line 10">
             <a:extLst>
               <a:ext uri="{FF2B5EF4-FFF2-40B4-BE49-F238E27FC236}">
-                <a16:creationId xmlns:a16="http://schemas.microsoft.com/office/drawing/2014/main" id="{B08A77EF-0235-44B6-8CA9-CE9B8557AF96}"/>
+                <a16:creationId xmlns:a16="http://schemas.microsoft.com/office/drawing/2014/main" xmlns="" id="{B08A77EF-0235-44B6-8CA9-CE9B8557AF96}"/>
               </a:ext>
             </a:extLst>
           </p:cNvPr>
@@ -5667,7 +5630,7 @@
           </a:ln>
           <a:extLst>
             <a:ext uri="{909E8E84-426E-40DD-AFC4-6F175D3DCCD1}">
-              <a14:hiddenFill xmlns:a14="http://schemas.microsoft.com/office/drawing/2010/main">
+              <a14:hiddenFill xmlns:a14="http://schemas.microsoft.com/office/drawing/2010/main" xmlns="">
                 <a:noFill/>
               </a14:hiddenFill>
             </a:ext>
@@ -5808,7 +5771,7 @@
     </p:spTree>
     <p:extLst>
       <p:ext uri="{BB962C8B-B14F-4D97-AF65-F5344CB8AC3E}">
-        <p14:creationId xmlns:p14="http://schemas.microsoft.com/office/powerpoint/2010/main" val="2174512184"/>
+        <p14:creationId xmlns:p14="http://schemas.microsoft.com/office/powerpoint/2010/main" xmlns="" val="2174512184"/>
       </p:ext>
     </p:extLst>
   </p:cSld>
@@ -5926,28 +5889,6 @@
       </p:sp>
       <p:sp>
         <p:nvSpPr>
-          <p:cNvPr id="6" name="Date Placeholder 5"/>
-          <p:cNvSpPr>
-            <a:spLocks noGrp="1"/>
-          </p:cNvSpPr>
-          <p:nvPr>
-            <p:ph type="dt" sz="half" idx="2"/>
-          </p:nvPr>
-        </p:nvSpPr>
-        <p:spPr/>
-        <p:txBody>
-          <a:bodyPr/>
-          <a:lstStyle/>
-          <a:p>
-            <a:r>
-              <a:rPr lang="en-CA" dirty="0"/>
-              <a:t>Winter 2022</a:t>
-            </a:r>
-          </a:p>
-        </p:txBody>
-      </p:sp>
-      <p:sp>
-        <p:nvSpPr>
           <p:cNvPr id="10" name="Footer Placeholder 9"/>
           <p:cNvSpPr>
             <a:spLocks noGrp="1"/>
@@ -5998,7 +5939,7 @@
     </p:spTree>
     <p:extLst>
       <p:ext uri="{BB962C8B-B14F-4D97-AF65-F5344CB8AC3E}">
-        <p14:creationId xmlns:p14="http://schemas.microsoft.com/office/powerpoint/2010/main" val="1717488350"/>
+        <p14:creationId xmlns:p14="http://schemas.microsoft.com/office/powerpoint/2010/main" xmlns="" val="1717488350"/>
       </p:ext>
     </p:extLst>
   </p:cSld>
@@ -6084,28 +6025,6 @@
       </p:sp>
       <p:sp>
         <p:nvSpPr>
-          <p:cNvPr id="6" name="Date Placeholder 5"/>
-          <p:cNvSpPr>
-            <a:spLocks noGrp="1"/>
-          </p:cNvSpPr>
-          <p:nvPr>
-            <p:ph type="dt" sz="half" idx="2"/>
-          </p:nvPr>
-        </p:nvSpPr>
-        <p:spPr/>
-        <p:txBody>
-          <a:bodyPr/>
-          <a:lstStyle/>
-          <a:p>
-            <a:r>
-              <a:rPr lang="en-CA" dirty="0"/>
-              <a:t>Winter 2022</a:t>
-            </a:r>
-          </a:p>
-        </p:txBody>
-      </p:sp>
-      <p:sp>
-        <p:nvSpPr>
           <p:cNvPr id="10" name="Footer Placeholder 9"/>
           <p:cNvSpPr>
             <a:spLocks noGrp="1"/>
@@ -6158,7 +6077,7 @@
           <p:cNvPr id="7" name="AutoShape 3">
             <a:extLst>
               <a:ext uri="{FF2B5EF4-FFF2-40B4-BE49-F238E27FC236}">
-                <a16:creationId xmlns:a16="http://schemas.microsoft.com/office/drawing/2014/main" id="{9029EB55-E2CD-432F-A919-3933DD8A9863}"/>
+                <a16:creationId xmlns:a16="http://schemas.microsoft.com/office/drawing/2014/main" xmlns="" id="{9029EB55-E2CD-432F-A919-3933DD8A9863}"/>
               </a:ext>
             </a:extLst>
           </p:cNvPr>
@@ -6326,7 +6245,7 @@
           <p:cNvPr id="8" name="Text Box 4">
             <a:extLst>
               <a:ext uri="{FF2B5EF4-FFF2-40B4-BE49-F238E27FC236}">
-                <a16:creationId xmlns:a16="http://schemas.microsoft.com/office/drawing/2014/main" id="{FB8AC2FA-E934-457A-A2BD-1DFB4298A964}"/>
+                <a16:creationId xmlns:a16="http://schemas.microsoft.com/office/drawing/2014/main" xmlns="" id="{FB8AC2FA-E934-457A-A2BD-1DFB4298A964}"/>
               </a:ext>
             </a:extLst>
           </p:cNvPr>
@@ -6349,14 +6268,14 @@
           </a:ln>
           <a:extLst>
             <a:ext uri="{909E8E84-426E-40DD-AFC4-6F175D3DCCD1}">
-              <a14:hiddenFill xmlns:a14="http://schemas.microsoft.com/office/drawing/2010/main">
+              <a14:hiddenFill xmlns:a14="http://schemas.microsoft.com/office/drawing/2010/main" xmlns="">
                 <a:solidFill>
                   <a:srgbClr val="FFFFFF"/>
                 </a:solidFill>
               </a14:hiddenFill>
             </a:ext>
             <a:ext uri="{91240B29-F687-4F45-9708-019B960494DF}">
-              <a14:hiddenLine xmlns:a14="http://schemas.microsoft.com/office/drawing/2010/main" w="9525">
+              <a14:hiddenLine xmlns:a14="http://schemas.microsoft.com/office/drawing/2010/main" xmlns="" w="9525">
                 <a:solidFill>
                   <a:srgbClr val="000000"/>
                 </a:solidFill>
@@ -6792,7 +6711,7 @@
           <p:cNvPr id="9" name="Text Box 5">
             <a:extLst>
               <a:ext uri="{FF2B5EF4-FFF2-40B4-BE49-F238E27FC236}">
-                <a16:creationId xmlns:a16="http://schemas.microsoft.com/office/drawing/2014/main" id="{447E93A0-98C4-42D9-B8F0-39CF6C8D0D38}"/>
+                <a16:creationId xmlns:a16="http://schemas.microsoft.com/office/drawing/2014/main" xmlns="" id="{447E93A0-98C4-42D9-B8F0-39CF6C8D0D38}"/>
               </a:ext>
             </a:extLst>
           </p:cNvPr>
@@ -6815,14 +6734,14 @@
           </a:ln>
           <a:extLst>
             <a:ext uri="{909E8E84-426E-40DD-AFC4-6F175D3DCCD1}">
-              <a14:hiddenFill xmlns:a14="http://schemas.microsoft.com/office/drawing/2010/main">
+              <a14:hiddenFill xmlns:a14="http://schemas.microsoft.com/office/drawing/2010/main" xmlns="">
                 <a:solidFill>
                   <a:srgbClr val="FFFFFF"/>
                 </a:solidFill>
               </a14:hiddenFill>
             </a:ext>
             <a:ext uri="{91240B29-F687-4F45-9708-019B960494DF}">
-              <a14:hiddenLine xmlns:a14="http://schemas.microsoft.com/office/drawing/2010/main" w="9525">
+              <a14:hiddenLine xmlns:a14="http://schemas.microsoft.com/office/drawing/2010/main" xmlns="" w="9525">
                 <a:solidFill>
                   <a:srgbClr val="000000"/>
                 </a:solidFill>
@@ -6983,7 +6902,7 @@
     </p:spTree>
     <p:extLst>
       <p:ext uri="{BB962C8B-B14F-4D97-AF65-F5344CB8AC3E}">
-        <p14:creationId xmlns:p14="http://schemas.microsoft.com/office/powerpoint/2010/main" val="343728280"/>
+        <p14:creationId xmlns:p14="http://schemas.microsoft.com/office/powerpoint/2010/main" xmlns="" val="343728280"/>
       </p:ext>
     </p:extLst>
   </p:cSld>
@@ -7066,28 +6985,6 @@
       </p:sp>
       <p:sp>
         <p:nvSpPr>
-          <p:cNvPr id="6" name="Date Placeholder 5"/>
-          <p:cNvSpPr>
-            <a:spLocks noGrp="1"/>
-          </p:cNvSpPr>
-          <p:nvPr>
-            <p:ph type="dt" sz="half" idx="2"/>
-          </p:nvPr>
-        </p:nvSpPr>
-        <p:spPr/>
-        <p:txBody>
-          <a:bodyPr/>
-          <a:lstStyle/>
-          <a:p>
-            <a:r>
-              <a:rPr lang="en-CA" dirty="0"/>
-              <a:t>Winter 2022</a:t>
-            </a:r>
-          </a:p>
-        </p:txBody>
-      </p:sp>
-      <p:sp>
-        <p:nvSpPr>
           <p:cNvPr id="10" name="Footer Placeholder 9"/>
           <p:cNvSpPr>
             <a:spLocks noGrp="1"/>
@@ -7140,7 +7037,7 @@
           <p:cNvPr id="7" name="AutoShape 4">
             <a:extLst>
               <a:ext uri="{FF2B5EF4-FFF2-40B4-BE49-F238E27FC236}">
-                <a16:creationId xmlns:a16="http://schemas.microsoft.com/office/drawing/2014/main" id="{1578F10F-0C33-4D92-91CE-E911361BF6A4}"/>
+                <a16:creationId xmlns:a16="http://schemas.microsoft.com/office/drawing/2014/main" xmlns="" id="{1578F10F-0C33-4D92-91CE-E911361BF6A4}"/>
               </a:ext>
             </a:extLst>
           </p:cNvPr>
@@ -7308,7 +7205,7 @@
           <p:cNvPr id="8" name="Text Box 5">
             <a:extLst>
               <a:ext uri="{FF2B5EF4-FFF2-40B4-BE49-F238E27FC236}">
-                <a16:creationId xmlns:a16="http://schemas.microsoft.com/office/drawing/2014/main" id="{9F50EF7E-C093-4538-9F91-D05D35DFC691}"/>
+                <a16:creationId xmlns:a16="http://schemas.microsoft.com/office/drawing/2014/main" xmlns="" id="{9F50EF7E-C093-4538-9F91-D05D35DFC691}"/>
               </a:ext>
             </a:extLst>
           </p:cNvPr>
@@ -7331,14 +7228,14 @@
           </a:ln>
           <a:extLst>
             <a:ext uri="{909E8E84-426E-40DD-AFC4-6F175D3DCCD1}">
-              <a14:hiddenFill xmlns:a14="http://schemas.microsoft.com/office/drawing/2010/main">
+              <a14:hiddenFill xmlns:a14="http://schemas.microsoft.com/office/drawing/2010/main" xmlns="">
                 <a:solidFill>
                   <a:srgbClr val="FFFFFF"/>
                 </a:solidFill>
               </a14:hiddenFill>
             </a:ext>
             <a:ext uri="{91240B29-F687-4F45-9708-019B960494DF}">
-              <a14:hiddenLine xmlns:a14="http://schemas.microsoft.com/office/drawing/2010/main" w="9525">
+              <a14:hiddenLine xmlns:a14="http://schemas.microsoft.com/office/drawing/2010/main" xmlns="" w="9525">
                 <a:solidFill>
                   <a:srgbClr val="000000"/>
                 </a:solidFill>
@@ -7561,7 +7458,7 @@
           <p:cNvPr id="9" name="AutoShape 6">
             <a:extLst>
               <a:ext uri="{FF2B5EF4-FFF2-40B4-BE49-F238E27FC236}">
-                <a16:creationId xmlns:a16="http://schemas.microsoft.com/office/drawing/2014/main" id="{4366DFE2-6A0D-4EC8-A076-597D008C1044}"/>
+                <a16:creationId xmlns:a16="http://schemas.microsoft.com/office/drawing/2014/main" xmlns="" id="{4366DFE2-6A0D-4EC8-A076-597D008C1044}"/>
               </a:ext>
             </a:extLst>
           </p:cNvPr>
@@ -7729,7 +7626,7 @@
           <p:cNvPr id="11" name="Text Box 7">
             <a:extLst>
               <a:ext uri="{FF2B5EF4-FFF2-40B4-BE49-F238E27FC236}">
-                <a16:creationId xmlns:a16="http://schemas.microsoft.com/office/drawing/2014/main" id="{D958003F-5446-4BAF-BA50-E6176086853C}"/>
+                <a16:creationId xmlns:a16="http://schemas.microsoft.com/office/drawing/2014/main" xmlns="" id="{D958003F-5446-4BAF-BA50-E6176086853C}"/>
               </a:ext>
             </a:extLst>
           </p:cNvPr>
@@ -7752,14 +7649,14 @@
           </a:ln>
           <a:extLst>
             <a:ext uri="{909E8E84-426E-40DD-AFC4-6F175D3DCCD1}">
-              <a14:hiddenFill xmlns:a14="http://schemas.microsoft.com/office/drawing/2010/main">
+              <a14:hiddenFill xmlns:a14="http://schemas.microsoft.com/office/drawing/2010/main" xmlns="">
                 <a:solidFill>
                   <a:srgbClr val="FFFFFF"/>
                 </a:solidFill>
               </a14:hiddenFill>
             </a:ext>
             <a:ext uri="{91240B29-F687-4F45-9708-019B960494DF}">
-              <a14:hiddenLine xmlns:a14="http://schemas.microsoft.com/office/drawing/2010/main" w="9525">
+              <a14:hiddenLine xmlns:a14="http://schemas.microsoft.com/office/drawing/2010/main" xmlns="" w="9525">
                 <a:solidFill>
                   <a:srgbClr val="000000"/>
                 </a:solidFill>
@@ -7982,7 +7879,7 @@
           <p:cNvPr id="13" name="Group 12">
             <a:extLst>
               <a:ext uri="{FF2B5EF4-FFF2-40B4-BE49-F238E27FC236}">
-                <a16:creationId xmlns:a16="http://schemas.microsoft.com/office/drawing/2014/main" id="{BC278858-4BEC-4622-BCC2-E5C6D80267E1}"/>
+                <a16:creationId xmlns:a16="http://schemas.microsoft.com/office/drawing/2014/main" xmlns="" id="{BC278858-4BEC-4622-BCC2-E5C6D80267E1}"/>
               </a:ext>
             </a:extLst>
           </p:cNvPr>
@@ -8004,7 +7901,7 @@
             <p:cNvPr id="16" name="AutoShape 9">
               <a:extLst>
                 <a:ext uri="{FF2B5EF4-FFF2-40B4-BE49-F238E27FC236}">
-                  <a16:creationId xmlns:a16="http://schemas.microsoft.com/office/drawing/2014/main" id="{942C6C28-A6D9-4086-A4F5-8093FB806709}"/>
+                  <a16:creationId xmlns:a16="http://schemas.microsoft.com/office/drawing/2014/main" xmlns="" id="{942C6C28-A6D9-4086-A4F5-8093FB806709}"/>
                 </a:ext>
               </a:extLst>
             </p:cNvPr>
@@ -8235,7 +8132,7 @@
             <p:cNvPr id="17" name="Line 10">
               <a:extLst>
                 <a:ext uri="{FF2B5EF4-FFF2-40B4-BE49-F238E27FC236}">
-                  <a16:creationId xmlns:a16="http://schemas.microsoft.com/office/drawing/2014/main" id="{15AEFA3C-577D-4BEC-9275-71D097A7664B}"/>
+                  <a16:creationId xmlns:a16="http://schemas.microsoft.com/office/drawing/2014/main" xmlns="" id="{15AEFA3C-577D-4BEC-9275-71D097A7664B}"/>
                 </a:ext>
               </a:extLst>
             </p:cNvPr>
@@ -8263,7 +8160,7 @@
             </a:ln>
             <a:extLst>
               <a:ext uri="{909E8E84-426E-40DD-AFC4-6F175D3DCCD1}">
-                <a14:hiddenFill xmlns:a14="http://schemas.microsoft.com/office/drawing/2010/main">
+                <a14:hiddenFill xmlns:a14="http://schemas.microsoft.com/office/drawing/2010/main" xmlns="">
                   <a:noFill/>
                 </a14:hiddenFill>
               </a:ext>
@@ -8406,7 +8303,7 @@
             <p:cNvPr id="18" name="AutoShape 11">
               <a:extLst>
                 <a:ext uri="{FF2B5EF4-FFF2-40B4-BE49-F238E27FC236}">
-                  <a16:creationId xmlns:a16="http://schemas.microsoft.com/office/drawing/2014/main" id="{339F66CC-DE76-4ECB-AC5E-DD32DF17AA40}"/>
+                  <a16:creationId xmlns:a16="http://schemas.microsoft.com/office/drawing/2014/main" xmlns="" id="{339F66CC-DE76-4ECB-AC5E-DD32DF17AA40}"/>
                 </a:ext>
               </a:extLst>
             </p:cNvPr>
@@ -8605,7 +8502,7 @@
             <p:cNvPr id="19" name="Line 12">
               <a:extLst>
                 <a:ext uri="{FF2B5EF4-FFF2-40B4-BE49-F238E27FC236}">
-                  <a16:creationId xmlns:a16="http://schemas.microsoft.com/office/drawing/2014/main" id="{001AC606-932E-458B-AC8F-2ED592FD3A22}"/>
+                  <a16:creationId xmlns:a16="http://schemas.microsoft.com/office/drawing/2014/main" xmlns="" id="{001AC606-932E-458B-AC8F-2ED592FD3A22}"/>
                 </a:ext>
               </a:extLst>
             </p:cNvPr>
@@ -8633,7 +8530,7 @@
             </a:ln>
             <a:extLst>
               <a:ext uri="{909E8E84-426E-40DD-AFC4-6F175D3DCCD1}">
-                <a14:hiddenFill xmlns:a14="http://schemas.microsoft.com/office/drawing/2010/main">
+                <a14:hiddenFill xmlns:a14="http://schemas.microsoft.com/office/drawing/2010/main" xmlns="">
                   <a:noFill/>
                 </a14:hiddenFill>
               </a:ext>
@@ -8776,7 +8673,7 @@
             <p:cNvPr id="20" name="AutoShape 13">
               <a:extLst>
                 <a:ext uri="{FF2B5EF4-FFF2-40B4-BE49-F238E27FC236}">
-                  <a16:creationId xmlns:a16="http://schemas.microsoft.com/office/drawing/2014/main" id="{F08C3276-8898-487F-9273-5EA368BB05D5}"/>
+                  <a16:creationId xmlns:a16="http://schemas.microsoft.com/office/drawing/2014/main" xmlns="" id="{F08C3276-8898-487F-9273-5EA368BB05D5}"/>
                 </a:ext>
               </a:extLst>
             </p:cNvPr>
@@ -8976,7 +8873,7 @@
           <p:cNvPr id="14" name="AutoShape 14">
             <a:extLst>
               <a:ext uri="{FF2B5EF4-FFF2-40B4-BE49-F238E27FC236}">
-                <a16:creationId xmlns:a16="http://schemas.microsoft.com/office/drawing/2014/main" id="{50311AAF-B032-46D3-BB95-67E8CCEC758D}"/>
+                <a16:creationId xmlns:a16="http://schemas.microsoft.com/office/drawing/2014/main" xmlns="" id="{50311AAF-B032-46D3-BB95-67E8CCEC758D}"/>
               </a:ext>
             </a:extLst>
           </p:cNvPr>
@@ -9144,7 +9041,7 @@
           <p:cNvPr id="15" name="Text Box 15">
             <a:extLst>
               <a:ext uri="{FF2B5EF4-FFF2-40B4-BE49-F238E27FC236}">
-                <a16:creationId xmlns:a16="http://schemas.microsoft.com/office/drawing/2014/main" id="{5B708DA2-7036-4B94-9471-0A500A1172E9}"/>
+                <a16:creationId xmlns:a16="http://schemas.microsoft.com/office/drawing/2014/main" xmlns="" id="{5B708DA2-7036-4B94-9471-0A500A1172E9}"/>
               </a:ext>
             </a:extLst>
           </p:cNvPr>
@@ -9167,14 +9064,14 @@
           </a:ln>
           <a:extLst>
             <a:ext uri="{909E8E84-426E-40DD-AFC4-6F175D3DCCD1}">
-              <a14:hiddenFill xmlns:a14="http://schemas.microsoft.com/office/drawing/2010/main">
+              <a14:hiddenFill xmlns:a14="http://schemas.microsoft.com/office/drawing/2010/main" xmlns="">
                 <a:solidFill>
                   <a:srgbClr val="FFFFFF"/>
                 </a:solidFill>
               </a14:hiddenFill>
             </a:ext>
             <a:ext uri="{91240B29-F687-4F45-9708-019B960494DF}">
-              <a14:hiddenLine xmlns:a14="http://schemas.microsoft.com/office/drawing/2010/main" w="9525">
+              <a14:hiddenLine xmlns:a14="http://schemas.microsoft.com/office/drawing/2010/main" xmlns="" w="9525">
                 <a:solidFill>
                   <a:srgbClr val="000000"/>
                 </a:solidFill>
@@ -9395,7 +9292,7 @@
     </p:spTree>
     <p:extLst>
       <p:ext uri="{BB962C8B-B14F-4D97-AF65-F5344CB8AC3E}">
-        <p14:creationId xmlns:p14="http://schemas.microsoft.com/office/powerpoint/2010/main" val="694671640"/>
+        <p14:creationId xmlns:p14="http://schemas.microsoft.com/office/powerpoint/2010/main" xmlns="" val="694671640"/>
       </p:ext>
     </p:extLst>
   </p:cSld>
@@ -9524,28 +9421,6 @@
       </p:sp>
       <p:sp>
         <p:nvSpPr>
-          <p:cNvPr id="6" name="Date Placeholder 5"/>
-          <p:cNvSpPr>
-            <a:spLocks noGrp="1"/>
-          </p:cNvSpPr>
-          <p:nvPr>
-            <p:ph type="dt" sz="half" idx="2"/>
-          </p:nvPr>
-        </p:nvSpPr>
-        <p:spPr/>
-        <p:txBody>
-          <a:bodyPr/>
-          <a:lstStyle/>
-          <a:p>
-            <a:r>
-              <a:rPr lang="en-CA" dirty="0"/>
-              <a:t>Winter 2022</a:t>
-            </a:r>
-          </a:p>
-        </p:txBody>
-      </p:sp>
-      <p:sp>
-        <p:nvSpPr>
           <p:cNvPr id="10" name="Footer Placeholder 9"/>
           <p:cNvSpPr>
             <a:spLocks noGrp="1"/>
@@ -9596,7 +9471,7 @@
     </p:spTree>
     <p:extLst>
       <p:ext uri="{BB962C8B-B14F-4D97-AF65-F5344CB8AC3E}">
-        <p14:creationId xmlns:p14="http://schemas.microsoft.com/office/powerpoint/2010/main" val="837323923"/>
+        <p14:creationId xmlns:p14="http://schemas.microsoft.com/office/powerpoint/2010/main" xmlns="" val="837323923"/>
       </p:ext>
     </p:extLst>
   </p:cSld>
@@ -9695,28 +9570,6 @@
       </p:sp>
       <p:sp>
         <p:nvSpPr>
-          <p:cNvPr id="6" name="Date Placeholder 5"/>
-          <p:cNvSpPr>
-            <a:spLocks noGrp="1"/>
-          </p:cNvSpPr>
-          <p:nvPr>
-            <p:ph type="dt" sz="half" idx="2"/>
-          </p:nvPr>
-        </p:nvSpPr>
-        <p:spPr/>
-        <p:txBody>
-          <a:bodyPr/>
-          <a:lstStyle/>
-          <a:p>
-            <a:r>
-              <a:rPr lang="en-CA" dirty="0"/>
-              <a:t>Winter 2022</a:t>
-            </a:r>
-          </a:p>
-        </p:txBody>
-      </p:sp>
-      <p:sp>
-        <p:nvSpPr>
           <p:cNvPr id="10" name="Footer Placeholder 9"/>
           <p:cNvSpPr>
             <a:spLocks noGrp="1"/>
@@ -9769,7 +9622,7 @@
           <p:cNvPr id="7" name="AutoShape 4">
             <a:extLst>
               <a:ext uri="{FF2B5EF4-FFF2-40B4-BE49-F238E27FC236}">
-                <a16:creationId xmlns:a16="http://schemas.microsoft.com/office/drawing/2014/main" id="{5E8D8899-970E-4C87-8A30-16B3F83849C6}"/>
+                <a16:creationId xmlns:a16="http://schemas.microsoft.com/office/drawing/2014/main" xmlns="" id="{5E8D8899-970E-4C87-8A30-16B3F83849C6}"/>
               </a:ext>
             </a:extLst>
           </p:cNvPr>
@@ -9937,7 +9790,7 @@
           <p:cNvPr id="8" name="Text Box 5">
             <a:extLst>
               <a:ext uri="{FF2B5EF4-FFF2-40B4-BE49-F238E27FC236}">
-                <a16:creationId xmlns:a16="http://schemas.microsoft.com/office/drawing/2014/main" id="{C4938644-E6D5-48D6-BD86-6131A5921432}"/>
+                <a16:creationId xmlns:a16="http://schemas.microsoft.com/office/drawing/2014/main" xmlns="" id="{C4938644-E6D5-48D6-BD86-6131A5921432}"/>
               </a:ext>
             </a:extLst>
           </p:cNvPr>
@@ -9960,14 +9813,14 @@
           </a:ln>
           <a:extLst>
             <a:ext uri="{909E8E84-426E-40DD-AFC4-6F175D3DCCD1}">
-              <a14:hiddenFill xmlns:a14="http://schemas.microsoft.com/office/drawing/2010/main">
+              <a14:hiddenFill xmlns:a14="http://schemas.microsoft.com/office/drawing/2010/main" xmlns="">
                 <a:solidFill>
                   <a:srgbClr val="FFFFFF"/>
                 </a:solidFill>
               </a14:hiddenFill>
             </a:ext>
             <a:ext uri="{91240B29-F687-4F45-9708-019B960494DF}">
-              <a14:hiddenLine xmlns:a14="http://schemas.microsoft.com/office/drawing/2010/main" w="9525">
+              <a14:hiddenLine xmlns:a14="http://schemas.microsoft.com/office/drawing/2010/main" xmlns="" w="9525">
                 <a:solidFill>
                   <a:srgbClr val="000000"/>
                 </a:solidFill>
@@ -10325,7 +10178,7 @@
     </p:spTree>
     <p:extLst>
       <p:ext uri="{BB962C8B-B14F-4D97-AF65-F5344CB8AC3E}">
-        <p14:creationId xmlns:p14="http://schemas.microsoft.com/office/powerpoint/2010/main" val="2005016361"/>
+        <p14:creationId xmlns:p14="http://schemas.microsoft.com/office/powerpoint/2010/main" xmlns="" val="2005016361"/>
       </p:ext>
     </p:extLst>
   </p:cSld>
@@ -10411,28 +10264,6 @@
       </p:sp>
       <p:sp>
         <p:nvSpPr>
-          <p:cNvPr id="6" name="Date Placeholder 5"/>
-          <p:cNvSpPr>
-            <a:spLocks noGrp="1"/>
-          </p:cNvSpPr>
-          <p:nvPr>
-            <p:ph type="dt" sz="half" idx="2"/>
-          </p:nvPr>
-        </p:nvSpPr>
-        <p:spPr/>
-        <p:txBody>
-          <a:bodyPr/>
-          <a:lstStyle/>
-          <a:p>
-            <a:r>
-              <a:rPr lang="en-CA" dirty="0"/>
-              <a:t>Winter 2022</a:t>
-            </a:r>
-          </a:p>
-        </p:txBody>
-      </p:sp>
-      <p:sp>
-        <p:nvSpPr>
           <p:cNvPr id="10" name="Footer Placeholder 9"/>
           <p:cNvSpPr>
             <a:spLocks noGrp="1"/>
@@ -10485,7 +10316,7 @@
           <p:cNvPr id="9" name="AutoShape 5">
             <a:extLst>
               <a:ext uri="{FF2B5EF4-FFF2-40B4-BE49-F238E27FC236}">
-                <a16:creationId xmlns:a16="http://schemas.microsoft.com/office/drawing/2014/main" id="{85566026-79ED-4B94-8BFD-44C0E48C478C}"/>
+                <a16:creationId xmlns:a16="http://schemas.microsoft.com/office/drawing/2014/main" xmlns="" id="{85566026-79ED-4B94-8BFD-44C0E48C478C}"/>
               </a:ext>
             </a:extLst>
           </p:cNvPr>
@@ -10653,7 +10484,7 @@
           <p:cNvPr id="11" name="Text Box 6">
             <a:extLst>
               <a:ext uri="{FF2B5EF4-FFF2-40B4-BE49-F238E27FC236}">
-                <a16:creationId xmlns:a16="http://schemas.microsoft.com/office/drawing/2014/main" id="{0B753C93-74C1-499D-AC17-EAAB3B8AEAA8}"/>
+                <a16:creationId xmlns:a16="http://schemas.microsoft.com/office/drawing/2014/main" xmlns="" id="{0B753C93-74C1-499D-AC17-EAAB3B8AEAA8}"/>
               </a:ext>
             </a:extLst>
           </p:cNvPr>
@@ -10676,14 +10507,14 @@
           </a:ln>
           <a:extLst>
             <a:ext uri="{909E8E84-426E-40DD-AFC4-6F175D3DCCD1}">
-              <a14:hiddenFill xmlns:a14="http://schemas.microsoft.com/office/drawing/2010/main">
+              <a14:hiddenFill xmlns:a14="http://schemas.microsoft.com/office/drawing/2010/main" xmlns="">
                 <a:solidFill>
                   <a:srgbClr val="FFFFFF"/>
                 </a:solidFill>
               </a14:hiddenFill>
             </a:ext>
             <a:ext uri="{91240B29-F687-4F45-9708-019B960494DF}">
-              <a14:hiddenLine xmlns:a14="http://schemas.microsoft.com/office/drawing/2010/main" w="9525">
+              <a14:hiddenLine xmlns:a14="http://schemas.microsoft.com/office/drawing/2010/main" xmlns="" w="9525">
                 <a:solidFill>
                   <a:srgbClr val="000000"/>
                 </a:solidFill>
@@ -11151,7 +10982,7 @@
     </p:spTree>
     <p:extLst>
       <p:ext uri="{BB962C8B-B14F-4D97-AF65-F5344CB8AC3E}">
-        <p14:creationId xmlns:p14="http://schemas.microsoft.com/office/powerpoint/2010/main" val="3938207352"/>
+        <p14:creationId xmlns:p14="http://schemas.microsoft.com/office/powerpoint/2010/main" xmlns="" val="3938207352"/>
       </p:ext>
     </p:extLst>
   </p:cSld>
@@ -11312,7 +11143,7 @@
           <p:cNvPr id="7" name="AutoShape 4">
             <a:extLst>
               <a:ext uri="{FF2B5EF4-FFF2-40B4-BE49-F238E27FC236}">
-                <a16:creationId xmlns:a16="http://schemas.microsoft.com/office/drawing/2014/main" id="{0CFF3894-6788-4A85-84F9-B6131F831274}"/>
+                <a16:creationId xmlns:a16="http://schemas.microsoft.com/office/drawing/2014/main" xmlns="" id="{0CFF3894-6788-4A85-84F9-B6131F831274}"/>
               </a:ext>
             </a:extLst>
           </p:cNvPr>
@@ -11480,7 +11311,7 @@
           <p:cNvPr id="8" name="Text Box 5">
             <a:extLst>
               <a:ext uri="{FF2B5EF4-FFF2-40B4-BE49-F238E27FC236}">
-                <a16:creationId xmlns:a16="http://schemas.microsoft.com/office/drawing/2014/main" id="{822D5437-0F55-4611-BF89-F33C855B0432}"/>
+                <a16:creationId xmlns:a16="http://schemas.microsoft.com/office/drawing/2014/main" xmlns="" id="{822D5437-0F55-4611-BF89-F33C855B0432}"/>
               </a:ext>
             </a:extLst>
           </p:cNvPr>
@@ -11503,14 +11334,14 @@
           </a:ln>
           <a:extLst>
             <a:ext uri="{909E8E84-426E-40DD-AFC4-6F175D3DCCD1}">
-              <a14:hiddenFill xmlns:a14="http://schemas.microsoft.com/office/drawing/2010/main">
+              <a14:hiddenFill xmlns:a14="http://schemas.microsoft.com/office/drawing/2010/main" xmlns="">
                 <a:solidFill>
                   <a:srgbClr val="FFFFFF"/>
                 </a:solidFill>
               </a14:hiddenFill>
             </a:ext>
             <a:ext uri="{91240B29-F687-4F45-9708-019B960494DF}">
-              <a14:hiddenLine xmlns:a14="http://schemas.microsoft.com/office/drawing/2010/main" w="9525">
+              <a14:hiddenLine xmlns:a14="http://schemas.microsoft.com/office/drawing/2010/main" xmlns="" w="9525">
                 <a:solidFill>
                   <a:srgbClr val="000000"/>
                 </a:solidFill>
@@ -12126,7 +11957,7 @@
     </p:spTree>
     <p:extLst>
       <p:ext uri="{BB962C8B-B14F-4D97-AF65-F5344CB8AC3E}">
-        <p14:creationId xmlns:p14="http://schemas.microsoft.com/office/powerpoint/2010/main" val="3474097519"/>
+        <p14:creationId xmlns:p14="http://schemas.microsoft.com/office/powerpoint/2010/main" xmlns="" val="3474097519"/>
       </p:ext>
     </p:extLst>
   </p:cSld>
@@ -12246,28 +12077,6 @@
       </p:sp>
       <p:sp>
         <p:nvSpPr>
-          <p:cNvPr id="6" name="Date Placeholder 5"/>
-          <p:cNvSpPr>
-            <a:spLocks noGrp="1"/>
-          </p:cNvSpPr>
-          <p:nvPr>
-            <p:ph type="dt" sz="half" idx="2"/>
-          </p:nvPr>
-        </p:nvSpPr>
-        <p:spPr/>
-        <p:txBody>
-          <a:bodyPr/>
-          <a:lstStyle/>
-          <a:p>
-            <a:r>
-              <a:rPr lang="en-CA" dirty="0"/>
-              <a:t>Winter 2022</a:t>
-            </a:r>
-          </a:p>
-        </p:txBody>
-      </p:sp>
-      <p:sp>
-        <p:nvSpPr>
           <p:cNvPr id="10" name="Footer Placeholder 9"/>
           <p:cNvSpPr>
             <a:spLocks noGrp="1"/>
@@ -12318,7 +12127,7 @@
     </p:spTree>
     <p:extLst>
       <p:ext uri="{BB962C8B-B14F-4D97-AF65-F5344CB8AC3E}">
-        <p14:creationId xmlns:p14="http://schemas.microsoft.com/office/powerpoint/2010/main" val="2325078793"/>
+        <p14:creationId xmlns:p14="http://schemas.microsoft.com/office/powerpoint/2010/main" xmlns="" val="2325078793"/>
       </p:ext>
     </p:extLst>
   </p:cSld>
@@ -12391,35 +12200,13 @@
           </a:p>
           <a:p>
             <a:r>
-              <a:rPr lang="en-CA" dirty="0" err="1"/>
-              <a:t>Inetrfaaces</a:t>
+              <a:rPr lang="en-CA" dirty="0" smtClean="0"/>
+              <a:t>Interfaces</a:t>
             </a:r>
             <a:endParaRPr lang="en-CA" dirty="0"/>
           </a:p>
           <a:p>
             <a:endParaRPr lang="en-CA" dirty="0"/>
-          </a:p>
-        </p:txBody>
-      </p:sp>
-      <p:sp>
-        <p:nvSpPr>
-          <p:cNvPr id="6" name="Date Placeholder 5"/>
-          <p:cNvSpPr>
-            <a:spLocks noGrp="1"/>
-          </p:cNvSpPr>
-          <p:nvPr>
-            <p:ph type="dt" sz="half" idx="2"/>
-          </p:nvPr>
-        </p:nvSpPr>
-        <p:spPr/>
-        <p:txBody>
-          <a:bodyPr/>
-          <a:lstStyle/>
-          <a:p>
-            <a:r>
-              <a:rPr lang="en-CA" dirty="0"/>
-              <a:t>Winter 2022</a:t>
-            </a:r>
           </a:p>
         </p:txBody>
       </p:sp>
@@ -12477,7 +12264,7 @@
           <p:cNvPr id="7" name="Picture 6" descr="Picture 16">
             <a:extLst>
               <a:ext uri="{FF2B5EF4-FFF2-40B4-BE49-F238E27FC236}">
-                <a16:creationId xmlns:a16="http://schemas.microsoft.com/office/drawing/2014/main" id="{9B6F5DB2-98C5-4200-BFA9-0C681FBE9E4D}"/>
+                <a16:creationId xmlns:a16="http://schemas.microsoft.com/office/drawing/2014/main" xmlns="" id="{9B6F5DB2-98C5-4200-BFA9-0C681FBE9E4D}"/>
               </a:ext>
             </a:extLst>
           </p:cNvPr>
@@ -12490,7 +12277,7 @@
           <a:blip r:embed="rId2">
             <a:extLst>
               <a:ext uri="{28A0092B-C50C-407E-A947-70E740481C1C}">
-                <a14:useLocalDpi xmlns:a14="http://schemas.microsoft.com/office/drawing/2010/main" val="0"/>
+                <a14:useLocalDpi xmlns:a14="http://schemas.microsoft.com/office/drawing/2010/main" xmlns="" val="0"/>
               </a:ext>
             </a:extLst>
           </a:blip>
@@ -12513,14 +12300,14 @@
           </a:ln>
           <a:extLst>
             <a:ext uri="{909E8E84-426E-40DD-AFC4-6F175D3DCCD1}">
-              <a14:hiddenFill xmlns:a14="http://schemas.microsoft.com/office/drawing/2010/main">
+              <a14:hiddenFill xmlns:a14="http://schemas.microsoft.com/office/drawing/2010/main" xmlns="">
                 <a:solidFill>
                   <a:srgbClr val="FFFFFF"/>
                 </a:solidFill>
               </a14:hiddenFill>
             </a:ext>
             <a:ext uri="{91240B29-F687-4F45-9708-019B960494DF}">
-              <a14:hiddenLine xmlns:a14="http://schemas.microsoft.com/office/drawing/2010/main" w="9525">
+              <a14:hiddenLine xmlns:a14="http://schemas.microsoft.com/office/drawing/2010/main" xmlns="" w="9525">
                 <a:solidFill>
                   <a:srgbClr val="000000"/>
                 </a:solidFill>
@@ -12535,7 +12322,7 @@
     </p:spTree>
     <p:extLst>
       <p:ext uri="{BB962C8B-B14F-4D97-AF65-F5344CB8AC3E}">
-        <p14:creationId xmlns:p14="http://schemas.microsoft.com/office/powerpoint/2010/main" val="5545177"/>
+        <p14:creationId xmlns:p14="http://schemas.microsoft.com/office/powerpoint/2010/main" xmlns="" val="5545177"/>
       </p:ext>
     </p:extLst>
   </p:cSld>
@@ -12653,28 +12440,6 @@
       </p:sp>
       <p:sp>
         <p:nvSpPr>
-          <p:cNvPr id="6" name="Date Placeholder 5"/>
-          <p:cNvSpPr>
-            <a:spLocks noGrp="1"/>
-          </p:cNvSpPr>
-          <p:nvPr>
-            <p:ph type="dt" sz="half" idx="2"/>
-          </p:nvPr>
-        </p:nvSpPr>
-        <p:spPr/>
-        <p:txBody>
-          <a:bodyPr/>
-          <a:lstStyle/>
-          <a:p>
-            <a:r>
-              <a:rPr lang="en-CA" dirty="0"/>
-              <a:t>Winter 2022</a:t>
-            </a:r>
-          </a:p>
-        </p:txBody>
-      </p:sp>
-      <p:sp>
-        <p:nvSpPr>
           <p:cNvPr id="10" name="Footer Placeholder 9"/>
           <p:cNvSpPr>
             <a:spLocks noGrp="1"/>
@@ -12725,7 +12490,7 @@
     </p:spTree>
     <p:extLst>
       <p:ext uri="{BB962C8B-B14F-4D97-AF65-F5344CB8AC3E}">
-        <p14:creationId xmlns:p14="http://schemas.microsoft.com/office/powerpoint/2010/main" val="2874154356"/>
+        <p14:creationId xmlns:p14="http://schemas.microsoft.com/office/powerpoint/2010/main" xmlns="" val="2874154356"/>
       </p:ext>
     </p:extLst>
   </p:cSld>
@@ -12873,28 +12638,6 @@
       </p:sp>
       <p:sp>
         <p:nvSpPr>
-          <p:cNvPr id="6" name="Date Placeholder 5"/>
-          <p:cNvSpPr>
-            <a:spLocks noGrp="1"/>
-          </p:cNvSpPr>
-          <p:nvPr>
-            <p:ph type="dt" sz="half" idx="2"/>
-          </p:nvPr>
-        </p:nvSpPr>
-        <p:spPr/>
-        <p:txBody>
-          <a:bodyPr/>
-          <a:lstStyle/>
-          <a:p>
-            <a:r>
-              <a:rPr lang="en-CA" dirty="0"/>
-              <a:t>Winter 2022</a:t>
-            </a:r>
-          </a:p>
-        </p:txBody>
-      </p:sp>
-      <p:sp>
-        <p:nvSpPr>
           <p:cNvPr id="10" name="Footer Placeholder 9"/>
           <p:cNvSpPr>
             <a:spLocks noGrp="1"/>
@@ -12945,7 +12688,7 @@
     </p:spTree>
     <p:extLst>
       <p:ext uri="{BB962C8B-B14F-4D97-AF65-F5344CB8AC3E}">
-        <p14:creationId xmlns:p14="http://schemas.microsoft.com/office/powerpoint/2010/main" val="1187175125"/>
+        <p14:creationId xmlns:p14="http://schemas.microsoft.com/office/powerpoint/2010/main" xmlns="" val="1187175125"/>
       </p:ext>
     </p:extLst>
   </p:cSld>
@@ -13029,28 +12772,6 @@
       </p:sp>
       <p:sp>
         <p:nvSpPr>
-          <p:cNvPr id="6" name="Date Placeholder 5"/>
-          <p:cNvSpPr>
-            <a:spLocks noGrp="1"/>
-          </p:cNvSpPr>
-          <p:nvPr>
-            <p:ph type="dt" sz="half" idx="2"/>
-          </p:nvPr>
-        </p:nvSpPr>
-        <p:spPr/>
-        <p:txBody>
-          <a:bodyPr/>
-          <a:lstStyle/>
-          <a:p>
-            <a:r>
-              <a:rPr lang="en-CA" dirty="0"/>
-              <a:t>Winter 2022</a:t>
-            </a:r>
-          </a:p>
-        </p:txBody>
-      </p:sp>
-      <p:sp>
-        <p:nvSpPr>
           <p:cNvPr id="10" name="Footer Placeholder 9"/>
           <p:cNvSpPr>
             <a:spLocks noGrp="1"/>
@@ -13103,7 +12824,7 @@
           <p:cNvPr id="14" name="AutoShape 1">
             <a:extLst>
               <a:ext uri="{FF2B5EF4-FFF2-40B4-BE49-F238E27FC236}">
-                <a16:creationId xmlns:a16="http://schemas.microsoft.com/office/drawing/2014/main" id="{D35501F9-5B0C-48EF-9C66-8F3A20C3BF23}"/>
+                <a16:creationId xmlns:a16="http://schemas.microsoft.com/office/drawing/2014/main" xmlns="" id="{D35501F9-5B0C-48EF-9C66-8F3A20C3BF23}"/>
               </a:ext>
             </a:extLst>
           </p:cNvPr>
@@ -13346,7 +13067,7 @@
           <p:cNvPr id="15" name="Line 2">
             <a:extLst>
               <a:ext uri="{FF2B5EF4-FFF2-40B4-BE49-F238E27FC236}">
-                <a16:creationId xmlns:a16="http://schemas.microsoft.com/office/drawing/2014/main" id="{702AA8E3-9555-492A-A27D-E5A1EDF7C433}"/>
+                <a16:creationId xmlns:a16="http://schemas.microsoft.com/office/drawing/2014/main" xmlns="" id="{702AA8E3-9555-492A-A27D-E5A1EDF7C433}"/>
               </a:ext>
             </a:extLst>
           </p:cNvPr>
@@ -13374,7 +13095,7 @@
           </a:ln>
           <a:extLst>
             <a:ext uri="{909E8E84-426E-40DD-AFC4-6F175D3DCCD1}">
-              <a14:hiddenFill xmlns:a14="http://schemas.microsoft.com/office/drawing/2010/main">
+              <a14:hiddenFill xmlns:a14="http://schemas.microsoft.com/office/drawing/2010/main" xmlns="">
                 <a:noFill/>
               </a14:hiddenFill>
             </a:ext>
@@ -13517,7 +13238,7 @@
           <p:cNvPr id="16" name="AutoShape 3">
             <a:extLst>
               <a:ext uri="{FF2B5EF4-FFF2-40B4-BE49-F238E27FC236}">
-                <a16:creationId xmlns:a16="http://schemas.microsoft.com/office/drawing/2014/main" id="{8FA15B84-A6B2-46F9-9FD3-774AC08CBFF5}"/>
+                <a16:creationId xmlns:a16="http://schemas.microsoft.com/office/drawing/2014/main" xmlns="" id="{8FA15B84-A6B2-46F9-9FD3-774AC08CBFF5}"/>
               </a:ext>
             </a:extLst>
           </p:cNvPr>
@@ -13716,7 +13437,7 @@
           <p:cNvPr id="17" name="Text Box 4">
             <a:extLst>
               <a:ext uri="{FF2B5EF4-FFF2-40B4-BE49-F238E27FC236}">
-                <a16:creationId xmlns:a16="http://schemas.microsoft.com/office/drawing/2014/main" id="{2CBD643C-CC5B-4123-8B85-33E2718CFBBA}"/>
+                <a16:creationId xmlns:a16="http://schemas.microsoft.com/office/drawing/2014/main" xmlns="" id="{2CBD643C-CC5B-4123-8B85-33E2718CFBBA}"/>
               </a:ext>
             </a:extLst>
           </p:cNvPr>
@@ -13739,14 +13460,14 @@
           </a:ln>
           <a:extLst>
             <a:ext uri="{909E8E84-426E-40DD-AFC4-6F175D3DCCD1}">
-              <a14:hiddenFill xmlns:a14="http://schemas.microsoft.com/office/drawing/2010/main">
+              <a14:hiddenFill xmlns:a14="http://schemas.microsoft.com/office/drawing/2010/main" xmlns="">
                 <a:solidFill>
                   <a:srgbClr val="FFFFFF"/>
                 </a:solidFill>
               </a14:hiddenFill>
             </a:ext>
             <a:ext uri="{91240B29-F687-4F45-9708-019B960494DF}">
-              <a14:hiddenLine xmlns:a14="http://schemas.microsoft.com/office/drawing/2010/main" w="9525">
+              <a14:hiddenLine xmlns:a14="http://schemas.microsoft.com/office/drawing/2010/main" xmlns="" w="9525">
                 <a:solidFill>
                   <a:srgbClr val="000000"/>
                 </a:solidFill>
@@ -13909,7 +13630,7 @@
           <p:cNvPr id="18" name="Line 8">
             <a:extLst>
               <a:ext uri="{FF2B5EF4-FFF2-40B4-BE49-F238E27FC236}">
-                <a16:creationId xmlns:a16="http://schemas.microsoft.com/office/drawing/2014/main" id="{ECEF3B23-27EA-4933-9918-BB1F9ECA2EB2}"/>
+                <a16:creationId xmlns:a16="http://schemas.microsoft.com/office/drawing/2014/main" xmlns="" id="{ECEF3B23-27EA-4933-9918-BB1F9ECA2EB2}"/>
               </a:ext>
             </a:extLst>
           </p:cNvPr>
@@ -13937,7 +13658,7 @@
           </a:ln>
           <a:extLst>
             <a:ext uri="{909E8E84-426E-40DD-AFC4-6F175D3DCCD1}">
-              <a14:hiddenFill xmlns:a14="http://schemas.microsoft.com/office/drawing/2010/main">
+              <a14:hiddenFill xmlns:a14="http://schemas.microsoft.com/office/drawing/2010/main" xmlns="">
                 <a:noFill/>
               </a14:hiddenFill>
             </a:ext>
@@ -14080,7 +13801,7 @@
           <p:cNvPr id="19" name="AutoShape 9">
             <a:extLst>
               <a:ext uri="{FF2B5EF4-FFF2-40B4-BE49-F238E27FC236}">
-                <a16:creationId xmlns:a16="http://schemas.microsoft.com/office/drawing/2014/main" id="{F799D714-34B8-48BB-9DC5-9FB81B85D0F7}"/>
+                <a16:creationId xmlns:a16="http://schemas.microsoft.com/office/drawing/2014/main" xmlns="" id="{F799D714-34B8-48BB-9DC5-9FB81B85D0F7}"/>
               </a:ext>
             </a:extLst>
           </p:cNvPr>
@@ -14279,7 +14000,7 @@
           <p:cNvPr id="20" name="Text Box 10">
             <a:extLst>
               <a:ext uri="{FF2B5EF4-FFF2-40B4-BE49-F238E27FC236}">
-                <a16:creationId xmlns:a16="http://schemas.microsoft.com/office/drawing/2014/main" id="{0B551ADE-F37C-43E0-9C17-93389B7D00D1}"/>
+                <a16:creationId xmlns:a16="http://schemas.microsoft.com/office/drawing/2014/main" xmlns="" id="{0B551ADE-F37C-43E0-9C17-93389B7D00D1}"/>
               </a:ext>
             </a:extLst>
           </p:cNvPr>
@@ -14302,14 +14023,14 @@
           </a:ln>
           <a:extLst>
             <a:ext uri="{909E8E84-426E-40DD-AFC4-6F175D3DCCD1}">
-              <a14:hiddenFill xmlns:a14="http://schemas.microsoft.com/office/drawing/2010/main">
+              <a14:hiddenFill xmlns:a14="http://schemas.microsoft.com/office/drawing/2010/main" xmlns="">
                 <a:solidFill>
                   <a:srgbClr val="FFFFFF"/>
                 </a:solidFill>
               </a14:hiddenFill>
             </a:ext>
             <a:ext uri="{91240B29-F687-4F45-9708-019B960494DF}">
-              <a14:hiddenLine xmlns:a14="http://schemas.microsoft.com/office/drawing/2010/main" w="9525">
+              <a14:hiddenLine xmlns:a14="http://schemas.microsoft.com/office/drawing/2010/main" xmlns="" w="9525">
                 <a:solidFill>
                   <a:srgbClr val="000000"/>
                 </a:solidFill>
@@ -14504,7 +14225,7 @@
           <p:cNvPr id="21" name="Line 11">
             <a:extLst>
               <a:ext uri="{FF2B5EF4-FFF2-40B4-BE49-F238E27FC236}">
-                <a16:creationId xmlns:a16="http://schemas.microsoft.com/office/drawing/2014/main" id="{73C5A766-E086-49E1-9A05-628927E21EBA}"/>
+                <a16:creationId xmlns:a16="http://schemas.microsoft.com/office/drawing/2014/main" xmlns="" id="{73C5A766-E086-49E1-9A05-628927E21EBA}"/>
               </a:ext>
             </a:extLst>
           </p:cNvPr>
@@ -14532,7 +14253,7 @@
           </a:ln>
           <a:extLst>
             <a:ext uri="{909E8E84-426E-40DD-AFC4-6F175D3DCCD1}">
-              <a14:hiddenFill xmlns:a14="http://schemas.microsoft.com/office/drawing/2010/main">
+              <a14:hiddenFill xmlns:a14="http://schemas.microsoft.com/office/drawing/2010/main" xmlns="">
                 <a:noFill/>
               </a14:hiddenFill>
             </a:ext>
@@ -14673,7 +14394,7 @@
     </p:spTree>
     <p:extLst>
       <p:ext uri="{BB962C8B-B14F-4D97-AF65-F5344CB8AC3E}">
-        <p14:creationId xmlns:p14="http://schemas.microsoft.com/office/powerpoint/2010/main" val="3590587903"/>
+        <p14:creationId xmlns:p14="http://schemas.microsoft.com/office/powerpoint/2010/main" xmlns="" val="3590587903"/>
       </p:ext>
     </p:extLst>
   </p:cSld>
@@ -14822,28 +14543,6 @@
       </p:sp>
       <p:sp>
         <p:nvSpPr>
-          <p:cNvPr id="6" name="Date Placeholder 5"/>
-          <p:cNvSpPr>
-            <a:spLocks noGrp="1"/>
-          </p:cNvSpPr>
-          <p:nvPr>
-            <p:ph type="dt" sz="half" idx="2"/>
-          </p:nvPr>
-        </p:nvSpPr>
-        <p:spPr/>
-        <p:txBody>
-          <a:bodyPr/>
-          <a:lstStyle/>
-          <a:p>
-            <a:r>
-              <a:rPr lang="en-CA" dirty="0"/>
-              <a:t>Winter 2022</a:t>
-            </a:r>
-          </a:p>
-        </p:txBody>
-      </p:sp>
-      <p:sp>
-        <p:nvSpPr>
           <p:cNvPr id="10" name="Footer Placeholder 9"/>
           <p:cNvSpPr>
             <a:spLocks noGrp="1"/>
@@ -14894,7 +14593,7 @@
     </p:spTree>
     <p:extLst>
       <p:ext uri="{BB962C8B-B14F-4D97-AF65-F5344CB8AC3E}">
-        <p14:creationId xmlns:p14="http://schemas.microsoft.com/office/powerpoint/2010/main" val="590003311"/>
+        <p14:creationId xmlns:p14="http://schemas.microsoft.com/office/powerpoint/2010/main" xmlns="" val="590003311"/>
       </p:ext>
     </p:extLst>
   </p:cSld>
@@ -14990,28 +14689,6 @@
       </p:sp>
       <p:sp>
         <p:nvSpPr>
-          <p:cNvPr id="6" name="Date Placeholder 5"/>
-          <p:cNvSpPr>
-            <a:spLocks noGrp="1"/>
-          </p:cNvSpPr>
-          <p:nvPr>
-            <p:ph type="dt" sz="half" idx="2"/>
-          </p:nvPr>
-        </p:nvSpPr>
-        <p:spPr/>
-        <p:txBody>
-          <a:bodyPr/>
-          <a:lstStyle/>
-          <a:p>
-            <a:r>
-              <a:rPr lang="en-CA" dirty="0"/>
-              <a:t>Winter 2022</a:t>
-            </a:r>
-          </a:p>
-        </p:txBody>
-      </p:sp>
-      <p:sp>
-        <p:nvSpPr>
           <p:cNvPr id="10" name="Footer Placeholder 9"/>
           <p:cNvSpPr>
             <a:spLocks noGrp="1"/>
@@ -15064,7 +14741,7 @@
           <p:cNvPr id="7" name="AutoShape 4">
             <a:extLst>
               <a:ext uri="{FF2B5EF4-FFF2-40B4-BE49-F238E27FC236}">
-                <a16:creationId xmlns:a16="http://schemas.microsoft.com/office/drawing/2014/main" id="{13275EAC-6E2C-4B04-8B57-A34E2E0652E1}"/>
+                <a16:creationId xmlns:a16="http://schemas.microsoft.com/office/drawing/2014/main" xmlns="" id="{13275EAC-6E2C-4B04-8B57-A34E2E0652E1}"/>
               </a:ext>
             </a:extLst>
           </p:cNvPr>
@@ -15232,7 +14909,7 @@
           <p:cNvPr id="8" name="Text Box 5">
             <a:extLst>
               <a:ext uri="{FF2B5EF4-FFF2-40B4-BE49-F238E27FC236}">
-                <a16:creationId xmlns:a16="http://schemas.microsoft.com/office/drawing/2014/main" id="{ADD5127B-3ADF-487A-A1CB-7C21B40F511B}"/>
+                <a16:creationId xmlns:a16="http://schemas.microsoft.com/office/drawing/2014/main" xmlns="" id="{ADD5127B-3ADF-487A-A1CB-7C21B40F511B}"/>
               </a:ext>
             </a:extLst>
           </p:cNvPr>
@@ -15255,14 +14932,14 @@
           </a:ln>
           <a:extLst>
             <a:ext uri="{909E8E84-426E-40DD-AFC4-6F175D3DCCD1}">
-              <a14:hiddenFill xmlns:a14="http://schemas.microsoft.com/office/drawing/2010/main">
+              <a14:hiddenFill xmlns:a14="http://schemas.microsoft.com/office/drawing/2010/main" xmlns="">
                 <a:solidFill>
                   <a:srgbClr val="FFFFFF"/>
                 </a:solidFill>
               </a14:hiddenFill>
             </a:ext>
             <a:ext uri="{91240B29-F687-4F45-9708-019B960494DF}">
-              <a14:hiddenLine xmlns:a14="http://schemas.microsoft.com/office/drawing/2010/main" w="9525">
+              <a14:hiddenLine xmlns:a14="http://schemas.microsoft.com/office/drawing/2010/main" xmlns="" w="9525">
                 <a:solidFill>
                   <a:srgbClr val="000000"/>
                 </a:solidFill>
@@ -15523,7 +15200,7 @@
           <p:cNvPr id="9" name="AutoShape 6">
             <a:extLst>
               <a:ext uri="{FF2B5EF4-FFF2-40B4-BE49-F238E27FC236}">
-                <a16:creationId xmlns:a16="http://schemas.microsoft.com/office/drawing/2014/main" id="{1C4751CA-5F7A-4A72-A13E-ACBD4B3C7AF8}"/>
+                <a16:creationId xmlns:a16="http://schemas.microsoft.com/office/drawing/2014/main" xmlns="" id="{1C4751CA-5F7A-4A72-A13E-ACBD4B3C7AF8}"/>
               </a:ext>
             </a:extLst>
           </p:cNvPr>
@@ -15691,7 +15368,7 @@
           <p:cNvPr id="11" name="Text Box 7">
             <a:extLst>
               <a:ext uri="{FF2B5EF4-FFF2-40B4-BE49-F238E27FC236}">
-                <a16:creationId xmlns:a16="http://schemas.microsoft.com/office/drawing/2014/main" id="{8D64BA7F-23D9-445D-94B6-84986231FFDD}"/>
+                <a16:creationId xmlns:a16="http://schemas.microsoft.com/office/drawing/2014/main" xmlns="" id="{8D64BA7F-23D9-445D-94B6-84986231FFDD}"/>
               </a:ext>
             </a:extLst>
           </p:cNvPr>
@@ -15714,14 +15391,14 @@
           </a:ln>
           <a:extLst>
             <a:ext uri="{909E8E84-426E-40DD-AFC4-6F175D3DCCD1}">
-              <a14:hiddenFill xmlns:a14="http://schemas.microsoft.com/office/drawing/2010/main">
+              <a14:hiddenFill xmlns:a14="http://schemas.microsoft.com/office/drawing/2010/main" xmlns="">
                 <a:solidFill>
                   <a:srgbClr val="FFFFFF"/>
                 </a:solidFill>
               </a14:hiddenFill>
             </a:ext>
             <a:ext uri="{91240B29-F687-4F45-9708-019B960494DF}">
-              <a14:hiddenLine xmlns:a14="http://schemas.microsoft.com/office/drawing/2010/main" w="9525">
+              <a14:hiddenLine xmlns:a14="http://schemas.microsoft.com/office/drawing/2010/main" xmlns="" w="9525">
                 <a:solidFill>
                   <a:srgbClr val="000000"/>
                 </a:solidFill>
@@ -15944,7 +15621,7 @@
           <p:cNvPr id="13" name="Group 12">
             <a:extLst>
               <a:ext uri="{FF2B5EF4-FFF2-40B4-BE49-F238E27FC236}">
-                <a16:creationId xmlns:a16="http://schemas.microsoft.com/office/drawing/2014/main" id="{D48664B1-1420-46F3-94B9-D503620F0775}"/>
+                <a16:creationId xmlns:a16="http://schemas.microsoft.com/office/drawing/2014/main" xmlns="" id="{D48664B1-1420-46F3-94B9-D503620F0775}"/>
               </a:ext>
             </a:extLst>
           </p:cNvPr>
@@ -15966,7 +15643,7 @@
             <p:cNvPr id="19" name="AutoShape 9">
               <a:extLst>
                 <a:ext uri="{FF2B5EF4-FFF2-40B4-BE49-F238E27FC236}">
-                  <a16:creationId xmlns:a16="http://schemas.microsoft.com/office/drawing/2014/main" id="{BCEAF022-96BD-43F1-AF8C-4181781008B7}"/>
+                  <a16:creationId xmlns:a16="http://schemas.microsoft.com/office/drawing/2014/main" xmlns="" id="{BCEAF022-96BD-43F1-AF8C-4181781008B7}"/>
                 </a:ext>
               </a:extLst>
             </p:cNvPr>
@@ -16197,7 +15874,7 @@
             <p:cNvPr id="20" name="Line 10">
               <a:extLst>
                 <a:ext uri="{FF2B5EF4-FFF2-40B4-BE49-F238E27FC236}">
-                  <a16:creationId xmlns:a16="http://schemas.microsoft.com/office/drawing/2014/main" id="{FF6B1339-25C4-4D49-9D0C-CFEAA3FBE015}"/>
+                  <a16:creationId xmlns:a16="http://schemas.microsoft.com/office/drawing/2014/main" xmlns="" id="{FF6B1339-25C4-4D49-9D0C-CFEAA3FBE015}"/>
                 </a:ext>
               </a:extLst>
             </p:cNvPr>
@@ -16225,7 +15902,7 @@
             </a:ln>
             <a:extLst>
               <a:ext uri="{909E8E84-426E-40DD-AFC4-6F175D3DCCD1}">
-                <a14:hiddenFill xmlns:a14="http://schemas.microsoft.com/office/drawing/2010/main">
+                <a14:hiddenFill xmlns:a14="http://schemas.microsoft.com/office/drawing/2010/main" xmlns="">
                   <a:noFill/>
                 </a14:hiddenFill>
               </a:ext>
@@ -16368,7 +16045,7 @@
             <p:cNvPr id="21" name="AutoShape 11">
               <a:extLst>
                 <a:ext uri="{FF2B5EF4-FFF2-40B4-BE49-F238E27FC236}">
-                  <a16:creationId xmlns:a16="http://schemas.microsoft.com/office/drawing/2014/main" id="{5FB3C479-4003-47BB-A2CC-B4AD886EF752}"/>
+                  <a16:creationId xmlns:a16="http://schemas.microsoft.com/office/drawing/2014/main" xmlns="" id="{5FB3C479-4003-47BB-A2CC-B4AD886EF752}"/>
                 </a:ext>
               </a:extLst>
             </p:cNvPr>
@@ -16567,7 +16244,7 @@
             <p:cNvPr id="22" name="Line 12">
               <a:extLst>
                 <a:ext uri="{FF2B5EF4-FFF2-40B4-BE49-F238E27FC236}">
-                  <a16:creationId xmlns:a16="http://schemas.microsoft.com/office/drawing/2014/main" id="{D8C945C0-9BCD-46C4-A3B2-0D90A7458ED4}"/>
+                  <a16:creationId xmlns:a16="http://schemas.microsoft.com/office/drawing/2014/main" xmlns="" id="{D8C945C0-9BCD-46C4-A3B2-0D90A7458ED4}"/>
                 </a:ext>
               </a:extLst>
             </p:cNvPr>
@@ -16595,7 +16272,7 @@
             </a:ln>
             <a:extLst>
               <a:ext uri="{909E8E84-426E-40DD-AFC4-6F175D3DCCD1}">
-                <a14:hiddenFill xmlns:a14="http://schemas.microsoft.com/office/drawing/2010/main">
+                <a14:hiddenFill xmlns:a14="http://schemas.microsoft.com/office/drawing/2010/main" xmlns="">
                   <a:noFill/>
                 </a14:hiddenFill>
               </a:ext>
@@ -16738,7 +16415,7 @@
             <p:cNvPr id="23" name="AutoShape 13">
               <a:extLst>
                 <a:ext uri="{FF2B5EF4-FFF2-40B4-BE49-F238E27FC236}">
-                  <a16:creationId xmlns:a16="http://schemas.microsoft.com/office/drawing/2014/main" id="{DEA6651E-683F-4B62-A7D7-54074C6A25F6}"/>
+                  <a16:creationId xmlns:a16="http://schemas.microsoft.com/office/drawing/2014/main" xmlns="" id="{DEA6651E-683F-4B62-A7D7-54074C6A25F6}"/>
                 </a:ext>
               </a:extLst>
             </p:cNvPr>
@@ -16938,7 +16615,7 @@
           <p:cNvPr id="14" name="AutoShape 14">
             <a:extLst>
               <a:ext uri="{FF2B5EF4-FFF2-40B4-BE49-F238E27FC236}">
-                <a16:creationId xmlns:a16="http://schemas.microsoft.com/office/drawing/2014/main" id="{3C24020D-49D9-4E7F-9FC5-9818A6A516A8}"/>
+                <a16:creationId xmlns:a16="http://schemas.microsoft.com/office/drawing/2014/main" xmlns="" id="{3C24020D-49D9-4E7F-9FC5-9818A6A516A8}"/>
               </a:ext>
             </a:extLst>
           </p:cNvPr>
@@ -17106,7 +16783,7 @@
           <p:cNvPr id="15" name="Text Box 15">
             <a:extLst>
               <a:ext uri="{FF2B5EF4-FFF2-40B4-BE49-F238E27FC236}">
-                <a16:creationId xmlns:a16="http://schemas.microsoft.com/office/drawing/2014/main" id="{B110248F-BAB7-4577-8FEB-1A6A74603D14}"/>
+                <a16:creationId xmlns:a16="http://schemas.microsoft.com/office/drawing/2014/main" xmlns="" id="{B110248F-BAB7-4577-8FEB-1A6A74603D14}"/>
               </a:ext>
             </a:extLst>
           </p:cNvPr>
@@ -17129,14 +16806,14 @@
           </a:ln>
           <a:extLst>
             <a:ext uri="{909E8E84-426E-40DD-AFC4-6F175D3DCCD1}">
-              <a14:hiddenFill xmlns:a14="http://schemas.microsoft.com/office/drawing/2010/main">
+              <a14:hiddenFill xmlns:a14="http://schemas.microsoft.com/office/drawing/2010/main" xmlns="">
                 <a:solidFill>
                   <a:srgbClr val="FFFFFF"/>
                 </a:solidFill>
               </a14:hiddenFill>
             </a:ext>
             <a:ext uri="{91240B29-F687-4F45-9708-019B960494DF}">
-              <a14:hiddenLine xmlns:a14="http://schemas.microsoft.com/office/drawing/2010/main" w="9525">
+              <a14:hiddenLine xmlns:a14="http://schemas.microsoft.com/office/drawing/2010/main" xmlns="" w="9525">
                 <a:solidFill>
                   <a:srgbClr val="000000"/>
                 </a:solidFill>
@@ -17359,7 +17036,7 @@
           <p:cNvPr id="16" name="Text Box 16">
             <a:extLst>
               <a:ext uri="{FF2B5EF4-FFF2-40B4-BE49-F238E27FC236}">
-                <a16:creationId xmlns:a16="http://schemas.microsoft.com/office/drawing/2014/main" id="{C22FED14-C7CF-486A-8D74-2B6D44F4F6B8}"/>
+                <a16:creationId xmlns:a16="http://schemas.microsoft.com/office/drawing/2014/main" xmlns="" id="{C22FED14-C7CF-486A-8D74-2B6D44F4F6B8}"/>
               </a:ext>
             </a:extLst>
           </p:cNvPr>
@@ -17382,14 +17059,14 @@
           </a:ln>
           <a:extLst>
             <a:ext uri="{909E8E84-426E-40DD-AFC4-6F175D3DCCD1}">
-              <a14:hiddenFill xmlns:a14="http://schemas.microsoft.com/office/drawing/2010/main">
+              <a14:hiddenFill xmlns:a14="http://schemas.microsoft.com/office/drawing/2010/main" xmlns="">
                 <a:solidFill>
                   <a:srgbClr val="FFFFFF"/>
                 </a:solidFill>
               </a14:hiddenFill>
             </a:ext>
             <a:ext uri="{91240B29-F687-4F45-9708-019B960494DF}">
-              <a14:hiddenLine xmlns:a14="http://schemas.microsoft.com/office/drawing/2010/main" w="9525">
+              <a14:hiddenLine xmlns:a14="http://schemas.microsoft.com/office/drawing/2010/main" xmlns="" w="9525">
                 <a:solidFill>
                   <a:srgbClr val="000000"/>
                 </a:solidFill>
@@ -17552,7 +17229,7 @@
           <p:cNvPr id="17" name="Line 17">
             <a:extLst>
               <a:ext uri="{FF2B5EF4-FFF2-40B4-BE49-F238E27FC236}">
-                <a16:creationId xmlns:a16="http://schemas.microsoft.com/office/drawing/2014/main" id="{A174921B-B6B4-4177-833D-8AC88EBF2FD5}"/>
+                <a16:creationId xmlns:a16="http://schemas.microsoft.com/office/drawing/2014/main" xmlns="" id="{A174921B-B6B4-4177-833D-8AC88EBF2FD5}"/>
               </a:ext>
             </a:extLst>
           </p:cNvPr>
@@ -17580,7 +17257,7 @@
           </a:ln>
           <a:extLst>
             <a:ext uri="{909E8E84-426E-40DD-AFC4-6F175D3DCCD1}">
-              <a14:hiddenFill xmlns:a14="http://schemas.microsoft.com/office/drawing/2010/main">
+              <a14:hiddenFill xmlns:a14="http://schemas.microsoft.com/office/drawing/2010/main" xmlns="">
                 <a:noFill/>
               </a14:hiddenFill>
             </a:ext>
@@ -17723,7 +17400,7 @@
           <p:cNvPr id="18" name="Line 18">
             <a:extLst>
               <a:ext uri="{FF2B5EF4-FFF2-40B4-BE49-F238E27FC236}">
-                <a16:creationId xmlns:a16="http://schemas.microsoft.com/office/drawing/2014/main" id="{D50DB172-331A-40F4-8E2C-99C1B4E91F0F}"/>
+                <a16:creationId xmlns:a16="http://schemas.microsoft.com/office/drawing/2014/main" xmlns="" id="{D50DB172-331A-40F4-8E2C-99C1B4E91F0F}"/>
               </a:ext>
             </a:extLst>
           </p:cNvPr>
@@ -17751,7 +17428,7 @@
           </a:ln>
           <a:extLst>
             <a:ext uri="{909E8E84-426E-40DD-AFC4-6F175D3DCCD1}">
-              <a14:hiddenFill xmlns:a14="http://schemas.microsoft.com/office/drawing/2010/main">
+              <a14:hiddenFill xmlns:a14="http://schemas.microsoft.com/office/drawing/2010/main" xmlns="">
                 <a:noFill/>
               </a14:hiddenFill>
             </a:ext>
@@ -17892,7 +17569,7 @@
     </p:spTree>
     <p:extLst>
       <p:ext uri="{BB962C8B-B14F-4D97-AF65-F5344CB8AC3E}">
-        <p14:creationId xmlns:p14="http://schemas.microsoft.com/office/powerpoint/2010/main" val="167956170"/>
+        <p14:creationId xmlns:p14="http://schemas.microsoft.com/office/powerpoint/2010/main" xmlns="" val="167956170"/>
       </p:ext>
     </p:extLst>
   </p:cSld>
@@ -18032,28 +17709,6 @@
       </p:sp>
       <p:sp>
         <p:nvSpPr>
-          <p:cNvPr id="6" name="Date Placeholder 5"/>
-          <p:cNvSpPr>
-            <a:spLocks noGrp="1"/>
-          </p:cNvSpPr>
-          <p:nvPr>
-            <p:ph type="dt" sz="half" idx="2"/>
-          </p:nvPr>
-        </p:nvSpPr>
-        <p:spPr/>
-        <p:txBody>
-          <a:bodyPr/>
-          <a:lstStyle/>
-          <a:p>
-            <a:r>
-              <a:rPr lang="en-CA" dirty="0"/>
-              <a:t>Winter 2022</a:t>
-            </a:r>
-          </a:p>
-        </p:txBody>
-      </p:sp>
-      <p:sp>
-        <p:nvSpPr>
           <p:cNvPr id="10" name="Footer Placeholder 9"/>
           <p:cNvSpPr>
             <a:spLocks noGrp="1"/>
@@ -18104,7 +17759,7 @@
     </p:spTree>
     <p:extLst>
       <p:ext uri="{BB962C8B-B14F-4D97-AF65-F5344CB8AC3E}">
-        <p14:creationId xmlns:p14="http://schemas.microsoft.com/office/powerpoint/2010/main" val="2632079071"/>
+        <p14:creationId xmlns:p14="http://schemas.microsoft.com/office/powerpoint/2010/main" xmlns="" val="2632079071"/>
       </p:ext>
     </p:extLst>
   </p:cSld>
@@ -18204,28 +17859,6 @@
       </p:sp>
       <p:sp>
         <p:nvSpPr>
-          <p:cNvPr id="6" name="Date Placeholder 5"/>
-          <p:cNvSpPr>
-            <a:spLocks noGrp="1"/>
-          </p:cNvSpPr>
-          <p:nvPr>
-            <p:ph type="dt" sz="half" idx="2"/>
-          </p:nvPr>
-        </p:nvSpPr>
-        <p:spPr/>
-        <p:txBody>
-          <a:bodyPr/>
-          <a:lstStyle/>
-          <a:p>
-            <a:r>
-              <a:rPr lang="en-CA" dirty="0"/>
-              <a:t>Winter 2022</a:t>
-            </a:r>
-          </a:p>
-        </p:txBody>
-      </p:sp>
-      <p:sp>
-        <p:nvSpPr>
           <p:cNvPr id="10" name="Footer Placeholder 9"/>
           <p:cNvSpPr>
             <a:spLocks noGrp="1"/>
@@ -18278,7 +17911,7 @@
           <p:cNvPr id="7" name="Group 6">
             <a:extLst>
               <a:ext uri="{FF2B5EF4-FFF2-40B4-BE49-F238E27FC236}">
-                <a16:creationId xmlns:a16="http://schemas.microsoft.com/office/drawing/2014/main" id="{6059797D-B994-42B1-B6A6-F6E966FE1EE5}"/>
+                <a16:creationId xmlns:a16="http://schemas.microsoft.com/office/drawing/2014/main" xmlns="" id="{6059797D-B994-42B1-B6A6-F6E966FE1EE5}"/>
               </a:ext>
             </a:extLst>
           </p:cNvPr>
@@ -18300,7 +17933,7 @@
             <p:cNvPr id="8" name="AutoShape 5">
               <a:extLst>
                 <a:ext uri="{FF2B5EF4-FFF2-40B4-BE49-F238E27FC236}">
-                  <a16:creationId xmlns:a16="http://schemas.microsoft.com/office/drawing/2014/main" id="{D6FFAD0A-9591-45BB-9CD7-C02C79A95A80}"/>
+                  <a16:creationId xmlns:a16="http://schemas.microsoft.com/office/drawing/2014/main" xmlns="" id="{D6FFAD0A-9591-45BB-9CD7-C02C79A95A80}"/>
                 </a:ext>
               </a:extLst>
             </p:cNvPr>
@@ -18511,7 +18144,7 @@
             <p:cNvPr id="9" name="Line 6">
               <a:extLst>
                 <a:ext uri="{FF2B5EF4-FFF2-40B4-BE49-F238E27FC236}">
-                  <a16:creationId xmlns:a16="http://schemas.microsoft.com/office/drawing/2014/main" id="{C3857098-8637-4387-BACC-9144E765FD73}"/>
+                  <a16:creationId xmlns:a16="http://schemas.microsoft.com/office/drawing/2014/main" xmlns="" id="{C3857098-8637-4387-BACC-9144E765FD73}"/>
                 </a:ext>
               </a:extLst>
             </p:cNvPr>
@@ -18539,7 +18172,7 @@
             </a:ln>
             <a:extLst>
               <a:ext uri="{909E8E84-426E-40DD-AFC4-6F175D3DCCD1}">
-                <a14:hiddenFill xmlns:a14="http://schemas.microsoft.com/office/drawing/2010/main">
+                <a14:hiddenFill xmlns:a14="http://schemas.microsoft.com/office/drawing/2010/main" xmlns="">
                   <a:noFill/>
                 </a14:hiddenFill>
               </a:ext>
@@ -18682,7 +18315,7 @@
             <p:cNvPr id="11" name="AutoShape 7">
               <a:extLst>
                 <a:ext uri="{FF2B5EF4-FFF2-40B4-BE49-F238E27FC236}">
-                  <a16:creationId xmlns:a16="http://schemas.microsoft.com/office/drawing/2014/main" id="{CBD90AFF-C808-4268-8FD9-359C994E64A8}"/>
+                  <a16:creationId xmlns:a16="http://schemas.microsoft.com/office/drawing/2014/main" xmlns="" id="{CBD90AFF-C808-4268-8FD9-359C994E64A8}"/>
                 </a:ext>
               </a:extLst>
             </p:cNvPr>
@@ -18881,7 +18514,7 @@
             <p:cNvPr id="13" name="Line 8">
               <a:extLst>
                 <a:ext uri="{FF2B5EF4-FFF2-40B4-BE49-F238E27FC236}">
-                  <a16:creationId xmlns:a16="http://schemas.microsoft.com/office/drawing/2014/main" id="{460EC9F5-9B9D-4E28-96F3-768E2AEDBBD8}"/>
+                  <a16:creationId xmlns:a16="http://schemas.microsoft.com/office/drawing/2014/main" xmlns="" id="{460EC9F5-9B9D-4E28-96F3-768E2AEDBBD8}"/>
                 </a:ext>
               </a:extLst>
             </p:cNvPr>
@@ -18909,7 +18542,7 @@
             </a:ln>
             <a:extLst>
               <a:ext uri="{909E8E84-426E-40DD-AFC4-6F175D3DCCD1}">
-                <a14:hiddenFill xmlns:a14="http://schemas.microsoft.com/office/drawing/2010/main">
+                <a14:hiddenFill xmlns:a14="http://schemas.microsoft.com/office/drawing/2010/main" xmlns="">
                   <a:noFill/>
                 </a14:hiddenFill>
               </a:ext>
@@ -19052,7 +18685,7 @@
             <p:cNvPr id="14" name="AutoShape 9">
               <a:extLst>
                 <a:ext uri="{FF2B5EF4-FFF2-40B4-BE49-F238E27FC236}">
-                  <a16:creationId xmlns:a16="http://schemas.microsoft.com/office/drawing/2014/main" id="{C410BBAB-5578-43DA-8075-332B23A6237B}"/>
+                  <a16:creationId xmlns:a16="http://schemas.microsoft.com/office/drawing/2014/main" xmlns="" id="{C410BBAB-5578-43DA-8075-332B23A6237B}"/>
                 </a:ext>
               </a:extLst>
             </p:cNvPr>
@@ -19250,7 +18883,7 @@
     </p:spTree>
     <p:extLst>
       <p:ext uri="{BB962C8B-B14F-4D97-AF65-F5344CB8AC3E}">
-        <p14:creationId xmlns:p14="http://schemas.microsoft.com/office/powerpoint/2010/main" val="3332486062"/>
+        <p14:creationId xmlns:p14="http://schemas.microsoft.com/office/powerpoint/2010/main" xmlns="" val="3332486062"/>
       </p:ext>
     </p:extLst>
   </p:cSld>
@@ -19346,28 +18979,6 @@
       </p:sp>
       <p:sp>
         <p:nvSpPr>
-          <p:cNvPr id="6" name="Date Placeholder 5"/>
-          <p:cNvSpPr>
-            <a:spLocks noGrp="1"/>
-          </p:cNvSpPr>
-          <p:nvPr>
-            <p:ph type="dt" sz="half" idx="2"/>
-          </p:nvPr>
-        </p:nvSpPr>
-        <p:spPr/>
-        <p:txBody>
-          <a:bodyPr/>
-          <a:lstStyle/>
-          <a:p>
-            <a:r>
-              <a:rPr lang="en-CA" dirty="0"/>
-              <a:t>Winter 2022</a:t>
-            </a:r>
-          </a:p>
-        </p:txBody>
-      </p:sp>
-      <p:sp>
-        <p:nvSpPr>
           <p:cNvPr id="10" name="Footer Placeholder 9"/>
           <p:cNvSpPr>
             <a:spLocks noGrp="1"/>
@@ -19420,7 +19031,7 @@
           <p:cNvPr id="7" name="AutoShape 4">
             <a:extLst>
               <a:ext uri="{FF2B5EF4-FFF2-40B4-BE49-F238E27FC236}">
-                <a16:creationId xmlns:a16="http://schemas.microsoft.com/office/drawing/2014/main" id="{EE87E6B9-5E68-4338-99AA-B61E452A41D6}"/>
+                <a16:creationId xmlns:a16="http://schemas.microsoft.com/office/drawing/2014/main" xmlns="" id="{EE87E6B9-5E68-4338-99AA-B61E452A41D6}"/>
               </a:ext>
             </a:extLst>
           </p:cNvPr>
@@ -19588,7 +19199,7 @@
           <p:cNvPr id="8" name="Text Box 5">
             <a:extLst>
               <a:ext uri="{FF2B5EF4-FFF2-40B4-BE49-F238E27FC236}">
-                <a16:creationId xmlns:a16="http://schemas.microsoft.com/office/drawing/2014/main" id="{61BABADE-E154-4198-9173-E4954F7EFF39}"/>
+                <a16:creationId xmlns:a16="http://schemas.microsoft.com/office/drawing/2014/main" xmlns="" id="{61BABADE-E154-4198-9173-E4954F7EFF39}"/>
               </a:ext>
             </a:extLst>
           </p:cNvPr>
@@ -19611,14 +19222,14 @@
           </a:ln>
           <a:extLst>
             <a:ext uri="{909E8E84-426E-40DD-AFC4-6F175D3DCCD1}">
-              <a14:hiddenFill xmlns:a14="http://schemas.microsoft.com/office/drawing/2010/main">
+              <a14:hiddenFill xmlns:a14="http://schemas.microsoft.com/office/drawing/2010/main" xmlns="">
                 <a:solidFill>
                   <a:srgbClr val="FFFFFF"/>
                 </a:solidFill>
               </a14:hiddenFill>
             </a:ext>
             <a:ext uri="{91240B29-F687-4F45-9708-019B960494DF}">
-              <a14:hiddenLine xmlns:a14="http://schemas.microsoft.com/office/drawing/2010/main" w="9525">
+              <a14:hiddenLine xmlns:a14="http://schemas.microsoft.com/office/drawing/2010/main" xmlns="" w="9525">
                 <a:solidFill>
                   <a:srgbClr val="000000"/>
                 </a:solidFill>
@@ -19822,7 +19433,7 @@
           <p:cNvPr id="9" name="AutoShape 6">
             <a:extLst>
               <a:ext uri="{FF2B5EF4-FFF2-40B4-BE49-F238E27FC236}">
-                <a16:creationId xmlns:a16="http://schemas.microsoft.com/office/drawing/2014/main" id="{3DFE6D5C-6B17-4CC6-8FDB-0298C629879F}"/>
+                <a16:creationId xmlns:a16="http://schemas.microsoft.com/office/drawing/2014/main" xmlns="" id="{3DFE6D5C-6B17-4CC6-8FDB-0298C629879F}"/>
               </a:ext>
             </a:extLst>
           </p:cNvPr>
@@ -19990,7 +19601,7 @@
           <p:cNvPr id="11" name="Text Box 7">
             <a:extLst>
               <a:ext uri="{FF2B5EF4-FFF2-40B4-BE49-F238E27FC236}">
-                <a16:creationId xmlns:a16="http://schemas.microsoft.com/office/drawing/2014/main" id="{BA4E2FAE-2305-4BA6-99CF-4E5205BA0BE7}"/>
+                <a16:creationId xmlns:a16="http://schemas.microsoft.com/office/drawing/2014/main" xmlns="" id="{BA4E2FAE-2305-4BA6-99CF-4E5205BA0BE7}"/>
               </a:ext>
             </a:extLst>
           </p:cNvPr>
@@ -20013,14 +19624,14 @@
           </a:ln>
           <a:extLst>
             <a:ext uri="{909E8E84-426E-40DD-AFC4-6F175D3DCCD1}">
-              <a14:hiddenFill xmlns:a14="http://schemas.microsoft.com/office/drawing/2010/main">
+              <a14:hiddenFill xmlns:a14="http://schemas.microsoft.com/office/drawing/2010/main" xmlns="">
                 <a:solidFill>
                   <a:srgbClr val="FFFFFF"/>
                 </a:solidFill>
               </a14:hiddenFill>
             </a:ext>
             <a:ext uri="{91240B29-F687-4F45-9708-019B960494DF}">
-              <a14:hiddenLine xmlns:a14="http://schemas.microsoft.com/office/drawing/2010/main" w="9525">
+              <a14:hiddenLine xmlns:a14="http://schemas.microsoft.com/office/drawing/2010/main" xmlns="" w="9525">
                 <a:solidFill>
                   <a:srgbClr val="000000"/>
                 </a:solidFill>
@@ -20262,7 +19873,7 @@
           <p:cNvPr id="13" name="Group 12">
             <a:extLst>
               <a:ext uri="{FF2B5EF4-FFF2-40B4-BE49-F238E27FC236}">
-                <a16:creationId xmlns:a16="http://schemas.microsoft.com/office/drawing/2014/main" id="{F76D2BCB-0A1A-47D0-A082-6F13875D95A0}"/>
+                <a16:creationId xmlns:a16="http://schemas.microsoft.com/office/drawing/2014/main" xmlns="" id="{F76D2BCB-0A1A-47D0-A082-6F13875D95A0}"/>
               </a:ext>
             </a:extLst>
           </p:cNvPr>
@@ -20284,7 +19895,7 @@
             <p:cNvPr id="18" name="AutoShape 9">
               <a:extLst>
                 <a:ext uri="{FF2B5EF4-FFF2-40B4-BE49-F238E27FC236}">
-                  <a16:creationId xmlns:a16="http://schemas.microsoft.com/office/drawing/2014/main" id="{8515EA32-01CC-42E9-8F19-4FFAB59B1FD5}"/>
+                  <a16:creationId xmlns:a16="http://schemas.microsoft.com/office/drawing/2014/main" xmlns="" id="{8515EA32-01CC-42E9-8F19-4FFAB59B1FD5}"/>
                 </a:ext>
               </a:extLst>
             </p:cNvPr>
@@ -20495,7 +20106,7 @@
             <p:cNvPr id="19" name="Line 10">
               <a:extLst>
                 <a:ext uri="{FF2B5EF4-FFF2-40B4-BE49-F238E27FC236}">
-                  <a16:creationId xmlns:a16="http://schemas.microsoft.com/office/drawing/2014/main" id="{D3C2F11C-B9DE-4F84-991A-FB2DA24DEF60}"/>
+                  <a16:creationId xmlns:a16="http://schemas.microsoft.com/office/drawing/2014/main" xmlns="" id="{D3C2F11C-B9DE-4F84-991A-FB2DA24DEF60}"/>
                 </a:ext>
               </a:extLst>
             </p:cNvPr>
@@ -20523,7 +20134,7 @@
             </a:ln>
             <a:extLst>
               <a:ext uri="{909E8E84-426E-40DD-AFC4-6F175D3DCCD1}">
-                <a14:hiddenFill xmlns:a14="http://schemas.microsoft.com/office/drawing/2010/main">
+                <a14:hiddenFill xmlns:a14="http://schemas.microsoft.com/office/drawing/2010/main" xmlns="">
                   <a:noFill/>
                 </a14:hiddenFill>
               </a:ext>
@@ -20666,7 +20277,7 @@
             <p:cNvPr id="20" name="AutoShape 11">
               <a:extLst>
                 <a:ext uri="{FF2B5EF4-FFF2-40B4-BE49-F238E27FC236}">
-                  <a16:creationId xmlns:a16="http://schemas.microsoft.com/office/drawing/2014/main" id="{B69339BE-1884-4533-98CB-BCC0EB2EEF0A}"/>
+                  <a16:creationId xmlns:a16="http://schemas.microsoft.com/office/drawing/2014/main" xmlns="" id="{B69339BE-1884-4533-98CB-BCC0EB2EEF0A}"/>
                 </a:ext>
               </a:extLst>
             </p:cNvPr>
@@ -20865,7 +20476,7 @@
             <p:cNvPr id="21" name="Line 12">
               <a:extLst>
                 <a:ext uri="{FF2B5EF4-FFF2-40B4-BE49-F238E27FC236}">
-                  <a16:creationId xmlns:a16="http://schemas.microsoft.com/office/drawing/2014/main" id="{3064BB47-AEE1-4F7A-9F89-8DEEE168948F}"/>
+                  <a16:creationId xmlns:a16="http://schemas.microsoft.com/office/drawing/2014/main" xmlns="" id="{3064BB47-AEE1-4F7A-9F89-8DEEE168948F}"/>
                 </a:ext>
               </a:extLst>
             </p:cNvPr>
@@ -20893,7 +20504,7 @@
             </a:ln>
             <a:extLst>
               <a:ext uri="{909E8E84-426E-40DD-AFC4-6F175D3DCCD1}">
-                <a14:hiddenFill xmlns:a14="http://schemas.microsoft.com/office/drawing/2010/main">
+                <a14:hiddenFill xmlns:a14="http://schemas.microsoft.com/office/drawing/2010/main" xmlns="">
                   <a:noFill/>
                 </a14:hiddenFill>
               </a:ext>
@@ -21036,7 +20647,7 @@
             <p:cNvPr id="22" name="AutoShape 13">
               <a:extLst>
                 <a:ext uri="{FF2B5EF4-FFF2-40B4-BE49-F238E27FC236}">
-                  <a16:creationId xmlns:a16="http://schemas.microsoft.com/office/drawing/2014/main" id="{C732053F-AF09-4DD5-8CF6-61190AD1CE7B}"/>
+                  <a16:creationId xmlns:a16="http://schemas.microsoft.com/office/drawing/2014/main" xmlns="" id="{C732053F-AF09-4DD5-8CF6-61190AD1CE7B}"/>
                 </a:ext>
               </a:extLst>
             </p:cNvPr>
@@ -21236,7 +20847,7 @@
           <p:cNvPr id="14" name="AutoShape 14">
             <a:extLst>
               <a:ext uri="{FF2B5EF4-FFF2-40B4-BE49-F238E27FC236}">
-                <a16:creationId xmlns:a16="http://schemas.microsoft.com/office/drawing/2014/main" id="{A7727776-D7AB-4C7A-BF76-24235BE41E6B}"/>
+                <a16:creationId xmlns:a16="http://schemas.microsoft.com/office/drawing/2014/main" xmlns="" id="{A7727776-D7AB-4C7A-BF76-24235BE41E6B}"/>
               </a:ext>
             </a:extLst>
           </p:cNvPr>
@@ -21404,7 +21015,7 @@
           <p:cNvPr id="15" name="Text Box 15">
             <a:extLst>
               <a:ext uri="{FF2B5EF4-FFF2-40B4-BE49-F238E27FC236}">
-                <a16:creationId xmlns:a16="http://schemas.microsoft.com/office/drawing/2014/main" id="{05205A86-7DB8-48DC-A724-B5F276A5E7F3}"/>
+                <a16:creationId xmlns:a16="http://schemas.microsoft.com/office/drawing/2014/main" xmlns="" id="{05205A86-7DB8-48DC-A724-B5F276A5E7F3}"/>
               </a:ext>
             </a:extLst>
           </p:cNvPr>
@@ -21427,14 +21038,14 @@
           </a:ln>
           <a:extLst>
             <a:ext uri="{909E8E84-426E-40DD-AFC4-6F175D3DCCD1}">
-              <a14:hiddenFill xmlns:a14="http://schemas.microsoft.com/office/drawing/2010/main">
+              <a14:hiddenFill xmlns:a14="http://schemas.microsoft.com/office/drawing/2010/main" xmlns="">
                 <a:solidFill>
                   <a:srgbClr val="FFFFFF"/>
                 </a:solidFill>
               </a14:hiddenFill>
             </a:ext>
             <a:ext uri="{91240B29-F687-4F45-9708-019B960494DF}">
-              <a14:hiddenLine xmlns:a14="http://schemas.microsoft.com/office/drawing/2010/main" w="9525">
+              <a14:hiddenLine xmlns:a14="http://schemas.microsoft.com/office/drawing/2010/main" xmlns="" w="9525">
                 <a:solidFill>
                   <a:srgbClr val="000000"/>
                 </a:solidFill>
@@ -21700,7 +21311,7 @@
           <p:cNvPr id="16" name="Text Box 16">
             <a:extLst>
               <a:ext uri="{FF2B5EF4-FFF2-40B4-BE49-F238E27FC236}">
-                <a16:creationId xmlns:a16="http://schemas.microsoft.com/office/drawing/2014/main" id="{5B9A0431-4924-4BB6-954A-94ED035A466B}"/>
+                <a16:creationId xmlns:a16="http://schemas.microsoft.com/office/drawing/2014/main" xmlns="" id="{5B9A0431-4924-4BB6-954A-94ED035A466B}"/>
               </a:ext>
             </a:extLst>
           </p:cNvPr>
@@ -21723,14 +21334,14 @@
           </a:ln>
           <a:extLst>
             <a:ext uri="{909E8E84-426E-40DD-AFC4-6F175D3DCCD1}">
-              <a14:hiddenFill xmlns:a14="http://schemas.microsoft.com/office/drawing/2010/main">
+              <a14:hiddenFill xmlns:a14="http://schemas.microsoft.com/office/drawing/2010/main" xmlns="">
                 <a:solidFill>
                   <a:srgbClr val="FFFFFF"/>
                 </a:solidFill>
               </a14:hiddenFill>
             </a:ext>
             <a:ext uri="{91240B29-F687-4F45-9708-019B960494DF}">
-              <a14:hiddenLine xmlns:a14="http://schemas.microsoft.com/office/drawing/2010/main" w="9525">
+              <a14:hiddenLine xmlns:a14="http://schemas.microsoft.com/office/drawing/2010/main" xmlns="" w="9525">
                 <a:solidFill>
                   <a:srgbClr val="000000"/>
                 </a:solidFill>
@@ -21893,7 +21504,7 @@
           <p:cNvPr id="17" name="Line 17">
             <a:extLst>
               <a:ext uri="{FF2B5EF4-FFF2-40B4-BE49-F238E27FC236}">
-                <a16:creationId xmlns:a16="http://schemas.microsoft.com/office/drawing/2014/main" id="{53B3EA05-A66B-46DB-BBA6-C99A614678FC}"/>
+                <a16:creationId xmlns:a16="http://schemas.microsoft.com/office/drawing/2014/main" xmlns="" id="{53B3EA05-A66B-46DB-BBA6-C99A614678FC}"/>
               </a:ext>
             </a:extLst>
           </p:cNvPr>
@@ -21921,7 +21532,7 @@
           </a:ln>
           <a:extLst>
             <a:ext uri="{909E8E84-426E-40DD-AFC4-6F175D3DCCD1}">
-              <a14:hiddenFill xmlns:a14="http://schemas.microsoft.com/office/drawing/2010/main">
+              <a14:hiddenFill xmlns:a14="http://schemas.microsoft.com/office/drawing/2010/main" xmlns="">
                 <a:noFill/>
               </a14:hiddenFill>
             </a:ext>
@@ -22062,7 +21673,7 @@
     </p:spTree>
     <p:extLst>
       <p:ext uri="{BB962C8B-B14F-4D97-AF65-F5344CB8AC3E}">
-        <p14:creationId xmlns:p14="http://schemas.microsoft.com/office/powerpoint/2010/main" val="4169895058"/>
+        <p14:creationId xmlns:p14="http://schemas.microsoft.com/office/powerpoint/2010/main" xmlns="" val="4169895058"/>
       </p:ext>
     </p:extLst>
   </p:cSld>
@@ -22115,7 +21726,7 @@
     </a:clrScheme>
     <a:fontScheme name="Office">
       <a:majorFont>
-        <a:latin typeface="Calibri Light" panose="020F0302020204030204"/>
+        <a:latin typeface="Calibri Light"/>
         <a:ea typeface=""/>
         <a:cs typeface=""/>
         <a:font script="Jpan" typeface="游ゴシック Light"/>
@@ -22167,7 +21778,7 @@
         <a:font script="Tfng" typeface="Ebrima"/>
       </a:majorFont>
       <a:minorFont>
-        <a:latin typeface="Calibri" panose="020F0502020204030204"/>
+        <a:latin typeface="Calibri"/>
         <a:ea typeface=""/>
         <a:cs typeface=""/>
         <a:font script="Jpan" typeface="游ゴシック"/>
@@ -22361,7 +21972,7 @@
   <a:extraClrSchemeLst/>
   <a:extLst>
     <a:ext uri="{05A4C25C-085E-4340-85A3-A5531E510DB2}">
-      <thm15:themeFamily xmlns:thm15="http://schemas.microsoft.com/office/thememl/2012/main" name="eye_tracker_presentation" id="{00ED1D97-A04B-46A0-BB71-88655A6B057F}" vid="{F36189FA-3966-4852-951E-5734674D1C7B}"/>
+      <thm15:themeFamily xmlns:thm15="http://schemas.microsoft.com/office/thememl/2012/main" xmlns="" name="eye_tracker_presentation" id="{00ED1D97-A04B-46A0-BB71-88655A6B057F}" vid="{F36189FA-3966-4852-951E-5734674D1C7B}"/>
     </a:ext>
   </a:extLst>
 </a:theme>
@@ -22410,7 +22021,7 @@
     </a:clrScheme>
     <a:fontScheme name="Office">
       <a:majorFont>
-        <a:latin typeface="Calibri Light" panose="020F0302020204030204"/>
+        <a:latin typeface="Calibri Light"/>
         <a:ea typeface=""/>
         <a:cs typeface=""/>
         <a:font script="Jpan" typeface="游ゴシック Light"/>
@@ -22462,7 +22073,7 @@
         <a:font script="Tfng" typeface="Ebrima"/>
       </a:majorFont>
       <a:minorFont>
-        <a:latin typeface="Calibri" panose="020F0502020204030204"/>
+        <a:latin typeface="Calibri"/>
         <a:ea typeface=""/>
         <a:cs typeface=""/>
         <a:font script="Jpan" typeface="游ゴシック"/>
@@ -22656,7 +22267,7 @@
   <a:extraClrSchemeLst/>
   <a:extLst>
     <a:ext uri="{05A4C25C-085E-4340-85A3-A5531E510DB2}">
-      <thm15:themeFamily xmlns:thm15="http://schemas.microsoft.com/office/thememl/2012/main" name="Office Theme" id="{62F939B6-93AF-4DB8-9C6B-D6C7DFDC589F}" vid="{4A3C46E8-61CC-4603-A589-7422A47A8E4A}"/>
+      <thm15:themeFamily xmlns:thm15="http://schemas.microsoft.com/office/thememl/2012/main" xmlns="" name="Office Theme" id="{62F939B6-93AF-4DB8-9C6B-D6C7DFDC589F}" vid="{4A3C46E8-61CC-4603-A589-7422A47A8E4A}"/>
     </a:ext>
   </a:extLst>
 </a:theme>

--- a/bishops/cs321/resources/CS321_Lecture_07B.pptx
+++ b/bishops/cs321/resources/CS321_Lecture_07B.pptx
@@ -128,7 +128,7 @@
   </p:defaultTextStyle>
   <p:extLst>
     <p:ext uri="{EFAFB233-063F-42B5-8137-9DF3F51BA10A}">
-      <p15:sldGuideLst xmlns:p15="http://schemas.microsoft.com/office/powerpoint/2012/main" xmlns=""/>
+      <p15:sldGuideLst xmlns="" xmlns:p15="http://schemas.microsoft.com/office/powerpoint/2012/main"/>
     </p:ext>
   </p:extLst>
 </p:presentation>
@@ -139,7 +139,7 @@
   <p:cmAuthor id="1" name="Gregory" initials="G" lastIdx="1" clrIdx="0">
     <p:extLst>
       <p:ext uri="{19B8F6BF-5375-455C-9EA6-DF929625EA0E}">
-        <p15:presenceInfo xmlns:p15="http://schemas.microsoft.com/office/powerpoint/2012/main" xmlns="" userId="Gregory" providerId="None"/>
+        <p15:presenceInfo xmlns="" xmlns:p15="http://schemas.microsoft.com/office/powerpoint/2012/main" userId="Gregory" providerId="None"/>
       </p:ext>
     </p:extLst>
   </p:cmAuthor>
@@ -229,7 +229,7 @@
             <a:fld id="{A6583E9D-07AB-4C6D-BFD0-47E805C6B3D4}" type="datetimeFigureOut">
               <a:rPr lang="en-CA" smtClean="0"/>
               <a:pPr/>
-              <a:t>2025-01-05</a:t>
+              <a:t>2025-02-03</a:t>
             </a:fld>
             <a:endParaRPr lang="en-CA"/>
           </a:p>
@@ -398,7 +398,7 @@
     </p:spTree>
     <p:extLst>
       <p:ext uri="{BB962C8B-B14F-4D97-AF65-F5344CB8AC3E}">
-        <p14:creationId xmlns:p14="http://schemas.microsoft.com/office/powerpoint/2010/main" xmlns="" val="4237529172"/>
+        <p14:creationId xmlns="" xmlns:p14="http://schemas.microsoft.com/office/powerpoint/2010/main" val="4237529172"/>
       </p:ext>
     </p:extLst>
   </p:cSld>
@@ -581,7 +581,7 @@
     </p:spTree>
     <p:extLst>
       <p:ext uri="{BB962C8B-B14F-4D97-AF65-F5344CB8AC3E}">
-        <p14:creationId xmlns:p14="http://schemas.microsoft.com/office/powerpoint/2010/main" xmlns="" val="2340334442"/>
+        <p14:creationId xmlns="" xmlns:p14="http://schemas.microsoft.com/office/powerpoint/2010/main" val="2340334442"/>
       </p:ext>
     </p:extLst>
   </p:cSld>
@@ -785,7 +785,7 @@
     </p:spTree>
     <p:extLst>
       <p:ext uri="{BB962C8B-B14F-4D97-AF65-F5344CB8AC3E}">
-        <p14:creationId xmlns:p14="http://schemas.microsoft.com/office/powerpoint/2010/main" xmlns="" val="1900560834"/>
+        <p14:creationId xmlns="" xmlns:p14="http://schemas.microsoft.com/office/powerpoint/2010/main" val="1900560834"/>
       </p:ext>
     </p:extLst>
   </p:cSld>
@@ -959,7 +959,7 @@
     </p:spTree>
     <p:extLst>
       <p:ext uri="{BB962C8B-B14F-4D97-AF65-F5344CB8AC3E}">
-        <p14:creationId xmlns:p14="http://schemas.microsoft.com/office/powerpoint/2010/main" xmlns="" val="3722958745"/>
+        <p14:creationId xmlns="" xmlns:p14="http://schemas.microsoft.com/office/powerpoint/2010/main" val="3722958745"/>
       </p:ext>
     </p:extLst>
   </p:cSld>
@@ -1195,7 +1195,7 @@
     </p:spTree>
     <p:extLst>
       <p:ext uri="{BB962C8B-B14F-4D97-AF65-F5344CB8AC3E}">
-        <p14:creationId xmlns:p14="http://schemas.microsoft.com/office/powerpoint/2010/main" xmlns="" val="1822376042"/>
+        <p14:creationId xmlns="" xmlns:p14="http://schemas.microsoft.com/office/powerpoint/2010/main" val="1822376042"/>
       </p:ext>
     </p:extLst>
   </p:cSld>
@@ -1445,7 +1445,7 @@
     </p:spTree>
     <p:extLst>
       <p:ext uri="{BB962C8B-B14F-4D97-AF65-F5344CB8AC3E}">
-        <p14:creationId xmlns:p14="http://schemas.microsoft.com/office/powerpoint/2010/main" xmlns="" val="3411672561"/>
+        <p14:creationId xmlns="" xmlns:p14="http://schemas.microsoft.com/office/powerpoint/2010/main" val="3411672561"/>
       </p:ext>
     </p:extLst>
   </p:cSld>
@@ -1681,7 +1681,7 @@
     </p:spTree>
     <p:extLst>
       <p:ext uri="{BB962C8B-B14F-4D97-AF65-F5344CB8AC3E}">
-        <p14:creationId xmlns:p14="http://schemas.microsoft.com/office/powerpoint/2010/main" xmlns="" val="1093008526"/>
+        <p14:creationId xmlns="" xmlns:p14="http://schemas.microsoft.com/office/powerpoint/2010/main" val="1093008526"/>
       </p:ext>
     </p:extLst>
   </p:cSld>
@@ -2052,7 +2052,7 @@
     </p:spTree>
     <p:extLst>
       <p:ext uri="{BB962C8B-B14F-4D97-AF65-F5344CB8AC3E}">
-        <p14:creationId xmlns:p14="http://schemas.microsoft.com/office/powerpoint/2010/main" xmlns="" val="1087924878"/>
+        <p14:creationId xmlns="" xmlns:p14="http://schemas.microsoft.com/office/powerpoint/2010/main" val="1087924878"/>
       </p:ext>
     </p:extLst>
   </p:cSld>
@@ -2174,7 +2174,7 @@
     </p:spTree>
     <p:extLst>
       <p:ext uri="{BB962C8B-B14F-4D97-AF65-F5344CB8AC3E}">
-        <p14:creationId xmlns:p14="http://schemas.microsoft.com/office/powerpoint/2010/main" xmlns="" val="3802387408"/>
+        <p14:creationId xmlns="" xmlns:p14="http://schemas.microsoft.com/office/powerpoint/2010/main" val="3802387408"/>
       </p:ext>
     </p:extLst>
   </p:cSld>
@@ -2273,7 +2273,7 @@
     </p:spTree>
     <p:extLst>
       <p:ext uri="{BB962C8B-B14F-4D97-AF65-F5344CB8AC3E}">
-        <p14:creationId xmlns:p14="http://schemas.microsoft.com/office/powerpoint/2010/main" xmlns="" val="4234091411"/>
+        <p14:creationId xmlns="" xmlns:p14="http://schemas.microsoft.com/office/powerpoint/2010/main" val="4234091411"/>
       </p:ext>
     </p:extLst>
   </p:cSld>
@@ -2554,7 +2554,7 @@
     </p:spTree>
     <p:extLst>
       <p:ext uri="{BB962C8B-B14F-4D97-AF65-F5344CB8AC3E}">
-        <p14:creationId xmlns:p14="http://schemas.microsoft.com/office/powerpoint/2010/main" xmlns="" val="4189422420"/>
+        <p14:creationId xmlns="" xmlns:p14="http://schemas.microsoft.com/office/powerpoint/2010/main" val="4189422420"/>
       </p:ext>
     </p:extLst>
   </p:cSld>
@@ -2811,7 +2811,7 @@
     </p:spTree>
     <p:extLst>
       <p:ext uri="{BB962C8B-B14F-4D97-AF65-F5344CB8AC3E}">
-        <p14:creationId xmlns:p14="http://schemas.microsoft.com/office/powerpoint/2010/main" xmlns="" val="3252977898"/>
+        <p14:creationId xmlns="" xmlns:p14="http://schemas.microsoft.com/office/powerpoint/2010/main" val="3252977898"/>
       </p:ext>
     </p:extLst>
   </p:cSld>
@@ -3080,7 +3080,7 @@
           <a:blip r:embed="rId13" cstate="print">
             <a:extLst>
               <a:ext uri="{28A0092B-C50C-407E-A947-70E740481C1C}">
-                <a14:useLocalDpi xmlns:a14="http://schemas.microsoft.com/office/drawing/2010/main" xmlns="" val="0"/>
+                <a14:useLocalDpi xmlns="" xmlns:a14="http://schemas.microsoft.com/office/drawing/2010/main" val="0"/>
               </a:ext>
             </a:extLst>
           </a:blip>
@@ -3101,7 +3101,7 @@
     </p:spTree>
     <p:extLst>
       <p:ext uri="{BB962C8B-B14F-4D97-AF65-F5344CB8AC3E}">
-        <p14:creationId xmlns:p14="http://schemas.microsoft.com/office/powerpoint/2010/main" xmlns="" val="4230061028"/>
+        <p14:creationId xmlns="" xmlns:p14="http://schemas.microsoft.com/office/powerpoint/2010/main" val="4230061028"/>
       </p:ext>
     </p:extLst>
   </p:cSld>
@@ -3553,7 +3553,7 @@
           <p:cNvPr id="13" name="Picture 8" descr="http://osiris.ubishops.ca/~alussier/images/transparentlogo_bu.png">
             <a:extLst>
               <a:ext uri="{FF2B5EF4-FFF2-40B4-BE49-F238E27FC236}">
-                <a16:creationId xmlns:a16="http://schemas.microsoft.com/office/drawing/2014/main" xmlns="" id="{CCB9A035-2F1C-4B96-A5DB-70B72D6E4AD8}"/>
+                <a16:creationId xmlns="" xmlns:a16="http://schemas.microsoft.com/office/drawing/2014/main" id="{CCB9A035-2F1C-4B96-A5DB-70B72D6E4AD8}"/>
               </a:ext>
             </a:extLst>
           </p:cNvPr>
@@ -3566,7 +3566,7 @@
           <a:blip r:embed="rId3" cstate="print">
             <a:extLst>
               <a:ext uri="{28A0092B-C50C-407E-A947-70E740481C1C}">
-                <a14:useLocalDpi xmlns:a14="http://schemas.microsoft.com/office/drawing/2010/main" xmlns="" val="0"/>
+                <a14:useLocalDpi xmlns="" xmlns:a14="http://schemas.microsoft.com/office/drawing/2010/main" val="0"/>
               </a:ext>
             </a:extLst>
           </a:blip>
@@ -3586,7 +3586,7 @@
           <a:noFill/>
           <a:extLst>
             <a:ext uri="{909E8E84-426E-40DD-AFC4-6F175D3DCCD1}">
-              <a14:hiddenFill xmlns:a14="http://schemas.microsoft.com/office/drawing/2010/main" xmlns="">
+              <a14:hiddenFill xmlns="" xmlns:a14="http://schemas.microsoft.com/office/drawing/2010/main">
                 <a:solidFill>
                   <a:srgbClr val="FFFFFF"/>
                 </a:solidFill>
@@ -3598,7 +3598,7 @@
     </p:spTree>
     <p:extLst>
       <p:ext uri="{BB962C8B-B14F-4D97-AF65-F5344CB8AC3E}">
-        <p14:creationId xmlns:p14="http://schemas.microsoft.com/office/powerpoint/2010/main" xmlns="" val="4177077622"/>
+        <p14:creationId xmlns="" xmlns:p14="http://schemas.microsoft.com/office/powerpoint/2010/main" val="4177077622"/>
       </p:ext>
     </p:extLst>
   </p:cSld>
@@ -3790,7 +3790,7 @@
     </p:spTree>
     <p:extLst>
       <p:ext uri="{BB962C8B-B14F-4D97-AF65-F5344CB8AC3E}">
-        <p14:creationId xmlns:p14="http://schemas.microsoft.com/office/powerpoint/2010/main" xmlns="" val="3134333632"/>
+        <p14:creationId xmlns="" xmlns:p14="http://schemas.microsoft.com/office/powerpoint/2010/main" val="3134333632"/>
       </p:ext>
     </p:extLst>
   </p:cSld>
@@ -3928,7 +3928,7 @@
           <p:cNvPr id="7" name="AutoShape 3">
             <a:extLst>
               <a:ext uri="{FF2B5EF4-FFF2-40B4-BE49-F238E27FC236}">
-                <a16:creationId xmlns:a16="http://schemas.microsoft.com/office/drawing/2014/main" xmlns="" id="{01CD9EB9-E2A1-4A8B-A101-F30F57DA96D3}"/>
+                <a16:creationId xmlns="" xmlns:a16="http://schemas.microsoft.com/office/drawing/2014/main" id="{01CD9EB9-E2A1-4A8B-A101-F30F57DA96D3}"/>
               </a:ext>
             </a:extLst>
           </p:cNvPr>
@@ -4096,7 +4096,7 @@
           <p:cNvPr id="8" name="Text Box 4">
             <a:extLst>
               <a:ext uri="{FF2B5EF4-FFF2-40B4-BE49-F238E27FC236}">
-                <a16:creationId xmlns:a16="http://schemas.microsoft.com/office/drawing/2014/main" xmlns="" id="{2678E749-B132-4806-BB99-76EF4E782E87}"/>
+                <a16:creationId xmlns="" xmlns:a16="http://schemas.microsoft.com/office/drawing/2014/main" id="{2678E749-B132-4806-BB99-76EF4E782E87}"/>
               </a:ext>
             </a:extLst>
           </p:cNvPr>
@@ -4119,14 +4119,14 @@
           </a:ln>
           <a:extLst>
             <a:ext uri="{909E8E84-426E-40DD-AFC4-6F175D3DCCD1}">
-              <a14:hiddenFill xmlns:a14="http://schemas.microsoft.com/office/drawing/2010/main" xmlns="">
+              <a14:hiddenFill xmlns="" xmlns:a14="http://schemas.microsoft.com/office/drawing/2010/main">
                 <a:solidFill>
                   <a:srgbClr val="FFFFFF"/>
                 </a:solidFill>
               </a14:hiddenFill>
             </a:ext>
             <a:ext uri="{91240B29-F687-4F45-9708-019B960494DF}">
-              <a14:hiddenLine xmlns:a14="http://schemas.microsoft.com/office/drawing/2010/main" xmlns="" w="9525">
+              <a14:hiddenLine xmlns="" xmlns:a14="http://schemas.microsoft.com/office/drawing/2010/main" w="9525">
                 <a:solidFill>
                   <a:srgbClr val="000000"/>
                 </a:solidFill>
@@ -4392,7 +4392,7 @@
           <p:cNvPr id="9" name="Text Box 5">
             <a:extLst>
               <a:ext uri="{FF2B5EF4-FFF2-40B4-BE49-F238E27FC236}">
-                <a16:creationId xmlns:a16="http://schemas.microsoft.com/office/drawing/2014/main" xmlns="" id="{B37C4A8C-6953-4F06-9B7E-7401FF0F0066}"/>
+                <a16:creationId xmlns="" xmlns:a16="http://schemas.microsoft.com/office/drawing/2014/main" id="{B37C4A8C-6953-4F06-9B7E-7401FF0F0066}"/>
               </a:ext>
             </a:extLst>
           </p:cNvPr>
@@ -4415,14 +4415,14 @@
           </a:ln>
           <a:extLst>
             <a:ext uri="{909E8E84-426E-40DD-AFC4-6F175D3DCCD1}">
-              <a14:hiddenFill xmlns:a14="http://schemas.microsoft.com/office/drawing/2010/main" xmlns="">
+              <a14:hiddenFill xmlns="" xmlns:a14="http://schemas.microsoft.com/office/drawing/2010/main">
                 <a:solidFill>
                   <a:srgbClr val="FFFFFF"/>
                 </a:solidFill>
               </a14:hiddenFill>
             </a:ext>
             <a:ext uri="{91240B29-F687-4F45-9708-019B960494DF}">
-              <a14:hiddenLine xmlns:a14="http://schemas.microsoft.com/office/drawing/2010/main" xmlns="" w="9525">
+              <a14:hiddenLine xmlns="" xmlns:a14="http://schemas.microsoft.com/office/drawing/2010/main" w="9525">
                 <a:solidFill>
                   <a:srgbClr val="000000"/>
                 </a:solidFill>
@@ -4585,7 +4585,7 @@
           <p:cNvPr id="11" name="AutoShape 6">
             <a:extLst>
               <a:ext uri="{FF2B5EF4-FFF2-40B4-BE49-F238E27FC236}">
-                <a16:creationId xmlns:a16="http://schemas.microsoft.com/office/drawing/2014/main" xmlns="" id="{299C4C88-CE3D-44DA-A6C2-1893B3567D54}"/>
+                <a16:creationId xmlns="" xmlns:a16="http://schemas.microsoft.com/office/drawing/2014/main" id="{299C4C88-CE3D-44DA-A6C2-1893B3567D54}"/>
               </a:ext>
             </a:extLst>
           </p:cNvPr>
@@ -4753,7 +4753,7 @@
           <p:cNvPr id="13" name="Text Box 7">
             <a:extLst>
               <a:ext uri="{FF2B5EF4-FFF2-40B4-BE49-F238E27FC236}">
-                <a16:creationId xmlns:a16="http://schemas.microsoft.com/office/drawing/2014/main" xmlns="" id="{F3C29C8A-0FA0-4689-B66B-B3E97705EAF4}"/>
+                <a16:creationId xmlns="" xmlns:a16="http://schemas.microsoft.com/office/drawing/2014/main" id="{F3C29C8A-0FA0-4689-B66B-B3E97705EAF4}"/>
               </a:ext>
             </a:extLst>
           </p:cNvPr>
@@ -4776,14 +4776,14 @@
           </a:ln>
           <a:extLst>
             <a:ext uri="{909E8E84-426E-40DD-AFC4-6F175D3DCCD1}">
-              <a14:hiddenFill xmlns:a14="http://schemas.microsoft.com/office/drawing/2010/main" xmlns="">
+              <a14:hiddenFill xmlns="" xmlns:a14="http://schemas.microsoft.com/office/drawing/2010/main">
                 <a:solidFill>
                   <a:srgbClr val="FFFFFF"/>
                 </a:solidFill>
               </a14:hiddenFill>
             </a:ext>
             <a:ext uri="{91240B29-F687-4F45-9708-019B960494DF}">
-              <a14:hiddenLine xmlns:a14="http://schemas.microsoft.com/office/drawing/2010/main" xmlns="" w="9525">
+              <a14:hiddenLine xmlns="" xmlns:a14="http://schemas.microsoft.com/office/drawing/2010/main" w="9525">
                 <a:solidFill>
                   <a:srgbClr val="000000"/>
                 </a:solidFill>
@@ -5152,7 +5152,7 @@
           <p:cNvPr id="14" name="Text Box 8">
             <a:extLst>
               <a:ext uri="{FF2B5EF4-FFF2-40B4-BE49-F238E27FC236}">
-                <a16:creationId xmlns:a16="http://schemas.microsoft.com/office/drawing/2014/main" xmlns="" id="{7536CB6F-EDB6-4279-BA75-89801508B23C}"/>
+                <a16:creationId xmlns="" xmlns:a16="http://schemas.microsoft.com/office/drawing/2014/main" id="{7536CB6F-EDB6-4279-BA75-89801508B23C}"/>
               </a:ext>
             </a:extLst>
           </p:cNvPr>
@@ -5175,14 +5175,14 @@
           </a:ln>
           <a:extLst>
             <a:ext uri="{909E8E84-426E-40DD-AFC4-6F175D3DCCD1}">
-              <a14:hiddenFill xmlns:a14="http://schemas.microsoft.com/office/drawing/2010/main" xmlns="">
+              <a14:hiddenFill xmlns="" xmlns:a14="http://schemas.microsoft.com/office/drawing/2010/main">
                 <a:solidFill>
                   <a:srgbClr val="FFFFFF"/>
                 </a:solidFill>
               </a14:hiddenFill>
             </a:ext>
             <a:ext uri="{91240B29-F687-4F45-9708-019B960494DF}">
-              <a14:hiddenLine xmlns:a14="http://schemas.microsoft.com/office/drawing/2010/main" xmlns="" w="9525">
+              <a14:hiddenLine xmlns="" xmlns:a14="http://schemas.microsoft.com/office/drawing/2010/main" w="9525">
                 <a:solidFill>
                   <a:srgbClr val="000000"/>
                 </a:solidFill>
@@ -5345,7 +5345,7 @@
           <p:cNvPr id="15" name="Text Box 9">
             <a:extLst>
               <a:ext uri="{FF2B5EF4-FFF2-40B4-BE49-F238E27FC236}">
-                <a16:creationId xmlns:a16="http://schemas.microsoft.com/office/drawing/2014/main" xmlns="" id="{E9BDC3E5-EA38-4ACA-9C90-1090F745D5BA}"/>
+                <a16:creationId xmlns="" xmlns:a16="http://schemas.microsoft.com/office/drawing/2014/main" id="{E9BDC3E5-EA38-4ACA-9C90-1090F745D5BA}"/>
               </a:ext>
             </a:extLst>
           </p:cNvPr>
@@ -5368,14 +5368,14 @@
           </a:ln>
           <a:extLst>
             <a:ext uri="{909E8E84-426E-40DD-AFC4-6F175D3DCCD1}">
-              <a14:hiddenFill xmlns:a14="http://schemas.microsoft.com/office/drawing/2010/main" xmlns="">
+              <a14:hiddenFill xmlns="" xmlns:a14="http://schemas.microsoft.com/office/drawing/2010/main">
                 <a:solidFill>
                   <a:srgbClr val="FFFFFF"/>
                 </a:solidFill>
               </a14:hiddenFill>
             </a:ext>
             <a:ext uri="{91240B29-F687-4F45-9708-019B960494DF}">
-              <a14:hiddenLine xmlns:a14="http://schemas.microsoft.com/office/drawing/2010/main" xmlns="" w="9525">
+              <a14:hiddenLine xmlns="" xmlns:a14="http://schemas.microsoft.com/office/drawing/2010/main" w="9525">
                 <a:solidFill>
                   <a:srgbClr val="000000"/>
                 </a:solidFill>
@@ -5602,7 +5602,7 @@
           <p:cNvPr id="16" name="Line 10">
             <a:extLst>
               <a:ext uri="{FF2B5EF4-FFF2-40B4-BE49-F238E27FC236}">
-                <a16:creationId xmlns:a16="http://schemas.microsoft.com/office/drawing/2014/main" xmlns="" id="{B08A77EF-0235-44B6-8CA9-CE9B8557AF96}"/>
+                <a16:creationId xmlns="" xmlns:a16="http://schemas.microsoft.com/office/drawing/2014/main" id="{B08A77EF-0235-44B6-8CA9-CE9B8557AF96}"/>
               </a:ext>
             </a:extLst>
           </p:cNvPr>
@@ -5630,7 +5630,7 @@
           </a:ln>
           <a:extLst>
             <a:ext uri="{909E8E84-426E-40DD-AFC4-6F175D3DCCD1}">
-              <a14:hiddenFill xmlns:a14="http://schemas.microsoft.com/office/drawing/2010/main" xmlns="">
+              <a14:hiddenFill xmlns="" xmlns:a14="http://schemas.microsoft.com/office/drawing/2010/main">
                 <a:noFill/>
               </a14:hiddenFill>
             </a:ext>
@@ -5771,7 +5771,7 @@
     </p:spTree>
     <p:extLst>
       <p:ext uri="{BB962C8B-B14F-4D97-AF65-F5344CB8AC3E}">
-        <p14:creationId xmlns:p14="http://schemas.microsoft.com/office/powerpoint/2010/main" xmlns="" val="2174512184"/>
+        <p14:creationId xmlns="" xmlns:p14="http://schemas.microsoft.com/office/powerpoint/2010/main" val="2174512184"/>
       </p:ext>
     </p:extLst>
   </p:cSld>
@@ -5939,7 +5939,7 @@
     </p:spTree>
     <p:extLst>
       <p:ext uri="{BB962C8B-B14F-4D97-AF65-F5344CB8AC3E}">
-        <p14:creationId xmlns:p14="http://schemas.microsoft.com/office/powerpoint/2010/main" xmlns="" val="1717488350"/>
+        <p14:creationId xmlns="" xmlns:p14="http://schemas.microsoft.com/office/powerpoint/2010/main" val="1717488350"/>
       </p:ext>
     </p:extLst>
   </p:cSld>
@@ -6077,7 +6077,7 @@
           <p:cNvPr id="7" name="AutoShape 3">
             <a:extLst>
               <a:ext uri="{FF2B5EF4-FFF2-40B4-BE49-F238E27FC236}">
-                <a16:creationId xmlns:a16="http://schemas.microsoft.com/office/drawing/2014/main" xmlns="" id="{9029EB55-E2CD-432F-A919-3933DD8A9863}"/>
+                <a16:creationId xmlns="" xmlns:a16="http://schemas.microsoft.com/office/drawing/2014/main" id="{9029EB55-E2CD-432F-A919-3933DD8A9863}"/>
               </a:ext>
             </a:extLst>
           </p:cNvPr>
@@ -6245,7 +6245,7 @@
           <p:cNvPr id="8" name="Text Box 4">
             <a:extLst>
               <a:ext uri="{FF2B5EF4-FFF2-40B4-BE49-F238E27FC236}">
-                <a16:creationId xmlns:a16="http://schemas.microsoft.com/office/drawing/2014/main" xmlns="" id="{FB8AC2FA-E934-457A-A2BD-1DFB4298A964}"/>
+                <a16:creationId xmlns="" xmlns:a16="http://schemas.microsoft.com/office/drawing/2014/main" id="{FB8AC2FA-E934-457A-A2BD-1DFB4298A964}"/>
               </a:ext>
             </a:extLst>
           </p:cNvPr>
@@ -6268,14 +6268,14 @@
           </a:ln>
           <a:extLst>
             <a:ext uri="{909E8E84-426E-40DD-AFC4-6F175D3DCCD1}">
-              <a14:hiddenFill xmlns:a14="http://schemas.microsoft.com/office/drawing/2010/main" xmlns="">
+              <a14:hiddenFill xmlns="" xmlns:a14="http://schemas.microsoft.com/office/drawing/2010/main">
                 <a:solidFill>
                   <a:srgbClr val="FFFFFF"/>
                 </a:solidFill>
               </a14:hiddenFill>
             </a:ext>
             <a:ext uri="{91240B29-F687-4F45-9708-019B960494DF}">
-              <a14:hiddenLine xmlns:a14="http://schemas.microsoft.com/office/drawing/2010/main" xmlns="" w="9525">
+              <a14:hiddenLine xmlns="" xmlns:a14="http://schemas.microsoft.com/office/drawing/2010/main" w="9525">
                 <a:solidFill>
                   <a:srgbClr val="000000"/>
                 </a:solidFill>
@@ -6711,7 +6711,7 @@
           <p:cNvPr id="9" name="Text Box 5">
             <a:extLst>
               <a:ext uri="{FF2B5EF4-FFF2-40B4-BE49-F238E27FC236}">
-                <a16:creationId xmlns:a16="http://schemas.microsoft.com/office/drawing/2014/main" xmlns="" id="{447E93A0-98C4-42D9-B8F0-39CF6C8D0D38}"/>
+                <a16:creationId xmlns="" xmlns:a16="http://schemas.microsoft.com/office/drawing/2014/main" id="{447E93A0-98C4-42D9-B8F0-39CF6C8D0D38}"/>
               </a:ext>
             </a:extLst>
           </p:cNvPr>
@@ -6734,14 +6734,14 @@
           </a:ln>
           <a:extLst>
             <a:ext uri="{909E8E84-426E-40DD-AFC4-6F175D3DCCD1}">
-              <a14:hiddenFill xmlns:a14="http://schemas.microsoft.com/office/drawing/2010/main" xmlns="">
+              <a14:hiddenFill xmlns="" xmlns:a14="http://schemas.microsoft.com/office/drawing/2010/main">
                 <a:solidFill>
                   <a:srgbClr val="FFFFFF"/>
                 </a:solidFill>
               </a14:hiddenFill>
             </a:ext>
             <a:ext uri="{91240B29-F687-4F45-9708-019B960494DF}">
-              <a14:hiddenLine xmlns:a14="http://schemas.microsoft.com/office/drawing/2010/main" xmlns="" w="9525">
+              <a14:hiddenLine xmlns="" xmlns:a14="http://schemas.microsoft.com/office/drawing/2010/main" w="9525">
                 <a:solidFill>
                   <a:srgbClr val="000000"/>
                 </a:solidFill>
@@ -6902,7 +6902,7 @@
     </p:spTree>
     <p:extLst>
       <p:ext uri="{BB962C8B-B14F-4D97-AF65-F5344CB8AC3E}">
-        <p14:creationId xmlns:p14="http://schemas.microsoft.com/office/powerpoint/2010/main" xmlns="" val="343728280"/>
+        <p14:creationId xmlns="" xmlns:p14="http://schemas.microsoft.com/office/powerpoint/2010/main" val="343728280"/>
       </p:ext>
     </p:extLst>
   </p:cSld>
@@ -7037,7 +7037,7 @@
           <p:cNvPr id="7" name="AutoShape 4">
             <a:extLst>
               <a:ext uri="{FF2B5EF4-FFF2-40B4-BE49-F238E27FC236}">
-                <a16:creationId xmlns:a16="http://schemas.microsoft.com/office/drawing/2014/main" xmlns="" id="{1578F10F-0C33-4D92-91CE-E911361BF6A4}"/>
+                <a16:creationId xmlns="" xmlns:a16="http://schemas.microsoft.com/office/drawing/2014/main" id="{1578F10F-0C33-4D92-91CE-E911361BF6A4}"/>
               </a:ext>
             </a:extLst>
           </p:cNvPr>
@@ -7205,7 +7205,7 @@
           <p:cNvPr id="8" name="Text Box 5">
             <a:extLst>
               <a:ext uri="{FF2B5EF4-FFF2-40B4-BE49-F238E27FC236}">
-                <a16:creationId xmlns:a16="http://schemas.microsoft.com/office/drawing/2014/main" xmlns="" id="{9F50EF7E-C093-4538-9F91-D05D35DFC691}"/>
+                <a16:creationId xmlns="" xmlns:a16="http://schemas.microsoft.com/office/drawing/2014/main" id="{9F50EF7E-C093-4538-9F91-D05D35DFC691}"/>
               </a:ext>
             </a:extLst>
           </p:cNvPr>
@@ -7228,14 +7228,14 @@
           </a:ln>
           <a:extLst>
             <a:ext uri="{909E8E84-426E-40DD-AFC4-6F175D3DCCD1}">
-              <a14:hiddenFill xmlns:a14="http://schemas.microsoft.com/office/drawing/2010/main" xmlns="">
+              <a14:hiddenFill xmlns="" xmlns:a14="http://schemas.microsoft.com/office/drawing/2010/main">
                 <a:solidFill>
                   <a:srgbClr val="FFFFFF"/>
                 </a:solidFill>
               </a14:hiddenFill>
             </a:ext>
             <a:ext uri="{91240B29-F687-4F45-9708-019B960494DF}">
-              <a14:hiddenLine xmlns:a14="http://schemas.microsoft.com/office/drawing/2010/main" xmlns="" w="9525">
+              <a14:hiddenLine xmlns="" xmlns:a14="http://schemas.microsoft.com/office/drawing/2010/main" w="9525">
                 <a:solidFill>
                   <a:srgbClr val="000000"/>
                 </a:solidFill>
@@ -7458,7 +7458,7 @@
           <p:cNvPr id="9" name="AutoShape 6">
             <a:extLst>
               <a:ext uri="{FF2B5EF4-FFF2-40B4-BE49-F238E27FC236}">
-                <a16:creationId xmlns:a16="http://schemas.microsoft.com/office/drawing/2014/main" xmlns="" id="{4366DFE2-6A0D-4EC8-A076-597D008C1044}"/>
+                <a16:creationId xmlns="" xmlns:a16="http://schemas.microsoft.com/office/drawing/2014/main" id="{4366DFE2-6A0D-4EC8-A076-597D008C1044}"/>
               </a:ext>
             </a:extLst>
           </p:cNvPr>
@@ -7626,7 +7626,7 @@
           <p:cNvPr id="11" name="Text Box 7">
             <a:extLst>
               <a:ext uri="{FF2B5EF4-FFF2-40B4-BE49-F238E27FC236}">
-                <a16:creationId xmlns:a16="http://schemas.microsoft.com/office/drawing/2014/main" xmlns="" id="{D958003F-5446-4BAF-BA50-E6176086853C}"/>
+                <a16:creationId xmlns="" xmlns:a16="http://schemas.microsoft.com/office/drawing/2014/main" id="{D958003F-5446-4BAF-BA50-E6176086853C}"/>
               </a:ext>
             </a:extLst>
           </p:cNvPr>
@@ -7649,14 +7649,14 @@
           </a:ln>
           <a:extLst>
             <a:ext uri="{909E8E84-426E-40DD-AFC4-6F175D3DCCD1}">
-              <a14:hiddenFill xmlns:a14="http://schemas.microsoft.com/office/drawing/2010/main" xmlns="">
+              <a14:hiddenFill xmlns="" xmlns:a14="http://schemas.microsoft.com/office/drawing/2010/main">
                 <a:solidFill>
                   <a:srgbClr val="FFFFFF"/>
                 </a:solidFill>
               </a14:hiddenFill>
             </a:ext>
             <a:ext uri="{91240B29-F687-4F45-9708-019B960494DF}">
-              <a14:hiddenLine xmlns:a14="http://schemas.microsoft.com/office/drawing/2010/main" xmlns="" w="9525">
+              <a14:hiddenLine xmlns="" xmlns:a14="http://schemas.microsoft.com/office/drawing/2010/main" w="9525">
                 <a:solidFill>
                   <a:srgbClr val="000000"/>
                 </a:solidFill>
@@ -7879,7 +7879,7 @@
           <p:cNvPr id="13" name="Group 12">
             <a:extLst>
               <a:ext uri="{FF2B5EF4-FFF2-40B4-BE49-F238E27FC236}">
-                <a16:creationId xmlns:a16="http://schemas.microsoft.com/office/drawing/2014/main" xmlns="" id="{BC278858-4BEC-4622-BCC2-E5C6D80267E1}"/>
+                <a16:creationId xmlns="" xmlns:a16="http://schemas.microsoft.com/office/drawing/2014/main" id="{BC278858-4BEC-4622-BCC2-E5C6D80267E1}"/>
               </a:ext>
             </a:extLst>
           </p:cNvPr>
@@ -7901,7 +7901,7 @@
             <p:cNvPr id="16" name="AutoShape 9">
               <a:extLst>
                 <a:ext uri="{FF2B5EF4-FFF2-40B4-BE49-F238E27FC236}">
-                  <a16:creationId xmlns:a16="http://schemas.microsoft.com/office/drawing/2014/main" xmlns="" id="{942C6C28-A6D9-4086-A4F5-8093FB806709}"/>
+                  <a16:creationId xmlns="" xmlns:a16="http://schemas.microsoft.com/office/drawing/2014/main" id="{942C6C28-A6D9-4086-A4F5-8093FB806709}"/>
                 </a:ext>
               </a:extLst>
             </p:cNvPr>
@@ -8132,7 +8132,7 @@
             <p:cNvPr id="17" name="Line 10">
               <a:extLst>
                 <a:ext uri="{FF2B5EF4-FFF2-40B4-BE49-F238E27FC236}">
-                  <a16:creationId xmlns:a16="http://schemas.microsoft.com/office/drawing/2014/main" xmlns="" id="{15AEFA3C-577D-4BEC-9275-71D097A7664B}"/>
+                  <a16:creationId xmlns="" xmlns:a16="http://schemas.microsoft.com/office/drawing/2014/main" id="{15AEFA3C-577D-4BEC-9275-71D097A7664B}"/>
                 </a:ext>
               </a:extLst>
             </p:cNvPr>
@@ -8160,7 +8160,7 @@
             </a:ln>
             <a:extLst>
               <a:ext uri="{909E8E84-426E-40DD-AFC4-6F175D3DCCD1}">
-                <a14:hiddenFill xmlns:a14="http://schemas.microsoft.com/office/drawing/2010/main" xmlns="">
+                <a14:hiddenFill xmlns="" xmlns:a14="http://schemas.microsoft.com/office/drawing/2010/main">
                   <a:noFill/>
                 </a14:hiddenFill>
               </a:ext>
@@ -8303,7 +8303,7 @@
             <p:cNvPr id="18" name="AutoShape 11">
               <a:extLst>
                 <a:ext uri="{FF2B5EF4-FFF2-40B4-BE49-F238E27FC236}">
-                  <a16:creationId xmlns:a16="http://schemas.microsoft.com/office/drawing/2014/main" xmlns="" id="{339F66CC-DE76-4ECB-AC5E-DD32DF17AA40}"/>
+                  <a16:creationId xmlns="" xmlns:a16="http://schemas.microsoft.com/office/drawing/2014/main" id="{339F66CC-DE76-4ECB-AC5E-DD32DF17AA40}"/>
                 </a:ext>
               </a:extLst>
             </p:cNvPr>
@@ -8502,7 +8502,7 @@
             <p:cNvPr id="19" name="Line 12">
               <a:extLst>
                 <a:ext uri="{FF2B5EF4-FFF2-40B4-BE49-F238E27FC236}">
-                  <a16:creationId xmlns:a16="http://schemas.microsoft.com/office/drawing/2014/main" xmlns="" id="{001AC606-932E-458B-AC8F-2ED592FD3A22}"/>
+                  <a16:creationId xmlns="" xmlns:a16="http://schemas.microsoft.com/office/drawing/2014/main" id="{001AC606-932E-458B-AC8F-2ED592FD3A22}"/>
                 </a:ext>
               </a:extLst>
             </p:cNvPr>
@@ -8530,7 +8530,7 @@
             </a:ln>
             <a:extLst>
               <a:ext uri="{909E8E84-426E-40DD-AFC4-6F175D3DCCD1}">
-                <a14:hiddenFill xmlns:a14="http://schemas.microsoft.com/office/drawing/2010/main" xmlns="">
+                <a14:hiddenFill xmlns="" xmlns:a14="http://schemas.microsoft.com/office/drawing/2010/main">
                   <a:noFill/>
                 </a14:hiddenFill>
               </a:ext>
@@ -8673,7 +8673,7 @@
             <p:cNvPr id="20" name="AutoShape 13">
               <a:extLst>
                 <a:ext uri="{FF2B5EF4-FFF2-40B4-BE49-F238E27FC236}">
-                  <a16:creationId xmlns:a16="http://schemas.microsoft.com/office/drawing/2014/main" xmlns="" id="{F08C3276-8898-487F-9273-5EA368BB05D5}"/>
+                  <a16:creationId xmlns="" xmlns:a16="http://schemas.microsoft.com/office/drawing/2014/main" id="{F08C3276-8898-487F-9273-5EA368BB05D5}"/>
                 </a:ext>
               </a:extLst>
             </p:cNvPr>
@@ -8873,7 +8873,7 @@
           <p:cNvPr id="14" name="AutoShape 14">
             <a:extLst>
               <a:ext uri="{FF2B5EF4-FFF2-40B4-BE49-F238E27FC236}">
-                <a16:creationId xmlns:a16="http://schemas.microsoft.com/office/drawing/2014/main" xmlns="" id="{50311AAF-B032-46D3-BB95-67E8CCEC758D}"/>
+                <a16:creationId xmlns="" xmlns:a16="http://schemas.microsoft.com/office/drawing/2014/main" id="{50311AAF-B032-46D3-BB95-67E8CCEC758D}"/>
               </a:ext>
             </a:extLst>
           </p:cNvPr>
@@ -9041,7 +9041,7 @@
           <p:cNvPr id="15" name="Text Box 15">
             <a:extLst>
               <a:ext uri="{FF2B5EF4-FFF2-40B4-BE49-F238E27FC236}">
-                <a16:creationId xmlns:a16="http://schemas.microsoft.com/office/drawing/2014/main" xmlns="" id="{5B708DA2-7036-4B94-9471-0A500A1172E9}"/>
+                <a16:creationId xmlns="" xmlns:a16="http://schemas.microsoft.com/office/drawing/2014/main" id="{5B708DA2-7036-4B94-9471-0A500A1172E9}"/>
               </a:ext>
             </a:extLst>
           </p:cNvPr>
@@ -9064,14 +9064,14 @@
           </a:ln>
           <a:extLst>
             <a:ext uri="{909E8E84-426E-40DD-AFC4-6F175D3DCCD1}">
-              <a14:hiddenFill xmlns:a14="http://schemas.microsoft.com/office/drawing/2010/main" xmlns="">
+              <a14:hiddenFill xmlns="" xmlns:a14="http://schemas.microsoft.com/office/drawing/2010/main">
                 <a:solidFill>
                   <a:srgbClr val="FFFFFF"/>
                 </a:solidFill>
               </a14:hiddenFill>
             </a:ext>
             <a:ext uri="{91240B29-F687-4F45-9708-019B960494DF}">
-              <a14:hiddenLine xmlns:a14="http://schemas.microsoft.com/office/drawing/2010/main" xmlns="" w="9525">
+              <a14:hiddenLine xmlns="" xmlns:a14="http://schemas.microsoft.com/office/drawing/2010/main" w="9525">
                 <a:solidFill>
                   <a:srgbClr val="000000"/>
                 </a:solidFill>
@@ -9292,7 +9292,7 @@
     </p:spTree>
     <p:extLst>
       <p:ext uri="{BB962C8B-B14F-4D97-AF65-F5344CB8AC3E}">
-        <p14:creationId xmlns:p14="http://schemas.microsoft.com/office/powerpoint/2010/main" xmlns="" val="694671640"/>
+        <p14:creationId xmlns="" xmlns:p14="http://schemas.microsoft.com/office/powerpoint/2010/main" val="694671640"/>
       </p:ext>
     </p:extLst>
   </p:cSld>
@@ -9471,7 +9471,7 @@
     </p:spTree>
     <p:extLst>
       <p:ext uri="{BB962C8B-B14F-4D97-AF65-F5344CB8AC3E}">
-        <p14:creationId xmlns:p14="http://schemas.microsoft.com/office/powerpoint/2010/main" xmlns="" val="837323923"/>
+        <p14:creationId xmlns="" xmlns:p14="http://schemas.microsoft.com/office/powerpoint/2010/main" val="837323923"/>
       </p:ext>
     </p:extLst>
   </p:cSld>
@@ -9622,7 +9622,7 @@
           <p:cNvPr id="7" name="AutoShape 4">
             <a:extLst>
               <a:ext uri="{FF2B5EF4-FFF2-40B4-BE49-F238E27FC236}">
-                <a16:creationId xmlns:a16="http://schemas.microsoft.com/office/drawing/2014/main" xmlns="" id="{5E8D8899-970E-4C87-8A30-16B3F83849C6}"/>
+                <a16:creationId xmlns="" xmlns:a16="http://schemas.microsoft.com/office/drawing/2014/main" id="{5E8D8899-970E-4C87-8A30-16B3F83849C6}"/>
               </a:ext>
             </a:extLst>
           </p:cNvPr>
@@ -9790,7 +9790,7 @@
           <p:cNvPr id="8" name="Text Box 5">
             <a:extLst>
               <a:ext uri="{FF2B5EF4-FFF2-40B4-BE49-F238E27FC236}">
-                <a16:creationId xmlns:a16="http://schemas.microsoft.com/office/drawing/2014/main" xmlns="" id="{C4938644-E6D5-48D6-BD86-6131A5921432}"/>
+                <a16:creationId xmlns="" xmlns:a16="http://schemas.microsoft.com/office/drawing/2014/main" id="{C4938644-E6D5-48D6-BD86-6131A5921432}"/>
               </a:ext>
             </a:extLst>
           </p:cNvPr>
@@ -9813,14 +9813,14 @@
           </a:ln>
           <a:extLst>
             <a:ext uri="{909E8E84-426E-40DD-AFC4-6F175D3DCCD1}">
-              <a14:hiddenFill xmlns:a14="http://schemas.microsoft.com/office/drawing/2010/main" xmlns="">
+              <a14:hiddenFill xmlns="" xmlns:a14="http://schemas.microsoft.com/office/drawing/2010/main">
                 <a:solidFill>
                   <a:srgbClr val="FFFFFF"/>
                 </a:solidFill>
               </a14:hiddenFill>
             </a:ext>
             <a:ext uri="{91240B29-F687-4F45-9708-019B960494DF}">
-              <a14:hiddenLine xmlns:a14="http://schemas.microsoft.com/office/drawing/2010/main" xmlns="" w="9525">
+              <a14:hiddenLine xmlns="" xmlns:a14="http://schemas.microsoft.com/office/drawing/2010/main" w="9525">
                 <a:solidFill>
                   <a:srgbClr val="000000"/>
                 </a:solidFill>
@@ -10178,7 +10178,7 @@
     </p:spTree>
     <p:extLst>
       <p:ext uri="{BB962C8B-B14F-4D97-AF65-F5344CB8AC3E}">
-        <p14:creationId xmlns:p14="http://schemas.microsoft.com/office/powerpoint/2010/main" xmlns="" val="2005016361"/>
+        <p14:creationId xmlns="" xmlns:p14="http://schemas.microsoft.com/office/powerpoint/2010/main" val="2005016361"/>
       </p:ext>
     </p:extLst>
   </p:cSld>
@@ -10316,7 +10316,7 @@
           <p:cNvPr id="9" name="AutoShape 5">
             <a:extLst>
               <a:ext uri="{FF2B5EF4-FFF2-40B4-BE49-F238E27FC236}">
-                <a16:creationId xmlns:a16="http://schemas.microsoft.com/office/drawing/2014/main" xmlns="" id="{85566026-79ED-4B94-8BFD-44C0E48C478C}"/>
+                <a16:creationId xmlns="" xmlns:a16="http://schemas.microsoft.com/office/drawing/2014/main" id="{85566026-79ED-4B94-8BFD-44C0E48C478C}"/>
               </a:ext>
             </a:extLst>
           </p:cNvPr>
@@ -10484,7 +10484,7 @@
           <p:cNvPr id="11" name="Text Box 6">
             <a:extLst>
               <a:ext uri="{FF2B5EF4-FFF2-40B4-BE49-F238E27FC236}">
-                <a16:creationId xmlns:a16="http://schemas.microsoft.com/office/drawing/2014/main" xmlns="" id="{0B753C93-74C1-499D-AC17-EAAB3B8AEAA8}"/>
+                <a16:creationId xmlns="" xmlns:a16="http://schemas.microsoft.com/office/drawing/2014/main" id="{0B753C93-74C1-499D-AC17-EAAB3B8AEAA8}"/>
               </a:ext>
             </a:extLst>
           </p:cNvPr>
@@ -10507,14 +10507,14 @@
           </a:ln>
           <a:extLst>
             <a:ext uri="{909E8E84-426E-40DD-AFC4-6F175D3DCCD1}">
-              <a14:hiddenFill xmlns:a14="http://schemas.microsoft.com/office/drawing/2010/main" xmlns="">
+              <a14:hiddenFill xmlns="" xmlns:a14="http://schemas.microsoft.com/office/drawing/2010/main">
                 <a:solidFill>
                   <a:srgbClr val="FFFFFF"/>
                 </a:solidFill>
               </a14:hiddenFill>
             </a:ext>
             <a:ext uri="{91240B29-F687-4F45-9708-019B960494DF}">
-              <a14:hiddenLine xmlns:a14="http://schemas.microsoft.com/office/drawing/2010/main" xmlns="" w="9525">
+              <a14:hiddenLine xmlns="" xmlns:a14="http://schemas.microsoft.com/office/drawing/2010/main" w="9525">
                 <a:solidFill>
                   <a:srgbClr val="000000"/>
                 </a:solidFill>
@@ -10982,7 +10982,7 @@
     </p:spTree>
     <p:extLst>
       <p:ext uri="{BB962C8B-B14F-4D97-AF65-F5344CB8AC3E}">
-        <p14:creationId xmlns:p14="http://schemas.microsoft.com/office/powerpoint/2010/main" xmlns="" val="3938207352"/>
+        <p14:creationId xmlns="" xmlns:p14="http://schemas.microsoft.com/office/powerpoint/2010/main" val="3938207352"/>
       </p:ext>
     </p:extLst>
   </p:cSld>
@@ -11143,7 +11143,7 @@
           <p:cNvPr id="7" name="AutoShape 4">
             <a:extLst>
               <a:ext uri="{FF2B5EF4-FFF2-40B4-BE49-F238E27FC236}">
-                <a16:creationId xmlns:a16="http://schemas.microsoft.com/office/drawing/2014/main" xmlns="" id="{0CFF3894-6788-4A85-84F9-B6131F831274}"/>
+                <a16:creationId xmlns="" xmlns:a16="http://schemas.microsoft.com/office/drawing/2014/main" id="{0CFF3894-6788-4A85-84F9-B6131F831274}"/>
               </a:ext>
             </a:extLst>
           </p:cNvPr>
@@ -11311,7 +11311,7 @@
           <p:cNvPr id="8" name="Text Box 5">
             <a:extLst>
               <a:ext uri="{FF2B5EF4-FFF2-40B4-BE49-F238E27FC236}">
-                <a16:creationId xmlns:a16="http://schemas.microsoft.com/office/drawing/2014/main" xmlns="" id="{822D5437-0F55-4611-BF89-F33C855B0432}"/>
+                <a16:creationId xmlns="" xmlns:a16="http://schemas.microsoft.com/office/drawing/2014/main" id="{822D5437-0F55-4611-BF89-F33C855B0432}"/>
               </a:ext>
             </a:extLst>
           </p:cNvPr>
@@ -11334,14 +11334,14 @@
           </a:ln>
           <a:extLst>
             <a:ext uri="{909E8E84-426E-40DD-AFC4-6F175D3DCCD1}">
-              <a14:hiddenFill xmlns:a14="http://schemas.microsoft.com/office/drawing/2010/main" xmlns="">
+              <a14:hiddenFill xmlns="" xmlns:a14="http://schemas.microsoft.com/office/drawing/2010/main">
                 <a:solidFill>
                   <a:srgbClr val="FFFFFF"/>
                 </a:solidFill>
               </a14:hiddenFill>
             </a:ext>
             <a:ext uri="{91240B29-F687-4F45-9708-019B960494DF}">
-              <a14:hiddenLine xmlns:a14="http://schemas.microsoft.com/office/drawing/2010/main" xmlns="" w="9525">
+              <a14:hiddenLine xmlns="" xmlns:a14="http://schemas.microsoft.com/office/drawing/2010/main" w="9525">
                 <a:solidFill>
                   <a:srgbClr val="000000"/>
                 </a:solidFill>
@@ -11957,7 +11957,7 @@
     </p:spTree>
     <p:extLst>
       <p:ext uri="{BB962C8B-B14F-4D97-AF65-F5344CB8AC3E}">
-        <p14:creationId xmlns:p14="http://schemas.microsoft.com/office/powerpoint/2010/main" xmlns="" val="3474097519"/>
+        <p14:creationId xmlns="" xmlns:p14="http://schemas.microsoft.com/office/powerpoint/2010/main" val="3474097519"/>
       </p:ext>
     </p:extLst>
   </p:cSld>
@@ -12127,7 +12127,7 @@
     </p:spTree>
     <p:extLst>
       <p:ext uri="{BB962C8B-B14F-4D97-AF65-F5344CB8AC3E}">
-        <p14:creationId xmlns:p14="http://schemas.microsoft.com/office/powerpoint/2010/main" xmlns="" val="2325078793"/>
+        <p14:creationId xmlns="" xmlns:p14="http://schemas.microsoft.com/office/powerpoint/2010/main" val="2325078793"/>
       </p:ext>
     </p:extLst>
   </p:cSld>
@@ -12264,7 +12264,7 @@
           <p:cNvPr id="7" name="Picture 6" descr="Picture 16">
             <a:extLst>
               <a:ext uri="{FF2B5EF4-FFF2-40B4-BE49-F238E27FC236}">
-                <a16:creationId xmlns:a16="http://schemas.microsoft.com/office/drawing/2014/main" xmlns="" id="{9B6F5DB2-98C5-4200-BFA9-0C681FBE9E4D}"/>
+                <a16:creationId xmlns="" xmlns:a16="http://schemas.microsoft.com/office/drawing/2014/main" id="{9B6F5DB2-98C5-4200-BFA9-0C681FBE9E4D}"/>
               </a:ext>
             </a:extLst>
           </p:cNvPr>
@@ -12277,7 +12277,7 @@
           <a:blip r:embed="rId2">
             <a:extLst>
               <a:ext uri="{28A0092B-C50C-407E-A947-70E740481C1C}">
-                <a14:useLocalDpi xmlns:a14="http://schemas.microsoft.com/office/drawing/2010/main" xmlns="" val="0"/>
+                <a14:useLocalDpi xmlns="" xmlns:a14="http://schemas.microsoft.com/office/drawing/2010/main" val="0"/>
               </a:ext>
             </a:extLst>
           </a:blip>
@@ -12300,14 +12300,14 @@
           </a:ln>
           <a:extLst>
             <a:ext uri="{909E8E84-426E-40DD-AFC4-6F175D3DCCD1}">
-              <a14:hiddenFill xmlns:a14="http://schemas.microsoft.com/office/drawing/2010/main" xmlns="">
+              <a14:hiddenFill xmlns="" xmlns:a14="http://schemas.microsoft.com/office/drawing/2010/main">
                 <a:solidFill>
                   <a:srgbClr val="FFFFFF"/>
                 </a:solidFill>
               </a14:hiddenFill>
             </a:ext>
             <a:ext uri="{91240B29-F687-4F45-9708-019B960494DF}">
-              <a14:hiddenLine xmlns:a14="http://schemas.microsoft.com/office/drawing/2010/main" xmlns="" w="9525">
+              <a14:hiddenLine xmlns="" xmlns:a14="http://schemas.microsoft.com/office/drawing/2010/main" w="9525">
                 <a:solidFill>
                   <a:srgbClr val="000000"/>
                 </a:solidFill>
@@ -12322,7 +12322,7 @@
     </p:spTree>
     <p:extLst>
       <p:ext uri="{BB962C8B-B14F-4D97-AF65-F5344CB8AC3E}">
-        <p14:creationId xmlns:p14="http://schemas.microsoft.com/office/powerpoint/2010/main" xmlns="" val="5545177"/>
+        <p14:creationId xmlns="" xmlns:p14="http://schemas.microsoft.com/office/powerpoint/2010/main" val="5545177"/>
       </p:ext>
     </p:extLst>
   </p:cSld>
@@ -12490,7 +12490,7 @@
     </p:spTree>
     <p:extLst>
       <p:ext uri="{BB962C8B-B14F-4D97-AF65-F5344CB8AC3E}">
-        <p14:creationId xmlns:p14="http://schemas.microsoft.com/office/powerpoint/2010/main" xmlns="" val="2874154356"/>
+        <p14:creationId xmlns="" xmlns:p14="http://schemas.microsoft.com/office/powerpoint/2010/main" val="2874154356"/>
       </p:ext>
     </p:extLst>
   </p:cSld>
@@ -12688,7 +12688,7 @@
     </p:spTree>
     <p:extLst>
       <p:ext uri="{BB962C8B-B14F-4D97-AF65-F5344CB8AC3E}">
-        <p14:creationId xmlns:p14="http://schemas.microsoft.com/office/powerpoint/2010/main" xmlns="" val="1187175125"/>
+        <p14:creationId xmlns="" xmlns:p14="http://schemas.microsoft.com/office/powerpoint/2010/main" val="1187175125"/>
       </p:ext>
     </p:extLst>
   </p:cSld>
@@ -12824,7 +12824,7 @@
           <p:cNvPr id="14" name="AutoShape 1">
             <a:extLst>
               <a:ext uri="{FF2B5EF4-FFF2-40B4-BE49-F238E27FC236}">
-                <a16:creationId xmlns:a16="http://schemas.microsoft.com/office/drawing/2014/main" xmlns="" id="{D35501F9-5B0C-48EF-9C66-8F3A20C3BF23}"/>
+                <a16:creationId xmlns="" xmlns:a16="http://schemas.microsoft.com/office/drawing/2014/main" id="{D35501F9-5B0C-48EF-9C66-8F3A20C3BF23}"/>
               </a:ext>
             </a:extLst>
           </p:cNvPr>
@@ -13067,7 +13067,7 @@
           <p:cNvPr id="15" name="Line 2">
             <a:extLst>
               <a:ext uri="{FF2B5EF4-FFF2-40B4-BE49-F238E27FC236}">
-                <a16:creationId xmlns:a16="http://schemas.microsoft.com/office/drawing/2014/main" xmlns="" id="{702AA8E3-9555-492A-A27D-E5A1EDF7C433}"/>
+                <a16:creationId xmlns="" xmlns:a16="http://schemas.microsoft.com/office/drawing/2014/main" id="{702AA8E3-9555-492A-A27D-E5A1EDF7C433}"/>
               </a:ext>
             </a:extLst>
           </p:cNvPr>
@@ -13095,7 +13095,7 @@
           </a:ln>
           <a:extLst>
             <a:ext uri="{909E8E84-426E-40DD-AFC4-6F175D3DCCD1}">
-              <a14:hiddenFill xmlns:a14="http://schemas.microsoft.com/office/drawing/2010/main" xmlns="">
+              <a14:hiddenFill xmlns="" xmlns:a14="http://schemas.microsoft.com/office/drawing/2010/main">
                 <a:noFill/>
               </a14:hiddenFill>
             </a:ext>
@@ -13238,7 +13238,7 @@
           <p:cNvPr id="16" name="AutoShape 3">
             <a:extLst>
               <a:ext uri="{FF2B5EF4-FFF2-40B4-BE49-F238E27FC236}">
-                <a16:creationId xmlns:a16="http://schemas.microsoft.com/office/drawing/2014/main" xmlns="" id="{8FA15B84-A6B2-46F9-9FD3-774AC08CBFF5}"/>
+                <a16:creationId xmlns="" xmlns:a16="http://schemas.microsoft.com/office/drawing/2014/main" id="{8FA15B84-A6B2-46F9-9FD3-774AC08CBFF5}"/>
               </a:ext>
             </a:extLst>
           </p:cNvPr>
@@ -13437,7 +13437,7 @@
           <p:cNvPr id="17" name="Text Box 4">
             <a:extLst>
               <a:ext uri="{FF2B5EF4-FFF2-40B4-BE49-F238E27FC236}">
-                <a16:creationId xmlns:a16="http://schemas.microsoft.com/office/drawing/2014/main" xmlns="" id="{2CBD643C-CC5B-4123-8B85-33E2718CFBBA}"/>
+                <a16:creationId xmlns="" xmlns:a16="http://schemas.microsoft.com/office/drawing/2014/main" id="{2CBD643C-CC5B-4123-8B85-33E2718CFBBA}"/>
               </a:ext>
             </a:extLst>
           </p:cNvPr>
@@ -13460,14 +13460,14 @@
           </a:ln>
           <a:extLst>
             <a:ext uri="{909E8E84-426E-40DD-AFC4-6F175D3DCCD1}">
-              <a14:hiddenFill xmlns:a14="http://schemas.microsoft.com/office/drawing/2010/main" xmlns="">
+              <a14:hiddenFill xmlns="" xmlns:a14="http://schemas.microsoft.com/office/drawing/2010/main">
                 <a:solidFill>
                   <a:srgbClr val="FFFFFF"/>
                 </a:solidFill>
               </a14:hiddenFill>
             </a:ext>
             <a:ext uri="{91240B29-F687-4F45-9708-019B960494DF}">
-              <a14:hiddenLine xmlns:a14="http://schemas.microsoft.com/office/drawing/2010/main" xmlns="" w="9525">
+              <a14:hiddenLine xmlns="" xmlns:a14="http://schemas.microsoft.com/office/drawing/2010/main" w="9525">
                 <a:solidFill>
                   <a:srgbClr val="000000"/>
                 </a:solidFill>
@@ -13630,7 +13630,7 @@
           <p:cNvPr id="18" name="Line 8">
             <a:extLst>
               <a:ext uri="{FF2B5EF4-FFF2-40B4-BE49-F238E27FC236}">
-                <a16:creationId xmlns:a16="http://schemas.microsoft.com/office/drawing/2014/main" xmlns="" id="{ECEF3B23-27EA-4933-9918-BB1F9ECA2EB2}"/>
+                <a16:creationId xmlns="" xmlns:a16="http://schemas.microsoft.com/office/drawing/2014/main" id="{ECEF3B23-27EA-4933-9918-BB1F9ECA2EB2}"/>
               </a:ext>
             </a:extLst>
           </p:cNvPr>
@@ -13658,7 +13658,7 @@
           </a:ln>
           <a:extLst>
             <a:ext uri="{909E8E84-426E-40DD-AFC4-6F175D3DCCD1}">
-              <a14:hiddenFill xmlns:a14="http://schemas.microsoft.com/office/drawing/2010/main" xmlns="">
+              <a14:hiddenFill xmlns="" xmlns:a14="http://schemas.microsoft.com/office/drawing/2010/main">
                 <a:noFill/>
               </a14:hiddenFill>
             </a:ext>
@@ -13801,7 +13801,7 @@
           <p:cNvPr id="19" name="AutoShape 9">
             <a:extLst>
               <a:ext uri="{FF2B5EF4-FFF2-40B4-BE49-F238E27FC236}">
-                <a16:creationId xmlns:a16="http://schemas.microsoft.com/office/drawing/2014/main" xmlns="" id="{F799D714-34B8-48BB-9DC5-9FB81B85D0F7}"/>
+                <a16:creationId xmlns="" xmlns:a16="http://schemas.microsoft.com/office/drawing/2014/main" id="{F799D714-34B8-48BB-9DC5-9FB81B85D0F7}"/>
               </a:ext>
             </a:extLst>
           </p:cNvPr>
@@ -14000,7 +14000,7 @@
           <p:cNvPr id="20" name="Text Box 10">
             <a:extLst>
               <a:ext uri="{FF2B5EF4-FFF2-40B4-BE49-F238E27FC236}">
-                <a16:creationId xmlns:a16="http://schemas.microsoft.com/office/drawing/2014/main" xmlns="" id="{0B551ADE-F37C-43E0-9C17-93389B7D00D1}"/>
+                <a16:creationId xmlns="" xmlns:a16="http://schemas.microsoft.com/office/drawing/2014/main" id="{0B551ADE-F37C-43E0-9C17-93389B7D00D1}"/>
               </a:ext>
             </a:extLst>
           </p:cNvPr>
@@ -14023,14 +14023,14 @@
           </a:ln>
           <a:extLst>
             <a:ext uri="{909E8E84-426E-40DD-AFC4-6F175D3DCCD1}">
-              <a14:hiddenFill xmlns:a14="http://schemas.microsoft.com/office/drawing/2010/main" xmlns="">
+              <a14:hiddenFill xmlns="" xmlns:a14="http://schemas.microsoft.com/office/drawing/2010/main">
                 <a:solidFill>
                   <a:srgbClr val="FFFFFF"/>
                 </a:solidFill>
               </a14:hiddenFill>
             </a:ext>
             <a:ext uri="{91240B29-F687-4F45-9708-019B960494DF}">
-              <a14:hiddenLine xmlns:a14="http://schemas.microsoft.com/office/drawing/2010/main" xmlns="" w="9525">
+              <a14:hiddenLine xmlns="" xmlns:a14="http://schemas.microsoft.com/office/drawing/2010/main" w="9525">
                 <a:solidFill>
                   <a:srgbClr val="000000"/>
                 </a:solidFill>
@@ -14225,7 +14225,7 @@
           <p:cNvPr id="21" name="Line 11">
             <a:extLst>
               <a:ext uri="{FF2B5EF4-FFF2-40B4-BE49-F238E27FC236}">
-                <a16:creationId xmlns:a16="http://schemas.microsoft.com/office/drawing/2014/main" xmlns="" id="{73C5A766-E086-49E1-9A05-628927E21EBA}"/>
+                <a16:creationId xmlns="" xmlns:a16="http://schemas.microsoft.com/office/drawing/2014/main" id="{73C5A766-E086-49E1-9A05-628927E21EBA}"/>
               </a:ext>
             </a:extLst>
           </p:cNvPr>
@@ -14253,7 +14253,7 @@
           </a:ln>
           <a:extLst>
             <a:ext uri="{909E8E84-426E-40DD-AFC4-6F175D3DCCD1}">
-              <a14:hiddenFill xmlns:a14="http://schemas.microsoft.com/office/drawing/2010/main" xmlns="">
+              <a14:hiddenFill xmlns="" xmlns:a14="http://schemas.microsoft.com/office/drawing/2010/main">
                 <a:noFill/>
               </a14:hiddenFill>
             </a:ext>
@@ -14394,7 +14394,7 @@
     </p:spTree>
     <p:extLst>
       <p:ext uri="{BB962C8B-B14F-4D97-AF65-F5344CB8AC3E}">
-        <p14:creationId xmlns:p14="http://schemas.microsoft.com/office/powerpoint/2010/main" xmlns="" val="3590587903"/>
+        <p14:creationId xmlns="" xmlns:p14="http://schemas.microsoft.com/office/powerpoint/2010/main" val="3590587903"/>
       </p:ext>
     </p:extLst>
   </p:cSld>
@@ -14593,7 +14593,7 @@
     </p:spTree>
     <p:extLst>
       <p:ext uri="{BB962C8B-B14F-4D97-AF65-F5344CB8AC3E}">
-        <p14:creationId xmlns:p14="http://schemas.microsoft.com/office/powerpoint/2010/main" xmlns="" val="590003311"/>
+        <p14:creationId xmlns="" xmlns:p14="http://schemas.microsoft.com/office/powerpoint/2010/main" val="590003311"/>
       </p:ext>
     </p:extLst>
   </p:cSld>
@@ -14741,7 +14741,7 @@
           <p:cNvPr id="7" name="AutoShape 4">
             <a:extLst>
               <a:ext uri="{FF2B5EF4-FFF2-40B4-BE49-F238E27FC236}">
-                <a16:creationId xmlns:a16="http://schemas.microsoft.com/office/drawing/2014/main" xmlns="" id="{13275EAC-6E2C-4B04-8B57-A34E2E0652E1}"/>
+                <a16:creationId xmlns="" xmlns:a16="http://schemas.microsoft.com/office/drawing/2014/main" id="{13275EAC-6E2C-4B04-8B57-A34E2E0652E1}"/>
               </a:ext>
             </a:extLst>
           </p:cNvPr>
@@ -14909,7 +14909,7 @@
           <p:cNvPr id="8" name="Text Box 5">
             <a:extLst>
               <a:ext uri="{FF2B5EF4-FFF2-40B4-BE49-F238E27FC236}">
-                <a16:creationId xmlns:a16="http://schemas.microsoft.com/office/drawing/2014/main" xmlns="" id="{ADD5127B-3ADF-487A-A1CB-7C21B40F511B}"/>
+                <a16:creationId xmlns="" xmlns:a16="http://schemas.microsoft.com/office/drawing/2014/main" id="{ADD5127B-3ADF-487A-A1CB-7C21B40F511B}"/>
               </a:ext>
             </a:extLst>
           </p:cNvPr>
@@ -14932,14 +14932,14 @@
           </a:ln>
           <a:extLst>
             <a:ext uri="{909E8E84-426E-40DD-AFC4-6F175D3DCCD1}">
-              <a14:hiddenFill xmlns:a14="http://schemas.microsoft.com/office/drawing/2010/main" xmlns="">
+              <a14:hiddenFill xmlns="" xmlns:a14="http://schemas.microsoft.com/office/drawing/2010/main">
                 <a:solidFill>
                   <a:srgbClr val="FFFFFF"/>
                 </a:solidFill>
               </a14:hiddenFill>
             </a:ext>
             <a:ext uri="{91240B29-F687-4F45-9708-019B960494DF}">
-              <a14:hiddenLine xmlns:a14="http://schemas.microsoft.com/office/drawing/2010/main" xmlns="" w="9525">
+              <a14:hiddenLine xmlns="" xmlns:a14="http://schemas.microsoft.com/office/drawing/2010/main" w="9525">
                 <a:solidFill>
                   <a:srgbClr val="000000"/>
                 </a:solidFill>
@@ -15200,7 +15200,7 @@
           <p:cNvPr id="9" name="AutoShape 6">
             <a:extLst>
               <a:ext uri="{FF2B5EF4-FFF2-40B4-BE49-F238E27FC236}">
-                <a16:creationId xmlns:a16="http://schemas.microsoft.com/office/drawing/2014/main" xmlns="" id="{1C4751CA-5F7A-4A72-A13E-ACBD4B3C7AF8}"/>
+                <a16:creationId xmlns="" xmlns:a16="http://schemas.microsoft.com/office/drawing/2014/main" id="{1C4751CA-5F7A-4A72-A13E-ACBD4B3C7AF8}"/>
               </a:ext>
             </a:extLst>
           </p:cNvPr>
@@ -15368,7 +15368,7 @@
           <p:cNvPr id="11" name="Text Box 7">
             <a:extLst>
               <a:ext uri="{FF2B5EF4-FFF2-40B4-BE49-F238E27FC236}">
-                <a16:creationId xmlns:a16="http://schemas.microsoft.com/office/drawing/2014/main" xmlns="" id="{8D64BA7F-23D9-445D-94B6-84986231FFDD}"/>
+                <a16:creationId xmlns="" xmlns:a16="http://schemas.microsoft.com/office/drawing/2014/main" id="{8D64BA7F-23D9-445D-94B6-84986231FFDD}"/>
               </a:ext>
             </a:extLst>
           </p:cNvPr>
@@ -15391,14 +15391,14 @@
           </a:ln>
           <a:extLst>
             <a:ext uri="{909E8E84-426E-40DD-AFC4-6F175D3DCCD1}">
-              <a14:hiddenFill xmlns:a14="http://schemas.microsoft.com/office/drawing/2010/main" xmlns="">
+              <a14:hiddenFill xmlns="" xmlns:a14="http://schemas.microsoft.com/office/drawing/2010/main">
                 <a:solidFill>
                   <a:srgbClr val="FFFFFF"/>
                 </a:solidFill>
               </a14:hiddenFill>
             </a:ext>
             <a:ext uri="{91240B29-F687-4F45-9708-019B960494DF}">
-              <a14:hiddenLine xmlns:a14="http://schemas.microsoft.com/office/drawing/2010/main" xmlns="" w="9525">
+              <a14:hiddenLine xmlns="" xmlns:a14="http://schemas.microsoft.com/office/drawing/2010/main" w="9525">
                 <a:solidFill>
                   <a:srgbClr val="000000"/>
                 </a:solidFill>
@@ -15621,7 +15621,7 @@
           <p:cNvPr id="13" name="Group 12">
             <a:extLst>
               <a:ext uri="{FF2B5EF4-FFF2-40B4-BE49-F238E27FC236}">
-                <a16:creationId xmlns:a16="http://schemas.microsoft.com/office/drawing/2014/main" xmlns="" id="{D48664B1-1420-46F3-94B9-D503620F0775}"/>
+                <a16:creationId xmlns="" xmlns:a16="http://schemas.microsoft.com/office/drawing/2014/main" id="{D48664B1-1420-46F3-94B9-D503620F0775}"/>
               </a:ext>
             </a:extLst>
           </p:cNvPr>
@@ -15643,7 +15643,7 @@
             <p:cNvPr id="19" name="AutoShape 9">
               <a:extLst>
                 <a:ext uri="{FF2B5EF4-FFF2-40B4-BE49-F238E27FC236}">
-                  <a16:creationId xmlns:a16="http://schemas.microsoft.com/office/drawing/2014/main" xmlns="" id="{BCEAF022-96BD-43F1-AF8C-4181781008B7}"/>
+                  <a16:creationId xmlns="" xmlns:a16="http://schemas.microsoft.com/office/drawing/2014/main" id="{BCEAF022-96BD-43F1-AF8C-4181781008B7}"/>
                 </a:ext>
               </a:extLst>
             </p:cNvPr>
@@ -15874,7 +15874,7 @@
             <p:cNvPr id="20" name="Line 10">
               <a:extLst>
                 <a:ext uri="{FF2B5EF4-FFF2-40B4-BE49-F238E27FC236}">
-                  <a16:creationId xmlns:a16="http://schemas.microsoft.com/office/drawing/2014/main" xmlns="" id="{FF6B1339-25C4-4D49-9D0C-CFEAA3FBE015}"/>
+                  <a16:creationId xmlns="" xmlns:a16="http://schemas.microsoft.com/office/drawing/2014/main" id="{FF6B1339-25C4-4D49-9D0C-CFEAA3FBE015}"/>
                 </a:ext>
               </a:extLst>
             </p:cNvPr>
@@ -15902,7 +15902,7 @@
             </a:ln>
             <a:extLst>
               <a:ext uri="{909E8E84-426E-40DD-AFC4-6F175D3DCCD1}">
-                <a14:hiddenFill xmlns:a14="http://schemas.microsoft.com/office/drawing/2010/main" xmlns="">
+                <a14:hiddenFill xmlns="" xmlns:a14="http://schemas.microsoft.com/office/drawing/2010/main">
                   <a:noFill/>
                 </a14:hiddenFill>
               </a:ext>
@@ -16045,7 +16045,7 @@
             <p:cNvPr id="21" name="AutoShape 11">
               <a:extLst>
                 <a:ext uri="{FF2B5EF4-FFF2-40B4-BE49-F238E27FC236}">
-                  <a16:creationId xmlns:a16="http://schemas.microsoft.com/office/drawing/2014/main" xmlns="" id="{5FB3C479-4003-47BB-A2CC-B4AD886EF752}"/>
+                  <a16:creationId xmlns="" xmlns:a16="http://schemas.microsoft.com/office/drawing/2014/main" id="{5FB3C479-4003-47BB-A2CC-B4AD886EF752}"/>
                 </a:ext>
               </a:extLst>
             </p:cNvPr>
@@ -16244,7 +16244,7 @@
             <p:cNvPr id="22" name="Line 12">
               <a:extLst>
                 <a:ext uri="{FF2B5EF4-FFF2-40B4-BE49-F238E27FC236}">
-                  <a16:creationId xmlns:a16="http://schemas.microsoft.com/office/drawing/2014/main" xmlns="" id="{D8C945C0-9BCD-46C4-A3B2-0D90A7458ED4}"/>
+                  <a16:creationId xmlns="" xmlns:a16="http://schemas.microsoft.com/office/drawing/2014/main" id="{D8C945C0-9BCD-46C4-A3B2-0D90A7458ED4}"/>
                 </a:ext>
               </a:extLst>
             </p:cNvPr>
@@ -16272,7 +16272,7 @@
             </a:ln>
             <a:extLst>
               <a:ext uri="{909E8E84-426E-40DD-AFC4-6F175D3DCCD1}">
-                <a14:hiddenFill xmlns:a14="http://schemas.microsoft.com/office/drawing/2010/main" xmlns="">
+                <a14:hiddenFill xmlns="" xmlns:a14="http://schemas.microsoft.com/office/drawing/2010/main">
                   <a:noFill/>
                 </a14:hiddenFill>
               </a:ext>
@@ -16415,7 +16415,7 @@
             <p:cNvPr id="23" name="AutoShape 13">
               <a:extLst>
                 <a:ext uri="{FF2B5EF4-FFF2-40B4-BE49-F238E27FC236}">
-                  <a16:creationId xmlns:a16="http://schemas.microsoft.com/office/drawing/2014/main" xmlns="" id="{DEA6651E-683F-4B62-A7D7-54074C6A25F6}"/>
+                  <a16:creationId xmlns="" xmlns:a16="http://schemas.microsoft.com/office/drawing/2014/main" id="{DEA6651E-683F-4B62-A7D7-54074C6A25F6}"/>
                 </a:ext>
               </a:extLst>
             </p:cNvPr>
@@ -16615,7 +16615,7 @@
           <p:cNvPr id="14" name="AutoShape 14">
             <a:extLst>
               <a:ext uri="{FF2B5EF4-FFF2-40B4-BE49-F238E27FC236}">
-                <a16:creationId xmlns:a16="http://schemas.microsoft.com/office/drawing/2014/main" xmlns="" id="{3C24020D-49D9-4E7F-9FC5-9818A6A516A8}"/>
+                <a16:creationId xmlns="" xmlns:a16="http://schemas.microsoft.com/office/drawing/2014/main" id="{3C24020D-49D9-4E7F-9FC5-9818A6A516A8}"/>
               </a:ext>
             </a:extLst>
           </p:cNvPr>
@@ -16783,7 +16783,7 @@
           <p:cNvPr id="15" name="Text Box 15">
             <a:extLst>
               <a:ext uri="{FF2B5EF4-FFF2-40B4-BE49-F238E27FC236}">
-                <a16:creationId xmlns:a16="http://schemas.microsoft.com/office/drawing/2014/main" xmlns="" id="{B110248F-BAB7-4577-8FEB-1A6A74603D14}"/>
+                <a16:creationId xmlns="" xmlns:a16="http://schemas.microsoft.com/office/drawing/2014/main" id="{B110248F-BAB7-4577-8FEB-1A6A74603D14}"/>
               </a:ext>
             </a:extLst>
           </p:cNvPr>
@@ -16806,14 +16806,14 @@
           </a:ln>
           <a:extLst>
             <a:ext uri="{909E8E84-426E-40DD-AFC4-6F175D3DCCD1}">
-              <a14:hiddenFill xmlns:a14="http://schemas.microsoft.com/office/drawing/2010/main" xmlns="">
+              <a14:hiddenFill xmlns="" xmlns:a14="http://schemas.microsoft.com/office/drawing/2010/main">
                 <a:solidFill>
                   <a:srgbClr val="FFFFFF"/>
                 </a:solidFill>
               </a14:hiddenFill>
             </a:ext>
             <a:ext uri="{91240B29-F687-4F45-9708-019B960494DF}">
-              <a14:hiddenLine xmlns:a14="http://schemas.microsoft.com/office/drawing/2010/main" xmlns="" w="9525">
+              <a14:hiddenLine xmlns="" xmlns:a14="http://schemas.microsoft.com/office/drawing/2010/main" w="9525">
                 <a:solidFill>
                   <a:srgbClr val="000000"/>
                 </a:solidFill>
@@ -17036,7 +17036,7 @@
           <p:cNvPr id="16" name="Text Box 16">
             <a:extLst>
               <a:ext uri="{FF2B5EF4-FFF2-40B4-BE49-F238E27FC236}">
-                <a16:creationId xmlns:a16="http://schemas.microsoft.com/office/drawing/2014/main" xmlns="" id="{C22FED14-C7CF-486A-8D74-2B6D44F4F6B8}"/>
+                <a16:creationId xmlns="" xmlns:a16="http://schemas.microsoft.com/office/drawing/2014/main" id="{C22FED14-C7CF-486A-8D74-2B6D44F4F6B8}"/>
               </a:ext>
             </a:extLst>
           </p:cNvPr>
@@ -17059,14 +17059,14 @@
           </a:ln>
           <a:extLst>
             <a:ext uri="{909E8E84-426E-40DD-AFC4-6F175D3DCCD1}">
-              <a14:hiddenFill xmlns:a14="http://schemas.microsoft.com/office/drawing/2010/main" xmlns="">
+              <a14:hiddenFill xmlns="" xmlns:a14="http://schemas.microsoft.com/office/drawing/2010/main">
                 <a:solidFill>
                   <a:srgbClr val="FFFFFF"/>
                 </a:solidFill>
               </a14:hiddenFill>
             </a:ext>
             <a:ext uri="{91240B29-F687-4F45-9708-019B960494DF}">
-              <a14:hiddenLine xmlns:a14="http://schemas.microsoft.com/office/drawing/2010/main" xmlns="" w="9525">
+              <a14:hiddenLine xmlns="" xmlns:a14="http://schemas.microsoft.com/office/drawing/2010/main" w="9525">
                 <a:solidFill>
                   <a:srgbClr val="000000"/>
                 </a:solidFill>
@@ -17229,7 +17229,7 @@
           <p:cNvPr id="17" name="Line 17">
             <a:extLst>
               <a:ext uri="{FF2B5EF4-FFF2-40B4-BE49-F238E27FC236}">
-                <a16:creationId xmlns:a16="http://schemas.microsoft.com/office/drawing/2014/main" xmlns="" id="{A174921B-B6B4-4177-833D-8AC88EBF2FD5}"/>
+                <a16:creationId xmlns="" xmlns:a16="http://schemas.microsoft.com/office/drawing/2014/main" id="{A174921B-B6B4-4177-833D-8AC88EBF2FD5}"/>
               </a:ext>
             </a:extLst>
           </p:cNvPr>
@@ -17257,7 +17257,7 @@
           </a:ln>
           <a:extLst>
             <a:ext uri="{909E8E84-426E-40DD-AFC4-6F175D3DCCD1}">
-              <a14:hiddenFill xmlns:a14="http://schemas.microsoft.com/office/drawing/2010/main" xmlns="">
+              <a14:hiddenFill xmlns="" xmlns:a14="http://schemas.microsoft.com/office/drawing/2010/main">
                 <a:noFill/>
               </a14:hiddenFill>
             </a:ext>
@@ -17400,7 +17400,7 @@
           <p:cNvPr id="18" name="Line 18">
             <a:extLst>
               <a:ext uri="{FF2B5EF4-FFF2-40B4-BE49-F238E27FC236}">
-                <a16:creationId xmlns:a16="http://schemas.microsoft.com/office/drawing/2014/main" xmlns="" id="{D50DB172-331A-40F4-8E2C-99C1B4E91F0F}"/>
+                <a16:creationId xmlns="" xmlns:a16="http://schemas.microsoft.com/office/drawing/2014/main" id="{D50DB172-331A-40F4-8E2C-99C1B4E91F0F}"/>
               </a:ext>
             </a:extLst>
           </p:cNvPr>
@@ -17428,7 +17428,7 @@
           </a:ln>
           <a:extLst>
             <a:ext uri="{909E8E84-426E-40DD-AFC4-6F175D3DCCD1}">
-              <a14:hiddenFill xmlns:a14="http://schemas.microsoft.com/office/drawing/2010/main" xmlns="">
+              <a14:hiddenFill xmlns="" xmlns:a14="http://schemas.microsoft.com/office/drawing/2010/main">
                 <a:noFill/>
               </a14:hiddenFill>
             </a:ext>
@@ -17569,7 +17569,7 @@
     </p:spTree>
     <p:extLst>
       <p:ext uri="{BB962C8B-B14F-4D97-AF65-F5344CB8AC3E}">
-        <p14:creationId xmlns:p14="http://schemas.microsoft.com/office/powerpoint/2010/main" xmlns="" val="167956170"/>
+        <p14:creationId xmlns="" xmlns:p14="http://schemas.microsoft.com/office/powerpoint/2010/main" val="167956170"/>
       </p:ext>
     </p:extLst>
   </p:cSld>
@@ -17759,7 +17759,7 @@
     </p:spTree>
     <p:extLst>
       <p:ext uri="{BB962C8B-B14F-4D97-AF65-F5344CB8AC3E}">
-        <p14:creationId xmlns:p14="http://schemas.microsoft.com/office/powerpoint/2010/main" xmlns="" val="2632079071"/>
+        <p14:creationId xmlns="" xmlns:p14="http://schemas.microsoft.com/office/powerpoint/2010/main" val="2632079071"/>
       </p:ext>
     </p:extLst>
   </p:cSld>
@@ -17911,7 +17911,7 @@
           <p:cNvPr id="7" name="Group 6">
             <a:extLst>
               <a:ext uri="{FF2B5EF4-FFF2-40B4-BE49-F238E27FC236}">
-                <a16:creationId xmlns:a16="http://schemas.microsoft.com/office/drawing/2014/main" xmlns="" id="{6059797D-B994-42B1-B6A6-F6E966FE1EE5}"/>
+                <a16:creationId xmlns="" xmlns:a16="http://schemas.microsoft.com/office/drawing/2014/main" id="{6059797D-B994-42B1-B6A6-F6E966FE1EE5}"/>
               </a:ext>
             </a:extLst>
           </p:cNvPr>
@@ -17933,7 +17933,7 @@
             <p:cNvPr id="8" name="AutoShape 5">
               <a:extLst>
                 <a:ext uri="{FF2B5EF4-FFF2-40B4-BE49-F238E27FC236}">
-                  <a16:creationId xmlns:a16="http://schemas.microsoft.com/office/drawing/2014/main" xmlns="" id="{D6FFAD0A-9591-45BB-9CD7-C02C79A95A80}"/>
+                  <a16:creationId xmlns="" xmlns:a16="http://schemas.microsoft.com/office/drawing/2014/main" id="{D6FFAD0A-9591-45BB-9CD7-C02C79A95A80}"/>
                 </a:ext>
               </a:extLst>
             </p:cNvPr>
@@ -18144,7 +18144,7 @@
             <p:cNvPr id="9" name="Line 6">
               <a:extLst>
                 <a:ext uri="{FF2B5EF4-FFF2-40B4-BE49-F238E27FC236}">
-                  <a16:creationId xmlns:a16="http://schemas.microsoft.com/office/drawing/2014/main" xmlns="" id="{C3857098-8637-4387-BACC-9144E765FD73}"/>
+                  <a16:creationId xmlns="" xmlns:a16="http://schemas.microsoft.com/office/drawing/2014/main" id="{C3857098-8637-4387-BACC-9144E765FD73}"/>
                 </a:ext>
               </a:extLst>
             </p:cNvPr>
@@ -18172,7 +18172,7 @@
             </a:ln>
             <a:extLst>
               <a:ext uri="{909E8E84-426E-40DD-AFC4-6F175D3DCCD1}">
-                <a14:hiddenFill xmlns:a14="http://schemas.microsoft.com/office/drawing/2010/main" xmlns="">
+                <a14:hiddenFill xmlns="" xmlns:a14="http://schemas.microsoft.com/office/drawing/2010/main">
                   <a:noFill/>
                 </a14:hiddenFill>
               </a:ext>
@@ -18315,7 +18315,7 @@
             <p:cNvPr id="11" name="AutoShape 7">
               <a:extLst>
                 <a:ext uri="{FF2B5EF4-FFF2-40B4-BE49-F238E27FC236}">
-                  <a16:creationId xmlns:a16="http://schemas.microsoft.com/office/drawing/2014/main" xmlns="" id="{CBD90AFF-C808-4268-8FD9-359C994E64A8}"/>
+                  <a16:creationId xmlns="" xmlns:a16="http://schemas.microsoft.com/office/drawing/2014/main" id="{CBD90AFF-C808-4268-8FD9-359C994E64A8}"/>
                 </a:ext>
               </a:extLst>
             </p:cNvPr>
@@ -18514,7 +18514,7 @@
             <p:cNvPr id="13" name="Line 8">
               <a:extLst>
                 <a:ext uri="{FF2B5EF4-FFF2-40B4-BE49-F238E27FC236}">
-                  <a16:creationId xmlns:a16="http://schemas.microsoft.com/office/drawing/2014/main" xmlns="" id="{460EC9F5-9B9D-4E28-96F3-768E2AEDBBD8}"/>
+                  <a16:creationId xmlns="" xmlns:a16="http://schemas.microsoft.com/office/drawing/2014/main" id="{460EC9F5-9B9D-4E28-96F3-768E2AEDBBD8}"/>
                 </a:ext>
               </a:extLst>
             </p:cNvPr>
@@ -18542,7 +18542,7 @@
             </a:ln>
             <a:extLst>
               <a:ext uri="{909E8E84-426E-40DD-AFC4-6F175D3DCCD1}">
-                <a14:hiddenFill xmlns:a14="http://schemas.microsoft.com/office/drawing/2010/main" xmlns="">
+                <a14:hiddenFill xmlns="" xmlns:a14="http://schemas.microsoft.com/office/drawing/2010/main">
                   <a:noFill/>
                 </a14:hiddenFill>
               </a:ext>
@@ -18685,7 +18685,7 @@
             <p:cNvPr id="14" name="AutoShape 9">
               <a:extLst>
                 <a:ext uri="{FF2B5EF4-FFF2-40B4-BE49-F238E27FC236}">
-                  <a16:creationId xmlns:a16="http://schemas.microsoft.com/office/drawing/2014/main" xmlns="" id="{C410BBAB-5578-43DA-8075-332B23A6237B}"/>
+                  <a16:creationId xmlns="" xmlns:a16="http://schemas.microsoft.com/office/drawing/2014/main" id="{C410BBAB-5578-43DA-8075-332B23A6237B}"/>
                 </a:ext>
               </a:extLst>
             </p:cNvPr>
@@ -18883,7 +18883,7 @@
     </p:spTree>
     <p:extLst>
       <p:ext uri="{BB962C8B-B14F-4D97-AF65-F5344CB8AC3E}">
-        <p14:creationId xmlns:p14="http://schemas.microsoft.com/office/powerpoint/2010/main" xmlns="" val="3332486062"/>
+        <p14:creationId xmlns="" xmlns:p14="http://schemas.microsoft.com/office/powerpoint/2010/main" val="3332486062"/>
       </p:ext>
     </p:extLst>
   </p:cSld>
@@ -19031,7 +19031,7 @@
           <p:cNvPr id="7" name="AutoShape 4">
             <a:extLst>
               <a:ext uri="{FF2B5EF4-FFF2-40B4-BE49-F238E27FC236}">
-                <a16:creationId xmlns:a16="http://schemas.microsoft.com/office/drawing/2014/main" xmlns="" id="{EE87E6B9-5E68-4338-99AA-B61E452A41D6}"/>
+                <a16:creationId xmlns="" xmlns:a16="http://schemas.microsoft.com/office/drawing/2014/main" id="{EE87E6B9-5E68-4338-99AA-B61E452A41D6}"/>
               </a:ext>
             </a:extLst>
           </p:cNvPr>
@@ -19199,7 +19199,7 @@
           <p:cNvPr id="8" name="Text Box 5">
             <a:extLst>
               <a:ext uri="{FF2B5EF4-FFF2-40B4-BE49-F238E27FC236}">
-                <a16:creationId xmlns:a16="http://schemas.microsoft.com/office/drawing/2014/main" xmlns="" id="{61BABADE-E154-4198-9173-E4954F7EFF39}"/>
+                <a16:creationId xmlns="" xmlns:a16="http://schemas.microsoft.com/office/drawing/2014/main" id="{61BABADE-E154-4198-9173-E4954F7EFF39}"/>
               </a:ext>
             </a:extLst>
           </p:cNvPr>
@@ -19222,14 +19222,14 @@
           </a:ln>
           <a:extLst>
             <a:ext uri="{909E8E84-426E-40DD-AFC4-6F175D3DCCD1}">
-              <a14:hiddenFill xmlns:a14="http://schemas.microsoft.com/office/drawing/2010/main" xmlns="">
+              <a14:hiddenFill xmlns="" xmlns:a14="http://schemas.microsoft.com/office/drawing/2010/main">
                 <a:solidFill>
                   <a:srgbClr val="FFFFFF"/>
                 </a:solidFill>
               </a14:hiddenFill>
             </a:ext>
             <a:ext uri="{91240B29-F687-4F45-9708-019B960494DF}">
-              <a14:hiddenLine xmlns:a14="http://schemas.microsoft.com/office/drawing/2010/main" xmlns="" w="9525">
+              <a14:hiddenLine xmlns="" xmlns:a14="http://schemas.microsoft.com/office/drawing/2010/main" w="9525">
                 <a:solidFill>
                   <a:srgbClr val="000000"/>
                 </a:solidFill>
@@ -19433,7 +19433,7 @@
           <p:cNvPr id="9" name="AutoShape 6">
             <a:extLst>
               <a:ext uri="{FF2B5EF4-FFF2-40B4-BE49-F238E27FC236}">
-                <a16:creationId xmlns:a16="http://schemas.microsoft.com/office/drawing/2014/main" xmlns="" id="{3DFE6D5C-6B17-4CC6-8FDB-0298C629879F}"/>
+                <a16:creationId xmlns="" xmlns:a16="http://schemas.microsoft.com/office/drawing/2014/main" id="{3DFE6D5C-6B17-4CC6-8FDB-0298C629879F}"/>
               </a:ext>
             </a:extLst>
           </p:cNvPr>
@@ -19601,7 +19601,7 @@
           <p:cNvPr id="11" name="Text Box 7">
             <a:extLst>
               <a:ext uri="{FF2B5EF4-FFF2-40B4-BE49-F238E27FC236}">
-                <a16:creationId xmlns:a16="http://schemas.microsoft.com/office/drawing/2014/main" xmlns="" id="{BA4E2FAE-2305-4BA6-99CF-4E5205BA0BE7}"/>
+                <a16:creationId xmlns="" xmlns:a16="http://schemas.microsoft.com/office/drawing/2014/main" id="{BA4E2FAE-2305-4BA6-99CF-4E5205BA0BE7}"/>
               </a:ext>
             </a:extLst>
           </p:cNvPr>
@@ -19624,14 +19624,14 @@
           </a:ln>
           <a:extLst>
             <a:ext uri="{909E8E84-426E-40DD-AFC4-6F175D3DCCD1}">
-              <a14:hiddenFill xmlns:a14="http://schemas.microsoft.com/office/drawing/2010/main" xmlns="">
+              <a14:hiddenFill xmlns="" xmlns:a14="http://schemas.microsoft.com/office/drawing/2010/main">
                 <a:solidFill>
                   <a:srgbClr val="FFFFFF"/>
                 </a:solidFill>
               </a14:hiddenFill>
             </a:ext>
             <a:ext uri="{91240B29-F687-4F45-9708-019B960494DF}">
-              <a14:hiddenLine xmlns:a14="http://schemas.microsoft.com/office/drawing/2010/main" xmlns="" w="9525">
+              <a14:hiddenLine xmlns="" xmlns:a14="http://schemas.microsoft.com/office/drawing/2010/main" w="9525">
                 <a:solidFill>
                   <a:srgbClr val="000000"/>
                 </a:solidFill>
@@ -19873,7 +19873,7 @@
           <p:cNvPr id="13" name="Group 12">
             <a:extLst>
               <a:ext uri="{FF2B5EF4-FFF2-40B4-BE49-F238E27FC236}">
-                <a16:creationId xmlns:a16="http://schemas.microsoft.com/office/drawing/2014/main" xmlns="" id="{F76D2BCB-0A1A-47D0-A082-6F13875D95A0}"/>
+                <a16:creationId xmlns="" xmlns:a16="http://schemas.microsoft.com/office/drawing/2014/main" id="{F76D2BCB-0A1A-47D0-A082-6F13875D95A0}"/>
               </a:ext>
             </a:extLst>
           </p:cNvPr>
@@ -19895,7 +19895,7 @@
             <p:cNvPr id="18" name="AutoShape 9">
               <a:extLst>
                 <a:ext uri="{FF2B5EF4-FFF2-40B4-BE49-F238E27FC236}">
-                  <a16:creationId xmlns:a16="http://schemas.microsoft.com/office/drawing/2014/main" xmlns="" id="{8515EA32-01CC-42E9-8F19-4FFAB59B1FD5}"/>
+                  <a16:creationId xmlns="" xmlns:a16="http://schemas.microsoft.com/office/drawing/2014/main" id="{8515EA32-01CC-42E9-8F19-4FFAB59B1FD5}"/>
                 </a:ext>
               </a:extLst>
             </p:cNvPr>
@@ -20106,7 +20106,7 @@
             <p:cNvPr id="19" name="Line 10">
               <a:extLst>
                 <a:ext uri="{FF2B5EF4-FFF2-40B4-BE49-F238E27FC236}">
-                  <a16:creationId xmlns:a16="http://schemas.microsoft.com/office/drawing/2014/main" xmlns="" id="{D3C2F11C-B9DE-4F84-991A-FB2DA24DEF60}"/>
+                  <a16:creationId xmlns="" xmlns:a16="http://schemas.microsoft.com/office/drawing/2014/main" id="{D3C2F11C-B9DE-4F84-991A-FB2DA24DEF60}"/>
                 </a:ext>
               </a:extLst>
             </p:cNvPr>
@@ -20134,7 +20134,7 @@
             </a:ln>
             <a:extLst>
               <a:ext uri="{909E8E84-426E-40DD-AFC4-6F175D3DCCD1}">
-                <a14:hiddenFill xmlns:a14="http://schemas.microsoft.com/office/drawing/2010/main" xmlns="">
+                <a14:hiddenFill xmlns="" xmlns:a14="http://schemas.microsoft.com/office/drawing/2010/main">
                   <a:noFill/>
                 </a14:hiddenFill>
               </a:ext>
@@ -20277,7 +20277,7 @@
             <p:cNvPr id="20" name="AutoShape 11">
               <a:extLst>
                 <a:ext uri="{FF2B5EF4-FFF2-40B4-BE49-F238E27FC236}">
-                  <a16:creationId xmlns:a16="http://schemas.microsoft.com/office/drawing/2014/main" xmlns="" id="{B69339BE-1884-4533-98CB-BCC0EB2EEF0A}"/>
+                  <a16:creationId xmlns="" xmlns:a16="http://schemas.microsoft.com/office/drawing/2014/main" id="{B69339BE-1884-4533-98CB-BCC0EB2EEF0A}"/>
                 </a:ext>
               </a:extLst>
             </p:cNvPr>
@@ -20476,7 +20476,7 @@
             <p:cNvPr id="21" name="Line 12">
               <a:extLst>
                 <a:ext uri="{FF2B5EF4-FFF2-40B4-BE49-F238E27FC236}">
-                  <a16:creationId xmlns:a16="http://schemas.microsoft.com/office/drawing/2014/main" xmlns="" id="{3064BB47-AEE1-4F7A-9F89-8DEEE168948F}"/>
+                  <a16:creationId xmlns="" xmlns:a16="http://schemas.microsoft.com/office/drawing/2014/main" id="{3064BB47-AEE1-4F7A-9F89-8DEEE168948F}"/>
                 </a:ext>
               </a:extLst>
             </p:cNvPr>
@@ -20504,7 +20504,7 @@
             </a:ln>
             <a:extLst>
               <a:ext uri="{909E8E84-426E-40DD-AFC4-6F175D3DCCD1}">
-                <a14:hiddenFill xmlns:a14="http://schemas.microsoft.com/office/drawing/2010/main" xmlns="">
+                <a14:hiddenFill xmlns="" xmlns:a14="http://schemas.microsoft.com/office/drawing/2010/main">
                   <a:noFill/>
                 </a14:hiddenFill>
               </a:ext>
@@ -20647,7 +20647,7 @@
             <p:cNvPr id="22" name="AutoShape 13">
               <a:extLst>
                 <a:ext uri="{FF2B5EF4-FFF2-40B4-BE49-F238E27FC236}">
-                  <a16:creationId xmlns:a16="http://schemas.microsoft.com/office/drawing/2014/main" xmlns="" id="{C732053F-AF09-4DD5-8CF6-61190AD1CE7B}"/>
+                  <a16:creationId xmlns="" xmlns:a16="http://schemas.microsoft.com/office/drawing/2014/main" id="{C732053F-AF09-4DD5-8CF6-61190AD1CE7B}"/>
                 </a:ext>
               </a:extLst>
             </p:cNvPr>
@@ -20847,7 +20847,7 @@
           <p:cNvPr id="14" name="AutoShape 14">
             <a:extLst>
               <a:ext uri="{FF2B5EF4-FFF2-40B4-BE49-F238E27FC236}">
-                <a16:creationId xmlns:a16="http://schemas.microsoft.com/office/drawing/2014/main" xmlns="" id="{A7727776-D7AB-4C7A-BF76-24235BE41E6B}"/>
+                <a16:creationId xmlns="" xmlns:a16="http://schemas.microsoft.com/office/drawing/2014/main" id="{A7727776-D7AB-4C7A-BF76-24235BE41E6B}"/>
               </a:ext>
             </a:extLst>
           </p:cNvPr>
@@ -21015,7 +21015,7 @@
           <p:cNvPr id="15" name="Text Box 15">
             <a:extLst>
               <a:ext uri="{FF2B5EF4-FFF2-40B4-BE49-F238E27FC236}">
-                <a16:creationId xmlns:a16="http://schemas.microsoft.com/office/drawing/2014/main" xmlns="" id="{05205A86-7DB8-48DC-A724-B5F276A5E7F3}"/>
+                <a16:creationId xmlns="" xmlns:a16="http://schemas.microsoft.com/office/drawing/2014/main" id="{05205A86-7DB8-48DC-A724-B5F276A5E7F3}"/>
               </a:ext>
             </a:extLst>
           </p:cNvPr>
@@ -21038,14 +21038,14 @@
           </a:ln>
           <a:extLst>
             <a:ext uri="{909E8E84-426E-40DD-AFC4-6F175D3DCCD1}">
-              <a14:hiddenFill xmlns:a14="http://schemas.microsoft.com/office/drawing/2010/main" xmlns="">
+              <a14:hiddenFill xmlns="" xmlns:a14="http://schemas.microsoft.com/office/drawing/2010/main">
                 <a:solidFill>
                   <a:srgbClr val="FFFFFF"/>
                 </a:solidFill>
               </a14:hiddenFill>
             </a:ext>
             <a:ext uri="{91240B29-F687-4F45-9708-019B960494DF}">
-              <a14:hiddenLine xmlns:a14="http://schemas.microsoft.com/office/drawing/2010/main" xmlns="" w="9525">
+              <a14:hiddenLine xmlns="" xmlns:a14="http://schemas.microsoft.com/office/drawing/2010/main" w="9525">
                 <a:solidFill>
                   <a:srgbClr val="000000"/>
                 </a:solidFill>
@@ -21311,7 +21311,7 @@
           <p:cNvPr id="16" name="Text Box 16">
             <a:extLst>
               <a:ext uri="{FF2B5EF4-FFF2-40B4-BE49-F238E27FC236}">
-                <a16:creationId xmlns:a16="http://schemas.microsoft.com/office/drawing/2014/main" xmlns="" id="{5B9A0431-4924-4BB6-954A-94ED035A466B}"/>
+                <a16:creationId xmlns="" xmlns:a16="http://schemas.microsoft.com/office/drawing/2014/main" id="{5B9A0431-4924-4BB6-954A-94ED035A466B}"/>
               </a:ext>
             </a:extLst>
           </p:cNvPr>
@@ -21334,14 +21334,14 @@
           </a:ln>
           <a:extLst>
             <a:ext uri="{909E8E84-426E-40DD-AFC4-6F175D3DCCD1}">
-              <a14:hiddenFill xmlns:a14="http://schemas.microsoft.com/office/drawing/2010/main" xmlns="">
+              <a14:hiddenFill xmlns="" xmlns:a14="http://schemas.microsoft.com/office/drawing/2010/main">
                 <a:solidFill>
                   <a:srgbClr val="FFFFFF"/>
                 </a:solidFill>
               </a14:hiddenFill>
             </a:ext>
             <a:ext uri="{91240B29-F687-4F45-9708-019B960494DF}">
-              <a14:hiddenLine xmlns:a14="http://schemas.microsoft.com/office/drawing/2010/main" xmlns="" w="9525">
+              <a14:hiddenLine xmlns="" xmlns:a14="http://schemas.microsoft.com/office/drawing/2010/main" w="9525">
                 <a:solidFill>
                   <a:srgbClr val="000000"/>
                 </a:solidFill>
@@ -21504,7 +21504,7 @@
           <p:cNvPr id="17" name="Line 17">
             <a:extLst>
               <a:ext uri="{FF2B5EF4-FFF2-40B4-BE49-F238E27FC236}">
-                <a16:creationId xmlns:a16="http://schemas.microsoft.com/office/drawing/2014/main" xmlns="" id="{53B3EA05-A66B-46DB-BBA6-C99A614678FC}"/>
+                <a16:creationId xmlns="" xmlns:a16="http://schemas.microsoft.com/office/drawing/2014/main" id="{53B3EA05-A66B-46DB-BBA6-C99A614678FC}"/>
               </a:ext>
             </a:extLst>
           </p:cNvPr>
@@ -21532,7 +21532,7 @@
           </a:ln>
           <a:extLst>
             <a:ext uri="{909E8E84-426E-40DD-AFC4-6F175D3DCCD1}">
-              <a14:hiddenFill xmlns:a14="http://schemas.microsoft.com/office/drawing/2010/main" xmlns="">
+              <a14:hiddenFill xmlns="" xmlns:a14="http://schemas.microsoft.com/office/drawing/2010/main">
                 <a:noFill/>
               </a14:hiddenFill>
             </a:ext>
@@ -21673,7 +21673,7 @@
     </p:spTree>
     <p:extLst>
       <p:ext uri="{BB962C8B-B14F-4D97-AF65-F5344CB8AC3E}">
-        <p14:creationId xmlns:p14="http://schemas.microsoft.com/office/powerpoint/2010/main" xmlns="" val="4169895058"/>
+        <p14:creationId xmlns="" xmlns:p14="http://schemas.microsoft.com/office/powerpoint/2010/main" val="4169895058"/>
       </p:ext>
     </p:extLst>
   </p:cSld>
@@ -21972,7 +21972,7 @@
   <a:extraClrSchemeLst/>
   <a:extLst>
     <a:ext uri="{05A4C25C-085E-4340-85A3-A5531E510DB2}">
-      <thm15:themeFamily xmlns:thm15="http://schemas.microsoft.com/office/thememl/2012/main" xmlns="" name="eye_tracker_presentation" id="{00ED1D97-A04B-46A0-BB71-88655A6B057F}" vid="{F36189FA-3966-4852-951E-5734674D1C7B}"/>
+      <thm15:themeFamily xmlns="" xmlns:thm15="http://schemas.microsoft.com/office/thememl/2012/main" name="eye_tracker_presentation" id="{00ED1D97-A04B-46A0-BB71-88655A6B057F}" vid="{F36189FA-3966-4852-951E-5734674D1C7B}"/>
     </a:ext>
   </a:extLst>
 </a:theme>
@@ -22267,7 +22267,7 @@
   <a:extraClrSchemeLst/>
   <a:extLst>
     <a:ext uri="{05A4C25C-085E-4340-85A3-A5531E510DB2}">
-      <thm15:themeFamily xmlns:thm15="http://schemas.microsoft.com/office/thememl/2012/main" xmlns="" name="Office Theme" id="{62F939B6-93AF-4DB8-9C6B-D6C7DFDC589F}" vid="{4A3C46E8-61CC-4603-A589-7422A47A8E4A}"/>
+      <thm15:themeFamily xmlns="" xmlns:thm15="http://schemas.microsoft.com/office/thememl/2012/main" name="Office Theme" id="{62F939B6-93AF-4DB8-9C6B-D6C7DFDC589F}" vid="{4A3C46E8-61CC-4603-A589-7422A47A8E4A}"/>
     </a:ext>
   </a:extLst>
 </a:theme>
